--- a/PDF's Images/Python Strings.pptx
+++ b/PDF's Images/Python Strings.pptx
@@ -2,7 +2,7 @@
 <file path=ppt/presentation.xml><?xml version="1.0" encoding="utf-8"?>
 <p:presentation xmlns:a="http://schemas.openxmlformats.org/drawingml/2006/main" xmlns:r="http://schemas.openxmlformats.org/officeDocument/2006/relationships" xmlns:p="http://schemas.openxmlformats.org/presentationml/2006/main" saveSubsetFonts="1">
   <p:sldMasterIdLst>
-    <p:sldMasterId id="2147483648" r:id="rId1"/>
+    <p:sldMasterId id="2147483714" r:id="rId1"/>
   </p:sldMasterIdLst>
   <p:sldIdLst>
     <p:sldId id="256" r:id="rId2"/>
@@ -41,7 +41,7 @@
     <a:defPPr>
       <a:defRPr lang="en-US"/>
     </a:defPPr>
-    <a:lvl1pPr marL="0" algn="l" defTabSz="914400" rtl="0" eaLnBrk="1" latinLnBrk="0" hangingPunct="1">
+    <a:lvl1pPr marL="0" algn="l" defTabSz="457200" rtl="0" eaLnBrk="1" latinLnBrk="0" hangingPunct="1">
       <a:defRPr sz="1800" kern="1200">
         <a:solidFill>
           <a:schemeClr val="tx1"/>
@@ -51,7 +51,7 @@
         <a:cs typeface="+mn-cs"/>
       </a:defRPr>
     </a:lvl1pPr>
-    <a:lvl2pPr marL="457200" algn="l" defTabSz="914400" rtl="0" eaLnBrk="1" latinLnBrk="0" hangingPunct="1">
+    <a:lvl2pPr marL="457200" algn="l" defTabSz="457200" rtl="0" eaLnBrk="1" latinLnBrk="0" hangingPunct="1">
       <a:defRPr sz="1800" kern="1200">
         <a:solidFill>
           <a:schemeClr val="tx1"/>
@@ -61,7 +61,7 @@
         <a:cs typeface="+mn-cs"/>
       </a:defRPr>
     </a:lvl2pPr>
-    <a:lvl3pPr marL="914400" algn="l" defTabSz="914400" rtl="0" eaLnBrk="1" latinLnBrk="0" hangingPunct="1">
+    <a:lvl3pPr marL="914400" algn="l" defTabSz="457200" rtl="0" eaLnBrk="1" latinLnBrk="0" hangingPunct="1">
       <a:defRPr sz="1800" kern="1200">
         <a:solidFill>
           <a:schemeClr val="tx1"/>
@@ -71,7 +71,7 @@
         <a:cs typeface="+mn-cs"/>
       </a:defRPr>
     </a:lvl3pPr>
-    <a:lvl4pPr marL="1371600" algn="l" defTabSz="914400" rtl="0" eaLnBrk="1" latinLnBrk="0" hangingPunct="1">
+    <a:lvl4pPr marL="1371600" algn="l" defTabSz="457200" rtl="0" eaLnBrk="1" latinLnBrk="0" hangingPunct="1">
       <a:defRPr sz="1800" kern="1200">
         <a:solidFill>
           <a:schemeClr val="tx1"/>
@@ -81,7 +81,7 @@
         <a:cs typeface="+mn-cs"/>
       </a:defRPr>
     </a:lvl4pPr>
-    <a:lvl5pPr marL="1828800" algn="l" defTabSz="914400" rtl="0" eaLnBrk="1" latinLnBrk="0" hangingPunct="1">
+    <a:lvl5pPr marL="1828800" algn="l" defTabSz="457200" rtl="0" eaLnBrk="1" latinLnBrk="0" hangingPunct="1">
       <a:defRPr sz="1800" kern="1200">
         <a:solidFill>
           <a:schemeClr val="tx1"/>
@@ -91,7 +91,7 @@
         <a:cs typeface="+mn-cs"/>
       </a:defRPr>
     </a:lvl5pPr>
-    <a:lvl6pPr marL="2286000" algn="l" defTabSz="914400" rtl="0" eaLnBrk="1" latinLnBrk="0" hangingPunct="1">
+    <a:lvl6pPr marL="2286000" algn="l" defTabSz="457200" rtl="0" eaLnBrk="1" latinLnBrk="0" hangingPunct="1">
       <a:defRPr sz="1800" kern="1200">
         <a:solidFill>
           <a:schemeClr val="tx1"/>
@@ -101,7 +101,7 @@
         <a:cs typeface="+mn-cs"/>
       </a:defRPr>
     </a:lvl6pPr>
-    <a:lvl7pPr marL="2743200" algn="l" defTabSz="914400" rtl="0" eaLnBrk="1" latinLnBrk="0" hangingPunct="1">
+    <a:lvl7pPr marL="2743200" algn="l" defTabSz="457200" rtl="0" eaLnBrk="1" latinLnBrk="0" hangingPunct="1">
       <a:defRPr sz="1800" kern="1200">
         <a:solidFill>
           <a:schemeClr val="tx1"/>
@@ -111,7 +111,7 @@
         <a:cs typeface="+mn-cs"/>
       </a:defRPr>
     </a:lvl7pPr>
-    <a:lvl8pPr marL="3200400" algn="l" defTabSz="914400" rtl="0" eaLnBrk="1" latinLnBrk="0" hangingPunct="1">
+    <a:lvl8pPr marL="3200400" algn="l" defTabSz="457200" rtl="0" eaLnBrk="1" latinLnBrk="0" hangingPunct="1">
       <a:defRPr sz="1800" kern="1200">
         <a:solidFill>
           <a:schemeClr val="tx1"/>
@@ -121,7 +121,7 @@
         <a:cs typeface="+mn-cs"/>
       </a:defRPr>
     </a:lvl8pPr>
-    <a:lvl9pPr marL="3657600" algn="l" defTabSz="914400" rtl="0" eaLnBrk="1" latinLnBrk="0" hangingPunct="1">
+    <a:lvl9pPr marL="3657600" algn="l" defTabSz="457200" rtl="0" eaLnBrk="1" latinLnBrk="0" hangingPunct="1">
       <a:defRPr sz="1800" kern="1200">
         <a:solidFill>
           <a:schemeClr val="tx1"/>
@@ -141,7 +141,7 @@
 </file>
 
 <file path=ppt/slideLayouts/slideLayout1.xml><?xml version="1.0" encoding="utf-8"?>
-<p:sldLayout xmlns:a="http://schemas.openxmlformats.org/drawingml/2006/main" xmlns:r="http://schemas.openxmlformats.org/officeDocument/2006/relationships" xmlns:p="http://schemas.openxmlformats.org/presentationml/2006/main" type="title" preserve="1">
+<p:sldLayout xmlns:a="http://schemas.openxmlformats.org/drawingml/2006/main" xmlns:r="http://schemas.openxmlformats.org/officeDocument/2006/relationships" xmlns:p="http://schemas.openxmlformats.org/presentationml/2006/main" showMasterSp="0" type="title" preserve="1">
   <p:cSld name="Title Slide">
     <p:spTree>
       <p:nvGrpSpPr>
@@ -157,6 +157,143 @@
           <a:chExt cx="0" cy="0"/>
         </a:xfrm>
       </p:grpSpPr>
+      <p:grpSp>
+        <p:nvGrpSpPr>
+          <p:cNvPr id="10" name="Group 9"/>
+          <p:cNvGrpSpPr/>
+          <p:nvPr/>
+        </p:nvGrpSpPr>
+        <p:grpSpPr>
+          <a:xfrm>
+            <a:off x="0" y="0"/>
+            <a:ext cx="12188825" cy="6872226"/>
+            <a:chOff x="0" y="0"/>
+            <a:chExt cx="12188825" cy="6872226"/>
+          </a:xfrm>
+        </p:grpSpPr>
+        <p:pic>
+          <p:nvPicPr>
+            <p:cNvPr id="9" name="Picture 8" descr="HD-PanelTitle-V.png"/>
+            <p:cNvPicPr>
+              <a:picLocks noChangeAspect="1"/>
+            </p:cNvPicPr>
+            <p:nvPr/>
+          </p:nvPicPr>
+          <p:blipFill>
+            <a:blip r:embed="rId2">
+              <a:extLst>
+                <a:ext uri="{28A0092B-C50C-407E-A947-70E740481C1C}">
+                  <a14:useLocalDpi xmlns:a14="http://schemas.microsoft.com/office/drawing/2010/main" val="0"/>
+                </a:ext>
+              </a:extLst>
+            </a:blip>
+            <a:stretch>
+              <a:fillRect/>
+            </a:stretch>
+          </p:blipFill>
+          <p:spPr>
+            <a:xfrm>
+              <a:off x="0" y="0"/>
+              <a:ext cx="12188825" cy="6856214"/>
+            </a:xfrm>
+            <a:prstGeom prst="rect">
+              <a:avLst/>
+            </a:prstGeom>
+          </p:spPr>
+        </p:pic>
+        <p:sp>
+          <p:nvSpPr>
+            <p:cNvPr id="26" name="Rectangle 25"/>
+            <p:cNvSpPr/>
+            <p:nvPr/>
+          </p:nvSpPr>
+          <p:spPr>
+            <a:xfrm>
+              <a:off x="2328332" y="1540931"/>
+              <a:ext cx="7543802" cy="3835401"/>
+            </a:xfrm>
+            <a:prstGeom prst="rect">
+              <a:avLst/>
+            </a:prstGeom>
+            <a:noFill/>
+            <a:ln w="15875">
+              <a:miter lim="800000"/>
+            </a:ln>
+          </p:spPr>
+          <p:style>
+            <a:lnRef idx="1">
+              <a:schemeClr val="accent1"/>
+            </a:lnRef>
+            <a:fillRef idx="3">
+              <a:schemeClr val="accent1"/>
+            </a:fillRef>
+            <a:effectRef idx="2">
+              <a:schemeClr val="accent1"/>
+            </a:effectRef>
+            <a:fontRef idx="minor">
+              <a:schemeClr val="lt1"/>
+            </a:fontRef>
+          </p:style>
+        </p:sp>
+        <p:pic>
+          <p:nvPicPr>
+            <p:cNvPr id="17" name="Picture 16" descr="HDRibbonTitle-UniformTrim.png"/>
+            <p:cNvPicPr>
+              <a:picLocks noChangeAspect="1"/>
+            </p:cNvPicPr>
+            <p:nvPr/>
+          </p:nvPicPr>
+          <p:blipFill rotWithShape="1">
+            <a:blip r:embed="rId3">
+              <a:extLst>
+                <a:ext uri="{28A0092B-C50C-407E-A947-70E740481C1C}">
+                  <a14:useLocalDpi xmlns:a14="http://schemas.microsoft.com/office/drawing/2010/main" val="0"/>
+                </a:ext>
+              </a:extLst>
+            </a:blip>
+            <a:srcRect l="2" r="47673"/>
+            <a:stretch/>
+          </p:blipFill>
+          <p:spPr>
+            <a:xfrm rot="5400000">
+              <a:off x="5245268" y="530352"/>
+              <a:ext cx="1673352" cy="612648"/>
+            </a:xfrm>
+            <a:prstGeom prst="rect">
+              <a:avLst/>
+            </a:prstGeom>
+          </p:spPr>
+        </p:pic>
+        <p:pic>
+          <p:nvPicPr>
+            <p:cNvPr id="18" name="Picture 17" descr="HDRibbonTitle-UniformTrim.png"/>
+            <p:cNvPicPr>
+              <a:picLocks noChangeAspect="1"/>
+            </p:cNvPicPr>
+            <p:nvPr/>
+          </p:nvPicPr>
+          <p:blipFill rotWithShape="1">
+            <a:blip r:embed="rId3">
+              <a:extLst>
+                <a:ext uri="{28A0092B-C50C-407E-A947-70E740481C1C}">
+                  <a14:useLocalDpi xmlns:a14="http://schemas.microsoft.com/office/drawing/2010/main" val="0"/>
+                </a:ext>
+              </a:extLst>
+            </a:blip>
+            <a:srcRect r="48819"/>
+            <a:stretch/>
+          </p:blipFill>
+          <p:spPr>
+            <a:xfrm rot="5400000">
+              <a:off x="5263556" y="5747514"/>
+              <a:ext cx="1636776" cy="612648"/>
+            </a:xfrm>
+            <a:prstGeom prst="rect">
+              <a:avLst/>
+            </a:prstGeom>
+          </p:spPr>
+        </p:pic>
+      </p:grpSp>
       <p:sp>
         <p:nvSpPr>
           <p:cNvPr id="2" name="Title 1"/>
@@ -169,23 +306,27 @@
         </p:nvSpPr>
         <p:spPr>
           <a:xfrm>
-            <a:off x="1524000" y="1122363"/>
-            <a:ext cx="9144000" cy="2387600"/>
+            <a:off x="2692398" y="1871131"/>
+            <a:ext cx="6815669" cy="1515533"/>
           </a:xfrm>
         </p:spPr>
         <p:txBody>
-          <a:bodyPr anchor="b"/>
+          <a:bodyPr anchor="b">
+            <a:noAutofit/>
+          </a:bodyPr>
           <a:lstStyle>
             <a:lvl1pPr algn="ctr">
-              <a:defRPr sz="6000"/>
+              <a:defRPr sz="5400">
+                <a:effectLst/>
+              </a:defRPr>
             </a:lvl1pPr>
           </a:lstStyle>
           <a:p>
             <a:r>
-              <a:rPr lang="en-US" smtClean="0"/>
+              <a:rPr lang="en-US"/>
               <a:t>Click to edit Master title style</a:t>
             </a:r>
-            <a:endParaRPr lang="en-IN"/>
+            <a:endParaRPr lang="en-US" dirty="0"/>
           </a:p>
         </p:txBody>
       </p:sp>
@@ -201,56 +342,110 @@
         </p:nvSpPr>
         <p:spPr>
           <a:xfrm>
-            <a:off x="1524000" y="3602038"/>
-            <a:ext cx="9144000" cy="1655762"/>
+            <a:off x="2692398" y="3657597"/>
+            <a:ext cx="6815669" cy="1320802"/>
           </a:xfrm>
         </p:spPr>
         <p:txBody>
-          <a:bodyPr/>
+          <a:bodyPr anchor="t">
+            <a:normAutofit/>
+          </a:bodyPr>
           <a:lstStyle>
             <a:lvl1pPr marL="0" indent="0" algn="ctr">
               <a:buNone/>
-              <a:defRPr sz="2400"/>
+              <a:defRPr sz="2100">
+                <a:solidFill>
+                  <a:schemeClr val="tx1"/>
+                </a:solidFill>
+              </a:defRPr>
             </a:lvl1pPr>
             <a:lvl2pPr marL="457200" indent="0" algn="ctr">
               <a:buNone/>
-              <a:defRPr sz="2000"/>
+              <a:defRPr>
+                <a:solidFill>
+                  <a:schemeClr val="tx1">
+                    <a:tint val="75000"/>
+                  </a:schemeClr>
+                </a:solidFill>
+              </a:defRPr>
             </a:lvl2pPr>
             <a:lvl3pPr marL="914400" indent="0" algn="ctr">
               <a:buNone/>
-              <a:defRPr sz="1800"/>
+              <a:defRPr>
+                <a:solidFill>
+                  <a:schemeClr val="tx1">
+                    <a:tint val="75000"/>
+                  </a:schemeClr>
+                </a:solidFill>
+              </a:defRPr>
             </a:lvl3pPr>
             <a:lvl4pPr marL="1371600" indent="0" algn="ctr">
               <a:buNone/>
-              <a:defRPr sz="1600"/>
+              <a:defRPr>
+                <a:solidFill>
+                  <a:schemeClr val="tx1">
+                    <a:tint val="75000"/>
+                  </a:schemeClr>
+                </a:solidFill>
+              </a:defRPr>
             </a:lvl4pPr>
             <a:lvl5pPr marL="1828800" indent="0" algn="ctr">
               <a:buNone/>
-              <a:defRPr sz="1600"/>
+              <a:defRPr>
+                <a:solidFill>
+                  <a:schemeClr val="tx1">
+                    <a:tint val="75000"/>
+                  </a:schemeClr>
+                </a:solidFill>
+              </a:defRPr>
             </a:lvl5pPr>
             <a:lvl6pPr marL="2286000" indent="0" algn="ctr">
               <a:buNone/>
-              <a:defRPr sz="1600"/>
+              <a:defRPr>
+                <a:solidFill>
+                  <a:schemeClr val="tx1">
+                    <a:tint val="75000"/>
+                  </a:schemeClr>
+                </a:solidFill>
+              </a:defRPr>
             </a:lvl6pPr>
             <a:lvl7pPr marL="2743200" indent="0" algn="ctr">
               <a:buNone/>
-              <a:defRPr sz="1600"/>
+              <a:defRPr>
+                <a:solidFill>
+                  <a:schemeClr val="tx1">
+                    <a:tint val="75000"/>
+                  </a:schemeClr>
+                </a:solidFill>
+              </a:defRPr>
             </a:lvl7pPr>
             <a:lvl8pPr marL="3200400" indent="0" algn="ctr">
               <a:buNone/>
-              <a:defRPr sz="1600"/>
+              <a:defRPr>
+                <a:solidFill>
+                  <a:schemeClr val="tx1">
+                    <a:tint val="75000"/>
+                  </a:schemeClr>
+                </a:solidFill>
+              </a:defRPr>
             </a:lvl8pPr>
             <a:lvl9pPr marL="3657600" indent="0" algn="ctr">
               <a:buNone/>
-              <a:defRPr sz="1600"/>
+              <a:defRPr>
+                <a:solidFill>
+                  <a:schemeClr val="tx1">
+                    <a:tint val="75000"/>
+                  </a:schemeClr>
+                </a:solidFill>
+              </a:defRPr>
             </a:lvl9pPr>
           </a:lstStyle>
           <a:p>
             <a:r>
-              <a:rPr lang="en-US" smtClean="0"/>
+              <a:rPr lang="en-US"/>
               <a:t>Click to edit Master subtitle style</a:t>
             </a:r>
-            <a:endParaRPr lang="en-IN"/>
+            <a:endParaRPr lang="en-US" dirty="0"/>
           </a:p>
         </p:txBody>
       </p:sp>
@@ -264,14 +459,19 @@
             <p:ph type="dt" sz="half" idx="10"/>
           </p:nvPr>
         </p:nvSpPr>
-        <p:spPr/>
+        <p:spPr>
+          <a:xfrm>
+            <a:off x="7983232" y="5037663"/>
+            <a:ext cx="897467" cy="279400"/>
+          </a:xfrm>
+        </p:spPr>
         <p:txBody>
           <a:bodyPr/>
           <a:lstStyle/>
           <a:p>
             <a:fld id="{2BA9490B-1242-448F-8CE3-D403D9A9BFB9}" type="datetimeFigureOut">
               <a:rPr lang="en-IN" smtClean="0"/>
-              <a:t>06-03-2024</a:t>
+              <a:t>08-04-2025</a:t>
             </a:fld>
             <a:endParaRPr lang="en-IN"/>
           </a:p>
@@ -287,7 +487,12 @@
             <p:ph type="ftr" sz="quarter" idx="11"/>
           </p:nvPr>
         </p:nvSpPr>
-        <p:spPr/>
+        <p:spPr>
+          <a:xfrm>
+            <a:off x="2692397" y="5037663"/>
+            <a:ext cx="5214635" cy="279400"/>
+          </a:xfrm>
+        </p:spPr>
         <p:txBody>
           <a:bodyPr/>
           <a:lstStyle/>
@@ -306,7 +511,12 @@
             <p:ph type="sldNum" sz="quarter" idx="12"/>
           </p:nvPr>
         </p:nvSpPr>
-        <p:spPr/>
+        <p:spPr>
+          <a:xfrm>
+            <a:off x="8956900" y="5037663"/>
+            <a:ext cx="551167" cy="279400"/>
+          </a:xfrm>
+        </p:spPr>
         <p:txBody>
           <a:bodyPr/>
           <a:lstStyle/>
@@ -319,10 +529,40 @@
           </a:p>
         </p:txBody>
       </p:sp>
+      <p:cxnSp>
+        <p:nvCxnSpPr>
+          <p:cNvPr id="15" name="Straight Connector 14"/>
+          <p:cNvCxnSpPr/>
+          <p:nvPr/>
+        </p:nvCxnSpPr>
+        <p:spPr>
+          <a:xfrm>
+            <a:off x="2692399" y="3522131"/>
+            <a:ext cx="6815668" cy="0"/>
+          </a:xfrm>
+          <a:prstGeom prst="line">
+            <a:avLst/>
+          </a:prstGeom>
+        </p:spPr>
+        <p:style>
+          <a:lnRef idx="2">
+            <a:schemeClr val="accent1"/>
+          </a:lnRef>
+          <a:fillRef idx="0">
+            <a:schemeClr val="accent1"/>
+          </a:fillRef>
+          <a:effectRef idx="1">
+            <a:schemeClr val="accent1"/>
+          </a:effectRef>
+          <a:fontRef idx="minor">
+            <a:schemeClr val="tx1"/>
+          </a:fontRef>
+        </p:style>
+      </p:cxnSp>
     </p:spTree>
     <p:extLst>
       <p:ext uri="{BB962C8B-B14F-4D97-AF65-F5344CB8AC3E}">
-        <p14:creationId xmlns:p14="http://schemas.microsoft.com/office/powerpoint/2010/main" val="1200717975"/>
+        <p14:creationId xmlns:p14="http://schemas.microsoft.com/office/powerpoint/2010/main" val="953808695"/>
       </p:ext>
     </p:extLst>
   </p:cSld>
@@ -333,6 +573,2099 @@
 </file>
 
 <file path=ppt/slideLayouts/slideLayout10.xml><?xml version="1.0" encoding="utf-8"?>
+<p:sldLayout xmlns:a="http://schemas.openxmlformats.org/drawingml/2006/main" xmlns:r="http://schemas.openxmlformats.org/officeDocument/2006/relationships" xmlns:p="http://schemas.openxmlformats.org/presentationml/2006/main" preserve="1">
+  <p:cSld name="Panoramic Picture with Caption">
+    <p:spTree>
+      <p:nvGrpSpPr>
+        <p:cNvPr id="1" name=""/>
+        <p:cNvGrpSpPr/>
+        <p:nvPr/>
+      </p:nvGrpSpPr>
+      <p:grpSpPr>
+        <a:xfrm>
+          <a:off x="0" y="0"/>
+          <a:ext cx="0" cy="0"/>
+          <a:chOff x="0" y="0"/>
+          <a:chExt cx="0" cy="0"/>
+        </a:xfrm>
+      </p:grpSpPr>
+      <p:sp>
+        <p:nvSpPr>
+          <p:cNvPr id="2" name="Title 1"/>
+          <p:cNvSpPr>
+            <a:spLocks noGrp="1"/>
+          </p:cNvSpPr>
+          <p:nvPr>
+            <p:ph type="title"/>
+          </p:nvPr>
+        </p:nvSpPr>
+        <p:spPr>
+          <a:xfrm>
+            <a:off x="1295401" y="4815415"/>
+            <a:ext cx="9609666" cy="566738"/>
+          </a:xfrm>
+        </p:spPr>
+        <p:txBody>
+          <a:bodyPr anchor="b">
+            <a:normAutofit/>
+          </a:bodyPr>
+          <a:lstStyle>
+            <a:lvl1pPr algn="ctr">
+              <a:defRPr sz="2400" b="0"/>
+            </a:lvl1pPr>
+          </a:lstStyle>
+          <a:p>
+            <a:r>
+              <a:rPr lang="en-US"/>
+              <a:t>Click to edit Master title style</a:t>
+            </a:r>
+            <a:endParaRPr lang="en-US" dirty="0"/>
+          </a:p>
+        </p:txBody>
+      </p:sp>
+      <p:sp>
+        <p:nvSpPr>
+          <p:cNvPr id="3" name="Picture Placeholder 2"/>
+          <p:cNvSpPr>
+            <a:spLocks noGrp="1" noChangeAspect="1"/>
+          </p:cNvSpPr>
+          <p:nvPr>
+            <p:ph type="pic" idx="1"/>
+          </p:nvPr>
+        </p:nvSpPr>
+        <p:spPr>
+          <a:xfrm>
+            <a:off x="1041427" y="1041399"/>
+            <a:ext cx="10105972" cy="3335869"/>
+          </a:xfrm>
+          <a:prstGeom prst="roundRect">
+            <a:avLst>
+              <a:gd name="adj" fmla="val 0"/>
+            </a:avLst>
+          </a:prstGeom>
+          <a:ln w="57150" cmpd="thickThin">
+            <a:solidFill>
+              <a:schemeClr val="tx1">
+                <a:lumMod val="50000"/>
+                <a:lumOff val="50000"/>
+              </a:schemeClr>
+            </a:solidFill>
+            <a:miter lim="800000"/>
+          </a:ln>
+          <a:effectLst>
+            <a:innerShdw blurRad="57150" dist="38100" dir="14460000">
+              <a:srgbClr val="000000">
+                <a:alpha val="70000"/>
+              </a:srgbClr>
+            </a:innerShdw>
+          </a:effectLst>
+        </p:spPr>
+        <p:txBody>
+          <a:bodyPr anchor="t">
+            <a:normAutofit/>
+          </a:bodyPr>
+          <a:lstStyle>
+            <a:lvl1pPr marL="0" indent="0" algn="ctr">
+              <a:buNone/>
+              <a:defRPr sz="1600"/>
+            </a:lvl1pPr>
+            <a:lvl2pPr marL="457200" indent="0">
+              <a:buNone/>
+              <a:defRPr sz="1600"/>
+            </a:lvl2pPr>
+            <a:lvl3pPr marL="914400" indent="0">
+              <a:buNone/>
+              <a:defRPr sz="1600"/>
+            </a:lvl3pPr>
+            <a:lvl4pPr marL="1371600" indent="0">
+              <a:buNone/>
+              <a:defRPr sz="1600"/>
+            </a:lvl4pPr>
+            <a:lvl5pPr marL="1828800" indent="0">
+              <a:buNone/>
+              <a:defRPr sz="1600"/>
+            </a:lvl5pPr>
+            <a:lvl6pPr marL="2286000" indent="0">
+              <a:buNone/>
+              <a:defRPr sz="1600"/>
+            </a:lvl6pPr>
+            <a:lvl7pPr marL="2743200" indent="0">
+              <a:buNone/>
+              <a:defRPr sz="1600"/>
+            </a:lvl7pPr>
+            <a:lvl8pPr marL="3200400" indent="0">
+              <a:buNone/>
+              <a:defRPr sz="1600"/>
+            </a:lvl8pPr>
+            <a:lvl9pPr marL="3657600" indent="0">
+              <a:buNone/>
+              <a:defRPr sz="1600"/>
+            </a:lvl9pPr>
+          </a:lstStyle>
+          <a:p>
+            <a:r>
+              <a:rPr lang="en-US"/>
+              <a:t>Click icon to add picture</a:t>
+            </a:r>
+            <a:endParaRPr lang="en-US" dirty="0"/>
+          </a:p>
+        </p:txBody>
+      </p:sp>
+      <p:sp>
+        <p:nvSpPr>
+          <p:cNvPr id="4" name="Text Placeholder 3"/>
+          <p:cNvSpPr>
+            <a:spLocks noGrp="1"/>
+          </p:cNvSpPr>
+          <p:nvPr>
+            <p:ph type="body" sz="half" idx="2"/>
+          </p:nvPr>
+        </p:nvSpPr>
+        <p:spPr>
+          <a:xfrm>
+            <a:off x="1295401" y="5382153"/>
+            <a:ext cx="9609666" cy="493712"/>
+          </a:xfrm>
+        </p:spPr>
+        <p:txBody>
+          <a:bodyPr>
+            <a:normAutofit/>
+          </a:bodyPr>
+          <a:lstStyle>
+            <a:lvl1pPr marL="0" indent="0" algn="ctr">
+              <a:buNone/>
+              <a:defRPr sz="1400"/>
+            </a:lvl1pPr>
+            <a:lvl2pPr marL="457200" indent="0">
+              <a:buNone/>
+              <a:defRPr sz="1200"/>
+            </a:lvl2pPr>
+            <a:lvl3pPr marL="914400" indent="0">
+              <a:buNone/>
+              <a:defRPr sz="1000"/>
+            </a:lvl3pPr>
+            <a:lvl4pPr marL="1371600" indent="0">
+              <a:buNone/>
+              <a:defRPr sz="900"/>
+            </a:lvl4pPr>
+            <a:lvl5pPr marL="1828800" indent="0">
+              <a:buNone/>
+              <a:defRPr sz="900"/>
+            </a:lvl5pPr>
+            <a:lvl6pPr marL="2286000" indent="0">
+              <a:buNone/>
+              <a:defRPr sz="900"/>
+            </a:lvl6pPr>
+            <a:lvl7pPr marL="2743200" indent="0">
+              <a:buNone/>
+              <a:defRPr sz="900"/>
+            </a:lvl7pPr>
+            <a:lvl8pPr marL="3200400" indent="0">
+              <a:buNone/>
+              <a:defRPr sz="900"/>
+            </a:lvl8pPr>
+            <a:lvl9pPr marL="3657600" indent="0">
+              <a:buNone/>
+              <a:defRPr sz="900"/>
+            </a:lvl9pPr>
+          </a:lstStyle>
+          <a:p>
+            <a:pPr lvl="0"/>
+            <a:r>
+              <a:rPr lang="en-US"/>
+              <a:t>Edit Master text styles</a:t>
+            </a:r>
+          </a:p>
+        </p:txBody>
+      </p:sp>
+      <p:sp>
+        <p:nvSpPr>
+          <p:cNvPr id="5" name="Date Placeholder 4"/>
+          <p:cNvSpPr>
+            <a:spLocks noGrp="1"/>
+          </p:cNvSpPr>
+          <p:nvPr>
+            <p:ph type="dt" sz="half" idx="10"/>
+          </p:nvPr>
+        </p:nvSpPr>
+        <p:spPr/>
+        <p:txBody>
+          <a:bodyPr/>
+          <a:lstStyle/>
+          <a:p>
+            <a:fld id="{2BA9490B-1242-448F-8CE3-D403D9A9BFB9}" type="datetimeFigureOut">
+              <a:rPr lang="en-IN" smtClean="0"/>
+              <a:t>08-04-2025</a:t>
+            </a:fld>
+            <a:endParaRPr lang="en-IN"/>
+          </a:p>
+        </p:txBody>
+      </p:sp>
+      <p:sp>
+        <p:nvSpPr>
+          <p:cNvPr id="6" name="Footer Placeholder 5"/>
+          <p:cNvSpPr>
+            <a:spLocks noGrp="1"/>
+          </p:cNvSpPr>
+          <p:nvPr>
+            <p:ph type="ftr" sz="quarter" idx="11"/>
+          </p:nvPr>
+        </p:nvSpPr>
+        <p:spPr/>
+        <p:txBody>
+          <a:bodyPr/>
+          <a:lstStyle/>
+          <a:p>
+            <a:endParaRPr lang="en-IN"/>
+          </a:p>
+        </p:txBody>
+      </p:sp>
+      <p:sp>
+        <p:nvSpPr>
+          <p:cNvPr id="7" name="Slide Number Placeholder 6"/>
+          <p:cNvSpPr>
+            <a:spLocks noGrp="1"/>
+          </p:cNvSpPr>
+          <p:nvPr>
+            <p:ph type="sldNum" sz="quarter" idx="12"/>
+          </p:nvPr>
+        </p:nvSpPr>
+        <p:spPr/>
+        <p:txBody>
+          <a:bodyPr/>
+          <a:lstStyle/>
+          <a:p>
+            <a:fld id="{844223F5-9123-4329-BE98-87EB9C1FBD17}" type="slidenum">
+              <a:rPr lang="en-IN" smtClean="0"/>
+              <a:t>‹#›</a:t>
+            </a:fld>
+            <a:endParaRPr lang="en-IN"/>
+          </a:p>
+        </p:txBody>
+      </p:sp>
+    </p:spTree>
+    <p:extLst>
+      <p:ext uri="{BB962C8B-B14F-4D97-AF65-F5344CB8AC3E}">
+        <p14:creationId xmlns:p14="http://schemas.microsoft.com/office/powerpoint/2010/main" val="4282488228"/>
+      </p:ext>
+    </p:extLst>
+  </p:cSld>
+  <p:clrMapOvr>
+    <a:masterClrMapping/>
+  </p:clrMapOvr>
+</p:sldLayout>
+</file>
+
+<file path=ppt/slideLayouts/slideLayout11.xml><?xml version="1.0" encoding="utf-8"?>
+<p:sldLayout xmlns:a="http://schemas.openxmlformats.org/drawingml/2006/main" xmlns:r="http://schemas.openxmlformats.org/officeDocument/2006/relationships" xmlns:p="http://schemas.openxmlformats.org/presentationml/2006/main" preserve="1">
+  <p:cSld name="Title and Caption">
+    <p:spTree>
+      <p:nvGrpSpPr>
+        <p:cNvPr id="1" name=""/>
+        <p:cNvGrpSpPr/>
+        <p:nvPr/>
+      </p:nvGrpSpPr>
+      <p:grpSpPr>
+        <a:xfrm>
+          <a:off x="0" y="0"/>
+          <a:ext cx="0" cy="0"/>
+          <a:chOff x="0" y="0"/>
+          <a:chExt cx="0" cy="0"/>
+        </a:xfrm>
+      </p:grpSpPr>
+      <p:sp>
+        <p:nvSpPr>
+          <p:cNvPr id="2" name="Title 1"/>
+          <p:cNvSpPr>
+            <a:spLocks noGrp="1"/>
+          </p:cNvSpPr>
+          <p:nvPr>
+            <p:ph type="title"/>
+          </p:nvPr>
+        </p:nvSpPr>
+        <p:spPr>
+          <a:xfrm>
+            <a:off x="1303868" y="982132"/>
+            <a:ext cx="9592732" cy="2954868"/>
+          </a:xfrm>
+        </p:spPr>
+        <p:txBody>
+          <a:bodyPr anchor="ctr">
+            <a:normAutofit/>
+          </a:bodyPr>
+          <a:lstStyle>
+            <a:lvl1pPr algn="ctr">
+              <a:defRPr sz="3200" b="0" cap="none"/>
+            </a:lvl1pPr>
+          </a:lstStyle>
+          <a:p>
+            <a:r>
+              <a:rPr lang="en-US"/>
+              <a:t>Click to edit Master title style</a:t>
+            </a:r>
+            <a:endParaRPr lang="en-US" dirty="0"/>
+          </a:p>
+        </p:txBody>
+      </p:sp>
+      <p:sp>
+        <p:nvSpPr>
+          <p:cNvPr id="3" name="Text Placeholder 2"/>
+          <p:cNvSpPr>
+            <a:spLocks noGrp="1"/>
+          </p:cNvSpPr>
+          <p:nvPr>
+            <p:ph type="body" idx="1"/>
+          </p:nvPr>
+        </p:nvSpPr>
+        <p:spPr>
+          <a:xfrm>
+            <a:off x="1303868" y="4343399"/>
+            <a:ext cx="9592732" cy="1532467"/>
+          </a:xfrm>
+        </p:spPr>
+        <p:txBody>
+          <a:bodyPr anchor="ctr">
+            <a:normAutofit/>
+          </a:bodyPr>
+          <a:lstStyle>
+            <a:lvl1pPr marL="0" indent="0" algn="ctr">
+              <a:buNone/>
+              <a:defRPr sz="2000">
+                <a:solidFill>
+                  <a:schemeClr val="tx1"/>
+                </a:solidFill>
+              </a:defRPr>
+            </a:lvl1pPr>
+            <a:lvl2pPr marL="457200" indent="0">
+              <a:buNone/>
+              <a:defRPr sz="1800">
+                <a:solidFill>
+                  <a:schemeClr val="tx1">
+                    <a:tint val="75000"/>
+                  </a:schemeClr>
+                </a:solidFill>
+              </a:defRPr>
+            </a:lvl2pPr>
+            <a:lvl3pPr marL="914400" indent="0">
+              <a:buNone/>
+              <a:defRPr sz="1600">
+                <a:solidFill>
+                  <a:schemeClr val="tx1">
+                    <a:tint val="75000"/>
+                  </a:schemeClr>
+                </a:solidFill>
+              </a:defRPr>
+            </a:lvl3pPr>
+            <a:lvl4pPr marL="1371600" indent="0">
+              <a:buNone/>
+              <a:defRPr sz="1400">
+                <a:solidFill>
+                  <a:schemeClr val="tx1">
+                    <a:tint val="75000"/>
+                  </a:schemeClr>
+                </a:solidFill>
+              </a:defRPr>
+            </a:lvl4pPr>
+            <a:lvl5pPr marL="1828800" indent="0">
+              <a:buNone/>
+              <a:defRPr sz="1400">
+                <a:solidFill>
+                  <a:schemeClr val="tx1">
+                    <a:tint val="75000"/>
+                  </a:schemeClr>
+                </a:solidFill>
+              </a:defRPr>
+            </a:lvl5pPr>
+            <a:lvl6pPr marL="2286000" indent="0">
+              <a:buNone/>
+              <a:defRPr sz="1400">
+                <a:solidFill>
+                  <a:schemeClr val="tx1">
+                    <a:tint val="75000"/>
+                  </a:schemeClr>
+                </a:solidFill>
+              </a:defRPr>
+            </a:lvl6pPr>
+            <a:lvl7pPr marL="2743200" indent="0">
+              <a:buNone/>
+              <a:defRPr sz="1400">
+                <a:solidFill>
+                  <a:schemeClr val="tx1">
+                    <a:tint val="75000"/>
+                  </a:schemeClr>
+                </a:solidFill>
+              </a:defRPr>
+            </a:lvl7pPr>
+            <a:lvl8pPr marL="3200400" indent="0">
+              <a:buNone/>
+              <a:defRPr sz="1400">
+                <a:solidFill>
+                  <a:schemeClr val="tx1">
+                    <a:tint val="75000"/>
+                  </a:schemeClr>
+                </a:solidFill>
+              </a:defRPr>
+            </a:lvl8pPr>
+            <a:lvl9pPr marL="3657600" indent="0">
+              <a:buNone/>
+              <a:defRPr sz="1400">
+                <a:solidFill>
+                  <a:schemeClr val="tx1">
+                    <a:tint val="75000"/>
+                  </a:schemeClr>
+                </a:solidFill>
+              </a:defRPr>
+            </a:lvl9pPr>
+          </a:lstStyle>
+          <a:p>
+            <a:pPr lvl="0"/>
+            <a:r>
+              <a:rPr lang="en-US"/>
+              <a:t>Edit Master text styles</a:t>
+            </a:r>
+          </a:p>
+        </p:txBody>
+      </p:sp>
+      <p:sp>
+        <p:nvSpPr>
+          <p:cNvPr id="4" name="Date Placeholder 3"/>
+          <p:cNvSpPr>
+            <a:spLocks noGrp="1"/>
+          </p:cNvSpPr>
+          <p:nvPr>
+            <p:ph type="dt" sz="half" idx="10"/>
+          </p:nvPr>
+        </p:nvSpPr>
+        <p:spPr/>
+        <p:txBody>
+          <a:bodyPr/>
+          <a:lstStyle/>
+          <a:p>
+            <a:fld id="{2BA9490B-1242-448F-8CE3-D403D9A9BFB9}" type="datetimeFigureOut">
+              <a:rPr lang="en-IN" smtClean="0"/>
+              <a:t>08-04-2025</a:t>
+            </a:fld>
+            <a:endParaRPr lang="en-IN"/>
+          </a:p>
+        </p:txBody>
+      </p:sp>
+      <p:sp>
+        <p:nvSpPr>
+          <p:cNvPr id="5" name="Footer Placeholder 4"/>
+          <p:cNvSpPr>
+            <a:spLocks noGrp="1"/>
+          </p:cNvSpPr>
+          <p:nvPr>
+            <p:ph type="ftr" sz="quarter" idx="11"/>
+          </p:nvPr>
+        </p:nvSpPr>
+        <p:spPr/>
+        <p:txBody>
+          <a:bodyPr/>
+          <a:lstStyle/>
+          <a:p>
+            <a:endParaRPr lang="en-IN"/>
+          </a:p>
+        </p:txBody>
+      </p:sp>
+      <p:sp>
+        <p:nvSpPr>
+          <p:cNvPr id="6" name="Slide Number Placeholder 5"/>
+          <p:cNvSpPr>
+            <a:spLocks noGrp="1"/>
+          </p:cNvSpPr>
+          <p:nvPr>
+            <p:ph type="sldNum" sz="quarter" idx="12"/>
+          </p:nvPr>
+        </p:nvSpPr>
+        <p:spPr/>
+        <p:txBody>
+          <a:bodyPr/>
+          <a:lstStyle/>
+          <a:p>
+            <a:fld id="{844223F5-9123-4329-BE98-87EB9C1FBD17}" type="slidenum">
+              <a:rPr lang="en-IN" smtClean="0"/>
+              <a:t>‹#›</a:t>
+            </a:fld>
+            <a:endParaRPr lang="en-IN"/>
+          </a:p>
+        </p:txBody>
+      </p:sp>
+      <p:cxnSp>
+        <p:nvCxnSpPr>
+          <p:cNvPr id="15" name="Straight Connector 14"/>
+          <p:cNvCxnSpPr/>
+          <p:nvPr/>
+        </p:nvCxnSpPr>
+        <p:spPr>
+          <a:xfrm>
+            <a:off x="1396169" y="4140199"/>
+            <a:ext cx="9407298" cy="0"/>
+          </a:xfrm>
+          <a:prstGeom prst="line">
+            <a:avLst/>
+          </a:prstGeom>
+          <a:ln w="15875"/>
+        </p:spPr>
+        <p:style>
+          <a:lnRef idx="2">
+            <a:schemeClr val="accent1"/>
+          </a:lnRef>
+          <a:fillRef idx="0">
+            <a:schemeClr val="accent1"/>
+          </a:fillRef>
+          <a:effectRef idx="1">
+            <a:schemeClr val="accent1"/>
+          </a:effectRef>
+          <a:fontRef idx="minor">
+            <a:schemeClr val="tx1"/>
+          </a:fontRef>
+        </p:style>
+      </p:cxnSp>
+    </p:spTree>
+    <p:extLst>
+      <p:ext uri="{BB962C8B-B14F-4D97-AF65-F5344CB8AC3E}">
+        <p14:creationId xmlns:p14="http://schemas.microsoft.com/office/powerpoint/2010/main" val="232450346"/>
+      </p:ext>
+    </p:extLst>
+  </p:cSld>
+  <p:clrMapOvr>
+    <a:masterClrMapping/>
+  </p:clrMapOvr>
+</p:sldLayout>
+</file>
+
+<file path=ppt/slideLayouts/slideLayout12.xml><?xml version="1.0" encoding="utf-8"?>
+<p:sldLayout xmlns:a="http://schemas.openxmlformats.org/drawingml/2006/main" xmlns:r="http://schemas.openxmlformats.org/officeDocument/2006/relationships" xmlns:p="http://schemas.openxmlformats.org/presentationml/2006/main" preserve="1">
+  <p:cSld name="Quote with Caption">
+    <p:spTree>
+      <p:nvGrpSpPr>
+        <p:cNvPr id="1" name=""/>
+        <p:cNvGrpSpPr/>
+        <p:nvPr/>
+      </p:nvGrpSpPr>
+      <p:grpSpPr>
+        <a:xfrm>
+          <a:off x="0" y="0"/>
+          <a:ext cx="0" cy="0"/>
+          <a:chOff x="0" y="0"/>
+          <a:chExt cx="0" cy="0"/>
+        </a:xfrm>
+      </p:grpSpPr>
+      <p:sp>
+        <p:nvSpPr>
+          <p:cNvPr id="2" name="Title 1"/>
+          <p:cNvSpPr>
+            <a:spLocks noGrp="1"/>
+          </p:cNvSpPr>
+          <p:nvPr>
+            <p:ph type="title"/>
+          </p:nvPr>
+        </p:nvSpPr>
+        <p:spPr>
+          <a:xfrm>
+            <a:off x="1446213" y="982132"/>
+            <a:ext cx="9296398" cy="2370668"/>
+          </a:xfrm>
+        </p:spPr>
+        <p:txBody>
+          <a:bodyPr anchor="ctr">
+            <a:normAutofit/>
+          </a:bodyPr>
+          <a:lstStyle>
+            <a:lvl1pPr algn="ctr">
+              <a:defRPr sz="3200" b="0" cap="none">
+                <a:solidFill>
+                  <a:schemeClr val="tx1"/>
+                </a:solidFill>
+              </a:defRPr>
+            </a:lvl1pPr>
+          </a:lstStyle>
+          <a:p>
+            <a:r>
+              <a:rPr lang="en-US"/>
+              <a:t>Click to edit Master title style</a:t>
+            </a:r>
+            <a:endParaRPr lang="en-US" dirty="0"/>
+          </a:p>
+        </p:txBody>
+      </p:sp>
+      <p:sp>
+        <p:nvSpPr>
+          <p:cNvPr id="10" name="Text Placeholder 9"/>
+          <p:cNvSpPr>
+            <a:spLocks noGrp="1"/>
+          </p:cNvSpPr>
+          <p:nvPr>
+            <p:ph type="body" sz="quarter" idx="13"/>
+          </p:nvPr>
+        </p:nvSpPr>
+        <p:spPr>
+          <a:xfrm>
+            <a:off x="1674812" y="3352800"/>
+            <a:ext cx="8839202" cy="584200"/>
+          </a:xfrm>
+        </p:spPr>
+        <p:txBody>
+          <a:bodyPr anchor="ctr">
+            <a:normAutofit/>
+          </a:bodyPr>
+          <a:lstStyle>
+            <a:lvl1pPr marL="0" indent="0" algn="r">
+              <a:buFontTx/>
+              <a:buNone/>
+              <a:defRPr sz="2000"/>
+            </a:lvl1pPr>
+            <a:lvl2pPr marL="457200" indent="0">
+              <a:buFontTx/>
+              <a:buNone/>
+              <a:defRPr/>
+            </a:lvl2pPr>
+            <a:lvl3pPr marL="914400" indent="0">
+              <a:buFontTx/>
+              <a:buNone/>
+              <a:defRPr/>
+            </a:lvl3pPr>
+            <a:lvl4pPr marL="1371600" indent="0">
+              <a:buFontTx/>
+              <a:buNone/>
+              <a:defRPr/>
+            </a:lvl4pPr>
+            <a:lvl5pPr marL="1828800" indent="0">
+              <a:buFontTx/>
+              <a:buNone/>
+              <a:defRPr/>
+            </a:lvl5pPr>
+          </a:lstStyle>
+          <a:p>
+            <a:pPr lvl="0"/>
+            <a:r>
+              <a:rPr lang="en-US"/>
+              <a:t>Edit Master text styles</a:t>
+            </a:r>
+          </a:p>
+        </p:txBody>
+      </p:sp>
+      <p:sp>
+        <p:nvSpPr>
+          <p:cNvPr id="3" name="Text Placeholder 2"/>
+          <p:cNvSpPr>
+            <a:spLocks noGrp="1"/>
+          </p:cNvSpPr>
+          <p:nvPr>
+            <p:ph type="body" idx="1"/>
+          </p:nvPr>
+        </p:nvSpPr>
+        <p:spPr>
+          <a:xfrm>
+            <a:off x="1295401" y="4343399"/>
+            <a:ext cx="9609666" cy="1532467"/>
+          </a:xfrm>
+        </p:spPr>
+        <p:txBody>
+          <a:bodyPr anchor="ctr">
+            <a:normAutofit/>
+          </a:bodyPr>
+          <a:lstStyle>
+            <a:lvl1pPr marL="0" indent="0" algn="ctr">
+              <a:buNone/>
+              <a:defRPr sz="2000">
+                <a:solidFill>
+                  <a:schemeClr val="tx1"/>
+                </a:solidFill>
+              </a:defRPr>
+            </a:lvl1pPr>
+            <a:lvl2pPr marL="457200" indent="0">
+              <a:buNone/>
+              <a:defRPr sz="1800">
+                <a:solidFill>
+                  <a:schemeClr val="tx1">
+                    <a:tint val="75000"/>
+                  </a:schemeClr>
+                </a:solidFill>
+              </a:defRPr>
+            </a:lvl2pPr>
+            <a:lvl3pPr marL="914400" indent="0">
+              <a:buNone/>
+              <a:defRPr sz="1600">
+                <a:solidFill>
+                  <a:schemeClr val="tx1">
+                    <a:tint val="75000"/>
+                  </a:schemeClr>
+                </a:solidFill>
+              </a:defRPr>
+            </a:lvl3pPr>
+            <a:lvl4pPr marL="1371600" indent="0">
+              <a:buNone/>
+              <a:defRPr sz="1400">
+                <a:solidFill>
+                  <a:schemeClr val="tx1">
+                    <a:tint val="75000"/>
+                  </a:schemeClr>
+                </a:solidFill>
+              </a:defRPr>
+            </a:lvl4pPr>
+            <a:lvl5pPr marL="1828800" indent="0">
+              <a:buNone/>
+              <a:defRPr sz="1400">
+                <a:solidFill>
+                  <a:schemeClr val="tx1">
+                    <a:tint val="75000"/>
+                  </a:schemeClr>
+                </a:solidFill>
+              </a:defRPr>
+            </a:lvl5pPr>
+            <a:lvl6pPr marL="2286000" indent="0">
+              <a:buNone/>
+              <a:defRPr sz="1400">
+                <a:solidFill>
+                  <a:schemeClr val="tx1">
+                    <a:tint val="75000"/>
+                  </a:schemeClr>
+                </a:solidFill>
+              </a:defRPr>
+            </a:lvl6pPr>
+            <a:lvl7pPr marL="2743200" indent="0">
+              <a:buNone/>
+              <a:defRPr sz="1400">
+                <a:solidFill>
+                  <a:schemeClr val="tx1">
+                    <a:tint val="75000"/>
+                  </a:schemeClr>
+                </a:solidFill>
+              </a:defRPr>
+            </a:lvl7pPr>
+            <a:lvl8pPr marL="3200400" indent="0">
+              <a:buNone/>
+              <a:defRPr sz="1400">
+                <a:solidFill>
+                  <a:schemeClr val="tx1">
+                    <a:tint val="75000"/>
+                  </a:schemeClr>
+                </a:solidFill>
+              </a:defRPr>
+            </a:lvl8pPr>
+            <a:lvl9pPr marL="3657600" indent="0">
+              <a:buNone/>
+              <a:defRPr sz="1400">
+                <a:solidFill>
+                  <a:schemeClr val="tx1">
+                    <a:tint val="75000"/>
+                  </a:schemeClr>
+                </a:solidFill>
+              </a:defRPr>
+            </a:lvl9pPr>
+          </a:lstStyle>
+          <a:p>
+            <a:pPr lvl="0"/>
+            <a:r>
+              <a:rPr lang="en-US"/>
+              <a:t>Edit Master text styles</a:t>
+            </a:r>
+          </a:p>
+        </p:txBody>
+      </p:sp>
+      <p:sp>
+        <p:nvSpPr>
+          <p:cNvPr id="4" name="Date Placeholder 3"/>
+          <p:cNvSpPr>
+            <a:spLocks noGrp="1"/>
+          </p:cNvSpPr>
+          <p:nvPr>
+            <p:ph type="dt" sz="half" idx="10"/>
+          </p:nvPr>
+        </p:nvSpPr>
+        <p:spPr/>
+        <p:txBody>
+          <a:bodyPr/>
+          <a:lstStyle/>
+          <a:p>
+            <a:fld id="{2BA9490B-1242-448F-8CE3-D403D9A9BFB9}" type="datetimeFigureOut">
+              <a:rPr lang="en-IN" smtClean="0"/>
+              <a:t>08-04-2025</a:t>
+            </a:fld>
+            <a:endParaRPr lang="en-IN"/>
+          </a:p>
+        </p:txBody>
+      </p:sp>
+      <p:sp>
+        <p:nvSpPr>
+          <p:cNvPr id="5" name="Footer Placeholder 4"/>
+          <p:cNvSpPr>
+            <a:spLocks noGrp="1"/>
+          </p:cNvSpPr>
+          <p:nvPr>
+            <p:ph type="ftr" sz="quarter" idx="11"/>
+          </p:nvPr>
+        </p:nvSpPr>
+        <p:spPr/>
+        <p:txBody>
+          <a:bodyPr/>
+          <a:lstStyle/>
+          <a:p>
+            <a:endParaRPr lang="en-IN"/>
+          </a:p>
+        </p:txBody>
+      </p:sp>
+      <p:sp>
+        <p:nvSpPr>
+          <p:cNvPr id="6" name="Slide Number Placeholder 5"/>
+          <p:cNvSpPr>
+            <a:spLocks noGrp="1"/>
+          </p:cNvSpPr>
+          <p:nvPr>
+            <p:ph type="sldNum" sz="quarter" idx="12"/>
+          </p:nvPr>
+        </p:nvSpPr>
+        <p:spPr/>
+        <p:txBody>
+          <a:bodyPr/>
+          <a:lstStyle/>
+          <a:p>
+            <a:fld id="{844223F5-9123-4329-BE98-87EB9C1FBD17}" type="slidenum">
+              <a:rPr lang="en-IN" smtClean="0"/>
+              <a:t>‹#›</a:t>
+            </a:fld>
+            <a:endParaRPr lang="en-IN"/>
+          </a:p>
+        </p:txBody>
+      </p:sp>
+      <p:sp>
+        <p:nvSpPr>
+          <p:cNvPr id="14" name="TextBox 13"/>
+          <p:cNvSpPr txBox="1"/>
+          <p:nvPr/>
+        </p:nvSpPr>
+        <p:spPr>
+          <a:xfrm>
+            <a:off x="862013" y="879961"/>
+            <a:ext cx="609600" cy="584776"/>
+          </a:xfrm>
+          <a:prstGeom prst="rect">
+            <a:avLst/>
+          </a:prstGeom>
+        </p:spPr>
+        <p:txBody>
+          <a:bodyPr vert="horz" lIns="91440" tIns="45720" rIns="91440" bIns="45720" rtlCol="0" anchor="ctr">
+            <a:noAutofit/>
+          </a:bodyPr>
+          <a:lstStyle/>
+          <a:p>
+            <a:pPr lvl="0"/>
+            <a:r>
+              <a:rPr lang="en-US" sz="8000" dirty="0">
+                <a:solidFill>
+                  <a:schemeClr val="tx1"/>
+                </a:solidFill>
+                <a:effectLst/>
+              </a:rPr>
+              <a:t>“</a:t>
+            </a:r>
+          </a:p>
+        </p:txBody>
+      </p:sp>
+      <p:sp>
+        <p:nvSpPr>
+          <p:cNvPr id="15" name="TextBox 14"/>
+          <p:cNvSpPr txBox="1"/>
+          <p:nvPr/>
+        </p:nvSpPr>
+        <p:spPr>
+          <a:xfrm>
+            <a:off x="10600267" y="2827870"/>
+            <a:ext cx="609600" cy="584776"/>
+          </a:xfrm>
+          <a:prstGeom prst="rect">
+            <a:avLst/>
+          </a:prstGeom>
+        </p:spPr>
+        <p:txBody>
+          <a:bodyPr vert="horz" lIns="91440" tIns="45720" rIns="91440" bIns="45720" rtlCol="0" anchor="ctr">
+            <a:noAutofit/>
+          </a:bodyPr>
+          <a:lstStyle/>
+          <a:p>
+            <a:pPr lvl="0" algn="r"/>
+            <a:r>
+              <a:rPr lang="en-US" sz="8000" dirty="0">
+                <a:solidFill>
+                  <a:schemeClr val="tx1"/>
+                </a:solidFill>
+                <a:effectLst/>
+              </a:rPr>
+              <a:t>”</a:t>
+            </a:r>
+          </a:p>
+        </p:txBody>
+      </p:sp>
+      <p:cxnSp>
+        <p:nvCxnSpPr>
+          <p:cNvPr id="19" name="Straight Connector 18"/>
+          <p:cNvCxnSpPr/>
+          <p:nvPr/>
+        </p:nvCxnSpPr>
+        <p:spPr>
+          <a:xfrm>
+            <a:off x="1396169" y="4140199"/>
+            <a:ext cx="9407298" cy="0"/>
+          </a:xfrm>
+          <a:prstGeom prst="line">
+            <a:avLst/>
+          </a:prstGeom>
+          <a:ln w="15875"/>
+        </p:spPr>
+        <p:style>
+          <a:lnRef idx="2">
+            <a:schemeClr val="accent1"/>
+          </a:lnRef>
+          <a:fillRef idx="0">
+            <a:schemeClr val="accent1"/>
+          </a:fillRef>
+          <a:effectRef idx="1">
+            <a:schemeClr val="accent1"/>
+          </a:effectRef>
+          <a:fontRef idx="minor">
+            <a:schemeClr val="tx1"/>
+          </a:fontRef>
+        </p:style>
+      </p:cxnSp>
+    </p:spTree>
+    <p:extLst>
+      <p:ext uri="{BB962C8B-B14F-4D97-AF65-F5344CB8AC3E}">
+        <p14:creationId xmlns:p14="http://schemas.microsoft.com/office/powerpoint/2010/main" val="743391218"/>
+      </p:ext>
+    </p:extLst>
+  </p:cSld>
+  <p:clrMapOvr>
+    <a:masterClrMapping/>
+  </p:clrMapOvr>
+</p:sldLayout>
+</file>
+
+<file path=ppt/slideLayouts/slideLayout13.xml><?xml version="1.0" encoding="utf-8"?>
+<p:sldLayout xmlns:a="http://schemas.openxmlformats.org/drawingml/2006/main" xmlns:r="http://schemas.openxmlformats.org/officeDocument/2006/relationships" xmlns:p="http://schemas.openxmlformats.org/presentationml/2006/main" preserve="1">
+  <p:cSld name="Name Card">
+    <p:spTree>
+      <p:nvGrpSpPr>
+        <p:cNvPr id="1" name=""/>
+        <p:cNvGrpSpPr/>
+        <p:nvPr/>
+      </p:nvGrpSpPr>
+      <p:grpSpPr>
+        <a:xfrm>
+          <a:off x="0" y="0"/>
+          <a:ext cx="0" cy="0"/>
+          <a:chOff x="0" y="0"/>
+          <a:chExt cx="0" cy="0"/>
+        </a:xfrm>
+      </p:grpSpPr>
+      <p:sp>
+        <p:nvSpPr>
+          <p:cNvPr id="2" name="Title 1"/>
+          <p:cNvSpPr>
+            <a:spLocks noGrp="1"/>
+          </p:cNvSpPr>
+          <p:nvPr>
+            <p:ph type="title"/>
+          </p:nvPr>
+        </p:nvSpPr>
+        <p:spPr>
+          <a:xfrm>
+            <a:off x="1295402" y="3308581"/>
+            <a:ext cx="9609668" cy="1468800"/>
+          </a:xfrm>
+        </p:spPr>
+        <p:txBody>
+          <a:bodyPr anchor="b">
+            <a:normAutofit/>
+          </a:bodyPr>
+          <a:lstStyle>
+            <a:lvl1pPr algn="l">
+              <a:defRPr sz="3200" b="0" cap="none"/>
+            </a:lvl1pPr>
+          </a:lstStyle>
+          <a:p>
+            <a:r>
+              <a:rPr lang="en-US"/>
+              <a:t>Click to edit Master title style</a:t>
+            </a:r>
+            <a:endParaRPr lang="en-US" dirty="0"/>
+          </a:p>
+        </p:txBody>
+      </p:sp>
+      <p:sp>
+        <p:nvSpPr>
+          <p:cNvPr id="3" name="Text Placeholder 2"/>
+          <p:cNvSpPr>
+            <a:spLocks noGrp="1"/>
+          </p:cNvSpPr>
+          <p:nvPr>
+            <p:ph type="body" idx="1"/>
+          </p:nvPr>
+        </p:nvSpPr>
+        <p:spPr>
+          <a:xfrm>
+            <a:off x="1295401" y="4777381"/>
+            <a:ext cx="9609668" cy="860400"/>
+          </a:xfrm>
+        </p:spPr>
+        <p:txBody>
+          <a:bodyPr anchor="t">
+            <a:normAutofit/>
+          </a:bodyPr>
+          <a:lstStyle>
+            <a:lvl1pPr marL="0" indent="0" algn="l">
+              <a:buNone/>
+              <a:defRPr sz="2000">
+                <a:solidFill>
+                  <a:schemeClr val="tx1"/>
+                </a:solidFill>
+              </a:defRPr>
+            </a:lvl1pPr>
+            <a:lvl2pPr marL="457200" indent="0">
+              <a:buNone/>
+              <a:defRPr sz="1800">
+                <a:solidFill>
+                  <a:schemeClr val="tx1">
+                    <a:tint val="75000"/>
+                  </a:schemeClr>
+                </a:solidFill>
+              </a:defRPr>
+            </a:lvl2pPr>
+            <a:lvl3pPr marL="914400" indent="0">
+              <a:buNone/>
+              <a:defRPr sz="1600">
+                <a:solidFill>
+                  <a:schemeClr val="tx1">
+                    <a:tint val="75000"/>
+                  </a:schemeClr>
+                </a:solidFill>
+              </a:defRPr>
+            </a:lvl3pPr>
+            <a:lvl4pPr marL="1371600" indent="0">
+              <a:buNone/>
+              <a:defRPr sz="1400">
+                <a:solidFill>
+                  <a:schemeClr val="tx1">
+                    <a:tint val="75000"/>
+                  </a:schemeClr>
+                </a:solidFill>
+              </a:defRPr>
+            </a:lvl4pPr>
+            <a:lvl5pPr marL="1828800" indent="0">
+              <a:buNone/>
+              <a:defRPr sz="1400">
+                <a:solidFill>
+                  <a:schemeClr val="tx1">
+                    <a:tint val="75000"/>
+                  </a:schemeClr>
+                </a:solidFill>
+              </a:defRPr>
+            </a:lvl5pPr>
+            <a:lvl6pPr marL="2286000" indent="0">
+              <a:buNone/>
+              <a:defRPr sz="1400">
+                <a:solidFill>
+                  <a:schemeClr val="tx1">
+                    <a:tint val="75000"/>
+                  </a:schemeClr>
+                </a:solidFill>
+              </a:defRPr>
+            </a:lvl6pPr>
+            <a:lvl7pPr marL="2743200" indent="0">
+              <a:buNone/>
+              <a:defRPr sz="1400">
+                <a:solidFill>
+                  <a:schemeClr val="tx1">
+                    <a:tint val="75000"/>
+                  </a:schemeClr>
+                </a:solidFill>
+              </a:defRPr>
+            </a:lvl7pPr>
+            <a:lvl8pPr marL="3200400" indent="0">
+              <a:buNone/>
+              <a:defRPr sz="1400">
+                <a:solidFill>
+                  <a:schemeClr val="tx1">
+                    <a:tint val="75000"/>
+                  </a:schemeClr>
+                </a:solidFill>
+              </a:defRPr>
+            </a:lvl8pPr>
+            <a:lvl9pPr marL="3657600" indent="0">
+              <a:buNone/>
+              <a:defRPr sz="1400">
+                <a:solidFill>
+                  <a:schemeClr val="tx1">
+                    <a:tint val="75000"/>
+                  </a:schemeClr>
+                </a:solidFill>
+              </a:defRPr>
+            </a:lvl9pPr>
+          </a:lstStyle>
+          <a:p>
+            <a:pPr lvl="0"/>
+            <a:r>
+              <a:rPr lang="en-US"/>
+              <a:t>Edit Master text styles</a:t>
+            </a:r>
+          </a:p>
+        </p:txBody>
+      </p:sp>
+      <p:sp>
+        <p:nvSpPr>
+          <p:cNvPr id="4" name="Date Placeholder 3"/>
+          <p:cNvSpPr>
+            <a:spLocks noGrp="1"/>
+          </p:cNvSpPr>
+          <p:nvPr>
+            <p:ph type="dt" sz="half" idx="10"/>
+          </p:nvPr>
+        </p:nvSpPr>
+        <p:spPr/>
+        <p:txBody>
+          <a:bodyPr/>
+          <a:lstStyle/>
+          <a:p>
+            <a:fld id="{2BA9490B-1242-448F-8CE3-D403D9A9BFB9}" type="datetimeFigureOut">
+              <a:rPr lang="en-IN" smtClean="0"/>
+              <a:t>08-04-2025</a:t>
+            </a:fld>
+            <a:endParaRPr lang="en-IN"/>
+          </a:p>
+        </p:txBody>
+      </p:sp>
+      <p:sp>
+        <p:nvSpPr>
+          <p:cNvPr id="5" name="Footer Placeholder 4"/>
+          <p:cNvSpPr>
+            <a:spLocks noGrp="1"/>
+          </p:cNvSpPr>
+          <p:nvPr>
+            <p:ph type="ftr" sz="quarter" idx="11"/>
+          </p:nvPr>
+        </p:nvSpPr>
+        <p:spPr/>
+        <p:txBody>
+          <a:bodyPr/>
+          <a:lstStyle/>
+          <a:p>
+            <a:endParaRPr lang="en-IN"/>
+          </a:p>
+        </p:txBody>
+      </p:sp>
+      <p:sp>
+        <p:nvSpPr>
+          <p:cNvPr id="6" name="Slide Number Placeholder 5"/>
+          <p:cNvSpPr>
+            <a:spLocks noGrp="1"/>
+          </p:cNvSpPr>
+          <p:nvPr>
+            <p:ph type="sldNum" sz="quarter" idx="12"/>
+          </p:nvPr>
+        </p:nvSpPr>
+        <p:spPr/>
+        <p:txBody>
+          <a:bodyPr/>
+          <a:lstStyle/>
+          <a:p>
+            <a:fld id="{844223F5-9123-4329-BE98-87EB9C1FBD17}" type="slidenum">
+              <a:rPr lang="en-IN" smtClean="0"/>
+              <a:t>‹#›</a:t>
+            </a:fld>
+            <a:endParaRPr lang="en-IN"/>
+          </a:p>
+        </p:txBody>
+      </p:sp>
+    </p:spTree>
+    <p:extLst>
+      <p:ext uri="{BB962C8B-B14F-4D97-AF65-F5344CB8AC3E}">
+        <p14:creationId xmlns:p14="http://schemas.microsoft.com/office/powerpoint/2010/main" val="3690475828"/>
+      </p:ext>
+    </p:extLst>
+  </p:cSld>
+  <p:clrMapOvr>
+    <a:masterClrMapping/>
+  </p:clrMapOvr>
+</p:sldLayout>
+</file>
+
+<file path=ppt/slideLayouts/slideLayout14.xml><?xml version="1.0" encoding="utf-8"?>
+<p:sldLayout xmlns:a="http://schemas.openxmlformats.org/drawingml/2006/main" xmlns:r="http://schemas.openxmlformats.org/officeDocument/2006/relationships" xmlns:p="http://schemas.openxmlformats.org/presentationml/2006/main" preserve="1">
+  <p:cSld name="Quote Name Card">
+    <p:spTree>
+      <p:nvGrpSpPr>
+        <p:cNvPr id="1" name=""/>
+        <p:cNvGrpSpPr/>
+        <p:nvPr/>
+      </p:nvGrpSpPr>
+      <p:grpSpPr>
+        <a:xfrm>
+          <a:off x="0" y="0"/>
+          <a:ext cx="0" cy="0"/>
+          <a:chOff x="0" y="0"/>
+          <a:chExt cx="0" cy="0"/>
+        </a:xfrm>
+      </p:grpSpPr>
+      <p:sp>
+        <p:nvSpPr>
+          <p:cNvPr id="2" name="Title 1"/>
+          <p:cNvSpPr>
+            <a:spLocks noGrp="1"/>
+          </p:cNvSpPr>
+          <p:nvPr>
+            <p:ph type="title"/>
+          </p:nvPr>
+        </p:nvSpPr>
+        <p:spPr>
+          <a:xfrm>
+            <a:off x="1446213" y="982132"/>
+            <a:ext cx="9296398" cy="2243668"/>
+          </a:xfrm>
+        </p:spPr>
+        <p:txBody>
+          <a:bodyPr anchor="ctr">
+            <a:normAutofit/>
+          </a:bodyPr>
+          <a:lstStyle>
+            <a:lvl1pPr algn="ctr">
+              <a:defRPr sz="3200" b="0" cap="none">
+                <a:solidFill>
+                  <a:schemeClr val="tx1"/>
+                </a:solidFill>
+              </a:defRPr>
+            </a:lvl1pPr>
+          </a:lstStyle>
+          <a:p>
+            <a:r>
+              <a:rPr lang="en-US"/>
+              <a:t>Click to edit Master title style</a:t>
+            </a:r>
+            <a:endParaRPr lang="en-US" dirty="0"/>
+          </a:p>
+        </p:txBody>
+      </p:sp>
+      <p:sp>
+        <p:nvSpPr>
+          <p:cNvPr id="16" name="Text Placeholder 2"/>
+          <p:cNvSpPr>
+            <a:spLocks noGrp="1"/>
+          </p:cNvSpPr>
+          <p:nvPr>
+            <p:ph type="body" idx="13"/>
+          </p:nvPr>
+        </p:nvSpPr>
+        <p:spPr>
+          <a:xfrm>
+            <a:off x="1295401" y="3639312"/>
+            <a:ext cx="9609668" cy="886968"/>
+          </a:xfrm>
+        </p:spPr>
+        <p:txBody>
+          <a:bodyPr anchor="b">
+            <a:normAutofit/>
+          </a:bodyPr>
+          <a:lstStyle>
+            <a:lvl1pPr marL="0" indent="0" algn="l">
+              <a:spcBef>
+                <a:spcPts val="0"/>
+              </a:spcBef>
+              <a:buNone/>
+              <a:defRPr sz="2400">
+                <a:solidFill>
+                  <a:schemeClr val="tx1"/>
+                </a:solidFill>
+              </a:defRPr>
+            </a:lvl1pPr>
+            <a:lvl2pPr marL="457200" indent="0">
+              <a:buNone/>
+              <a:defRPr sz="1800">
+                <a:solidFill>
+                  <a:schemeClr val="tx1">
+                    <a:tint val="75000"/>
+                  </a:schemeClr>
+                </a:solidFill>
+              </a:defRPr>
+            </a:lvl2pPr>
+            <a:lvl3pPr marL="914400" indent="0">
+              <a:buNone/>
+              <a:defRPr sz="1600">
+                <a:solidFill>
+                  <a:schemeClr val="tx1">
+                    <a:tint val="75000"/>
+                  </a:schemeClr>
+                </a:solidFill>
+              </a:defRPr>
+            </a:lvl3pPr>
+            <a:lvl4pPr marL="1371600" indent="0">
+              <a:buNone/>
+              <a:defRPr sz="1400">
+                <a:solidFill>
+                  <a:schemeClr val="tx1">
+                    <a:tint val="75000"/>
+                  </a:schemeClr>
+                </a:solidFill>
+              </a:defRPr>
+            </a:lvl4pPr>
+            <a:lvl5pPr marL="1828800" indent="0">
+              <a:buNone/>
+              <a:defRPr sz="1400">
+                <a:solidFill>
+                  <a:schemeClr val="tx1">
+                    <a:tint val="75000"/>
+                  </a:schemeClr>
+                </a:solidFill>
+              </a:defRPr>
+            </a:lvl5pPr>
+            <a:lvl6pPr marL="2286000" indent="0">
+              <a:buNone/>
+              <a:defRPr sz="1400">
+                <a:solidFill>
+                  <a:schemeClr val="tx1">
+                    <a:tint val="75000"/>
+                  </a:schemeClr>
+                </a:solidFill>
+              </a:defRPr>
+            </a:lvl6pPr>
+            <a:lvl7pPr marL="2743200" indent="0">
+              <a:buNone/>
+              <a:defRPr sz="1400">
+                <a:solidFill>
+                  <a:schemeClr val="tx1">
+                    <a:tint val="75000"/>
+                  </a:schemeClr>
+                </a:solidFill>
+              </a:defRPr>
+            </a:lvl7pPr>
+            <a:lvl8pPr marL="3200400" indent="0">
+              <a:buNone/>
+              <a:defRPr sz="1400">
+                <a:solidFill>
+                  <a:schemeClr val="tx1">
+                    <a:tint val="75000"/>
+                  </a:schemeClr>
+                </a:solidFill>
+              </a:defRPr>
+            </a:lvl8pPr>
+            <a:lvl9pPr marL="3657600" indent="0">
+              <a:buNone/>
+              <a:defRPr sz="1400">
+                <a:solidFill>
+                  <a:schemeClr val="tx1">
+                    <a:tint val="75000"/>
+                  </a:schemeClr>
+                </a:solidFill>
+              </a:defRPr>
+            </a:lvl9pPr>
+          </a:lstStyle>
+          <a:p>
+            <a:pPr lvl="0"/>
+            <a:r>
+              <a:rPr lang="en-US"/>
+              <a:t>Edit Master text styles</a:t>
+            </a:r>
+          </a:p>
+        </p:txBody>
+      </p:sp>
+      <p:sp>
+        <p:nvSpPr>
+          <p:cNvPr id="3" name="Text Placeholder 2"/>
+          <p:cNvSpPr>
+            <a:spLocks noGrp="1"/>
+          </p:cNvSpPr>
+          <p:nvPr>
+            <p:ph type="body" idx="1"/>
+          </p:nvPr>
+        </p:nvSpPr>
+        <p:spPr>
+          <a:xfrm>
+            <a:off x="1295401" y="4529667"/>
+            <a:ext cx="9609668" cy="1346200"/>
+          </a:xfrm>
+        </p:spPr>
+        <p:txBody>
+          <a:bodyPr anchor="t">
+            <a:normAutofit/>
+          </a:bodyPr>
+          <a:lstStyle>
+            <a:lvl1pPr marL="0" indent="0" algn="l">
+              <a:buNone/>
+              <a:defRPr sz="1800">
+                <a:solidFill>
+                  <a:schemeClr val="tx1"/>
+                </a:solidFill>
+              </a:defRPr>
+            </a:lvl1pPr>
+            <a:lvl2pPr marL="457200" indent="0">
+              <a:buNone/>
+              <a:defRPr sz="1800">
+                <a:solidFill>
+                  <a:schemeClr val="tx1">
+                    <a:tint val="75000"/>
+                  </a:schemeClr>
+                </a:solidFill>
+              </a:defRPr>
+            </a:lvl2pPr>
+            <a:lvl3pPr marL="914400" indent="0">
+              <a:buNone/>
+              <a:defRPr sz="1600">
+                <a:solidFill>
+                  <a:schemeClr val="tx1">
+                    <a:tint val="75000"/>
+                  </a:schemeClr>
+                </a:solidFill>
+              </a:defRPr>
+            </a:lvl3pPr>
+            <a:lvl4pPr marL="1371600" indent="0">
+              <a:buNone/>
+              <a:defRPr sz="1400">
+                <a:solidFill>
+                  <a:schemeClr val="tx1">
+                    <a:tint val="75000"/>
+                  </a:schemeClr>
+                </a:solidFill>
+              </a:defRPr>
+            </a:lvl4pPr>
+            <a:lvl5pPr marL="1828800" indent="0">
+              <a:buNone/>
+              <a:defRPr sz="1400">
+                <a:solidFill>
+                  <a:schemeClr val="tx1">
+                    <a:tint val="75000"/>
+                  </a:schemeClr>
+                </a:solidFill>
+              </a:defRPr>
+            </a:lvl5pPr>
+            <a:lvl6pPr marL="2286000" indent="0">
+              <a:buNone/>
+              <a:defRPr sz="1400">
+                <a:solidFill>
+                  <a:schemeClr val="tx1">
+                    <a:tint val="75000"/>
+                  </a:schemeClr>
+                </a:solidFill>
+              </a:defRPr>
+            </a:lvl6pPr>
+            <a:lvl7pPr marL="2743200" indent="0">
+              <a:buNone/>
+              <a:defRPr sz="1400">
+                <a:solidFill>
+                  <a:schemeClr val="tx1">
+                    <a:tint val="75000"/>
+                  </a:schemeClr>
+                </a:solidFill>
+              </a:defRPr>
+            </a:lvl7pPr>
+            <a:lvl8pPr marL="3200400" indent="0">
+              <a:buNone/>
+              <a:defRPr sz="1400">
+                <a:solidFill>
+                  <a:schemeClr val="tx1">
+                    <a:tint val="75000"/>
+                  </a:schemeClr>
+                </a:solidFill>
+              </a:defRPr>
+            </a:lvl8pPr>
+            <a:lvl9pPr marL="3657600" indent="0">
+              <a:buNone/>
+              <a:defRPr sz="1400">
+                <a:solidFill>
+                  <a:schemeClr val="tx1">
+                    <a:tint val="75000"/>
+                  </a:schemeClr>
+                </a:solidFill>
+              </a:defRPr>
+            </a:lvl9pPr>
+          </a:lstStyle>
+          <a:p>
+            <a:pPr lvl="0"/>
+            <a:r>
+              <a:rPr lang="en-US"/>
+              <a:t>Edit Master text styles</a:t>
+            </a:r>
+          </a:p>
+        </p:txBody>
+      </p:sp>
+      <p:sp>
+        <p:nvSpPr>
+          <p:cNvPr id="4" name="Date Placeholder 3"/>
+          <p:cNvSpPr>
+            <a:spLocks noGrp="1"/>
+          </p:cNvSpPr>
+          <p:nvPr>
+            <p:ph type="dt" sz="half" idx="10"/>
+          </p:nvPr>
+        </p:nvSpPr>
+        <p:spPr/>
+        <p:txBody>
+          <a:bodyPr/>
+          <a:lstStyle/>
+          <a:p>
+            <a:fld id="{2BA9490B-1242-448F-8CE3-D403D9A9BFB9}" type="datetimeFigureOut">
+              <a:rPr lang="en-IN" smtClean="0"/>
+              <a:t>08-04-2025</a:t>
+            </a:fld>
+            <a:endParaRPr lang="en-IN"/>
+          </a:p>
+        </p:txBody>
+      </p:sp>
+      <p:sp>
+        <p:nvSpPr>
+          <p:cNvPr id="5" name="Footer Placeholder 4"/>
+          <p:cNvSpPr>
+            <a:spLocks noGrp="1"/>
+          </p:cNvSpPr>
+          <p:nvPr>
+            <p:ph type="ftr" sz="quarter" idx="11"/>
+          </p:nvPr>
+        </p:nvSpPr>
+        <p:spPr/>
+        <p:txBody>
+          <a:bodyPr/>
+          <a:lstStyle/>
+          <a:p>
+            <a:endParaRPr lang="en-IN"/>
+          </a:p>
+        </p:txBody>
+      </p:sp>
+      <p:sp>
+        <p:nvSpPr>
+          <p:cNvPr id="6" name="Slide Number Placeholder 5"/>
+          <p:cNvSpPr>
+            <a:spLocks noGrp="1"/>
+          </p:cNvSpPr>
+          <p:nvPr>
+            <p:ph type="sldNum" sz="quarter" idx="12"/>
+          </p:nvPr>
+        </p:nvSpPr>
+        <p:spPr/>
+        <p:txBody>
+          <a:bodyPr/>
+          <a:lstStyle/>
+          <a:p>
+            <a:fld id="{844223F5-9123-4329-BE98-87EB9C1FBD17}" type="slidenum">
+              <a:rPr lang="en-IN" smtClean="0"/>
+              <a:t>‹#›</a:t>
+            </a:fld>
+            <a:endParaRPr lang="en-IN"/>
+          </a:p>
+        </p:txBody>
+      </p:sp>
+      <p:sp>
+        <p:nvSpPr>
+          <p:cNvPr id="12" name="TextBox 11"/>
+          <p:cNvSpPr txBox="1"/>
+          <p:nvPr/>
+        </p:nvSpPr>
+        <p:spPr>
+          <a:xfrm>
+            <a:off x="862013" y="879961"/>
+            <a:ext cx="609600" cy="584776"/>
+          </a:xfrm>
+          <a:prstGeom prst="rect">
+            <a:avLst/>
+          </a:prstGeom>
+        </p:spPr>
+        <p:txBody>
+          <a:bodyPr vert="horz" lIns="91440" tIns="45720" rIns="91440" bIns="45720" rtlCol="0" anchor="ctr">
+            <a:noAutofit/>
+          </a:bodyPr>
+          <a:lstStyle/>
+          <a:p>
+            <a:pPr lvl="0"/>
+            <a:r>
+              <a:rPr lang="en-US" sz="8000" dirty="0">
+                <a:solidFill>
+                  <a:schemeClr val="tx1"/>
+                </a:solidFill>
+                <a:effectLst/>
+              </a:rPr>
+              <a:t>“</a:t>
+            </a:r>
+          </a:p>
+        </p:txBody>
+      </p:sp>
+      <p:sp>
+        <p:nvSpPr>
+          <p:cNvPr id="13" name="TextBox 12"/>
+          <p:cNvSpPr txBox="1"/>
+          <p:nvPr/>
+        </p:nvSpPr>
+        <p:spPr>
+          <a:xfrm>
+            <a:off x="10600267" y="2599261"/>
+            <a:ext cx="609600" cy="584776"/>
+          </a:xfrm>
+          <a:prstGeom prst="rect">
+            <a:avLst/>
+          </a:prstGeom>
+        </p:spPr>
+        <p:txBody>
+          <a:bodyPr vert="horz" lIns="91440" tIns="45720" rIns="91440" bIns="45720" rtlCol="0" anchor="ctr">
+            <a:noAutofit/>
+          </a:bodyPr>
+          <a:lstStyle/>
+          <a:p>
+            <a:pPr lvl="0" algn="r"/>
+            <a:r>
+              <a:rPr lang="en-US" sz="8000" dirty="0">
+                <a:solidFill>
+                  <a:schemeClr val="tx1"/>
+                </a:solidFill>
+                <a:effectLst/>
+              </a:rPr>
+              <a:t>”</a:t>
+            </a:r>
+          </a:p>
+        </p:txBody>
+      </p:sp>
+      <p:cxnSp>
+        <p:nvCxnSpPr>
+          <p:cNvPr id="26" name="Straight Connector 25"/>
+          <p:cNvCxnSpPr/>
+          <p:nvPr/>
+        </p:nvCxnSpPr>
+        <p:spPr>
+          <a:xfrm>
+            <a:off x="1396169" y="3429000"/>
+            <a:ext cx="9407298" cy="0"/>
+          </a:xfrm>
+          <a:prstGeom prst="line">
+            <a:avLst/>
+          </a:prstGeom>
+          <a:ln w="15875"/>
+        </p:spPr>
+        <p:style>
+          <a:lnRef idx="2">
+            <a:schemeClr val="accent1"/>
+          </a:lnRef>
+          <a:fillRef idx="0">
+            <a:schemeClr val="accent1"/>
+          </a:fillRef>
+          <a:effectRef idx="1">
+            <a:schemeClr val="accent1"/>
+          </a:effectRef>
+          <a:fontRef idx="minor">
+            <a:schemeClr val="tx1"/>
+          </a:fontRef>
+        </p:style>
+      </p:cxnSp>
+    </p:spTree>
+    <p:extLst>
+      <p:ext uri="{BB962C8B-B14F-4D97-AF65-F5344CB8AC3E}">
+        <p14:creationId xmlns:p14="http://schemas.microsoft.com/office/powerpoint/2010/main" val="1734089539"/>
+      </p:ext>
+    </p:extLst>
+  </p:cSld>
+  <p:clrMapOvr>
+    <a:masterClrMapping/>
+  </p:clrMapOvr>
+</p:sldLayout>
+</file>
+
+<file path=ppt/slideLayouts/slideLayout15.xml><?xml version="1.0" encoding="utf-8"?>
+<p:sldLayout xmlns:a="http://schemas.openxmlformats.org/drawingml/2006/main" xmlns:r="http://schemas.openxmlformats.org/officeDocument/2006/relationships" xmlns:p="http://schemas.openxmlformats.org/presentationml/2006/main" preserve="1">
+  <p:cSld name="True or False">
+    <p:spTree>
+      <p:nvGrpSpPr>
+        <p:cNvPr id="1" name=""/>
+        <p:cNvGrpSpPr/>
+        <p:nvPr/>
+      </p:nvGrpSpPr>
+      <p:grpSpPr>
+        <a:xfrm>
+          <a:off x="0" y="0"/>
+          <a:ext cx="0" cy="0"/>
+          <a:chOff x="0" y="0"/>
+          <a:chExt cx="0" cy="0"/>
+        </a:xfrm>
+      </p:grpSpPr>
+      <p:sp>
+        <p:nvSpPr>
+          <p:cNvPr id="2" name="Title 1"/>
+          <p:cNvSpPr>
+            <a:spLocks noGrp="1"/>
+          </p:cNvSpPr>
+          <p:nvPr>
+            <p:ph type="title"/>
+          </p:nvPr>
+        </p:nvSpPr>
+        <p:spPr>
+          <a:xfrm>
+            <a:off x="1295401" y="982132"/>
+            <a:ext cx="9609666" cy="2243668"/>
+          </a:xfrm>
+        </p:spPr>
+        <p:txBody>
+          <a:bodyPr vert="horz" lIns="91440" tIns="45720" rIns="91440" bIns="45720" rtlCol="0" anchor="ctr">
+            <a:normAutofit/>
+          </a:bodyPr>
+          <a:lstStyle>
+            <a:lvl1pPr>
+              <a:defRPr lang="en-US" b="0" dirty="0"/>
+            </a:lvl1pPr>
+          </a:lstStyle>
+          <a:p>
+            <a:pPr marL="0" lvl="0"/>
+            <a:r>
+              <a:rPr lang="en-US"/>
+              <a:t>Click to edit Master title style</a:t>
+            </a:r>
+            <a:endParaRPr lang="en-US" dirty="0"/>
+          </a:p>
+        </p:txBody>
+      </p:sp>
+      <p:sp>
+        <p:nvSpPr>
+          <p:cNvPr id="14" name="Text Placeholder 2"/>
+          <p:cNvSpPr>
+            <a:spLocks noGrp="1"/>
+          </p:cNvSpPr>
+          <p:nvPr>
+            <p:ph type="body" idx="13"/>
+          </p:nvPr>
+        </p:nvSpPr>
+        <p:spPr>
+          <a:xfrm>
+            <a:off x="1295401" y="3630168"/>
+            <a:ext cx="9609668" cy="841248"/>
+          </a:xfrm>
+        </p:spPr>
+        <p:txBody>
+          <a:bodyPr anchor="b">
+            <a:normAutofit/>
+          </a:bodyPr>
+          <a:lstStyle>
+            <a:lvl1pPr marL="0" indent="0" algn="l">
+              <a:spcBef>
+                <a:spcPts val="0"/>
+              </a:spcBef>
+              <a:buNone/>
+              <a:defRPr sz="2800">
+                <a:solidFill>
+                  <a:schemeClr val="tx1"/>
+                </a:solidFill>
+              </a:defRPr>
+            </a:lvl1pPr>
+            <a:lvl2pPr marL="457200" indent="0">
+              <a:buNone/>
+              <a:defRPr sz="1800">
+                <a:solidFill>
+                  <a:schemeClr val="tx1">
+                    <a:tint val="75000"/>
+                  </a:schemeClr>
+                </a:solidFill>
+              </a:defRPr>
+            </a:lvl2pPr>
+            <a:lvl3pPr marL="914400" indent="0">
+              <a:buNone/>
+              <a:defRPr sz="1600">
+                <a:solidFill>
+                  <a:schemeClr val="tx1">
+                    <a:tint val="75000"/>
+                  </a:schemeClr>
+                </a:solidFill>
+              </a:defRPr>
+            </a:lvl3pPr>
+            <a:lvl4pPr marL="1371600" indent="0">
+              <a:buNone/>
+              <a:defRPr sz="1400">
+                <a:solidFill>
+                  <a:schemeClr val="tx1">
+                    <a:tint val="75000"/>
+                  </a:schemeClr>
+                </a:solidFill>
+              </a:defRPr>
+            </a:lvl4pPr>
+            <a:lvl5pPr marL="1828800" indent="0">
+              <a:buNone/>
+              <a:defRPr sz="1400">
+                <a:solidFill>
+                  <a:schemeClr val="tx1">
+                    <a:tint val="75000"/>
+                  </a:schemeClr>
+                </a:solidFill>
+              </a:defRPr>
+            </a:lvl5pPr>
+            <a:lvl6pPr marL="2286000" indent="0">
+              <a:buNone/>
+              <a:defRPr sz="1400">
+                <a:solidFill>
+                  <a:schemeClr val="tx1">
+                    <a:tint val="75000"/>
+                  </a:schemeClr>
+                </a:solidFill>
+              </a:defRPr>
+            </a:lvl6pPr>
+            <a:lvl7pPr marL="2743200" indent="0">
+              <a:buNone/>
+              <a:defRPr sz="1400">
+                <a:solidFill>
+                  <a:schemeClr val="tx1">
+                    <a:tint val="75000"/>
+                  </a:schemeClr>
+                </a:solidFill>
+              </a:defRPr>
+            </a:lvl7pPr>
+            <a:lvl8pPr marL="3200400" indent="0">
+              <a:buNone/>
+              <a:defRPr sz="1400">
+                <a:solidFill>
+                  <a:schemeClr val="tx1">
+                    <a:tint val="75000"/>
+                  </a:schemeClr>
+                </a:solidFill>
+              </a:defRPr>
+            </a:lvl8pPr>
+            <a:lvl9pPr marL="3657600" indent="0">
+              <a:buNone/>
+              <a:defRPr sz="1400">
+                <a:solidFill>
+                  <a:schemeClr val="tx1">
+                    <a:tint val="75000"/>
+                  </a:schemeClr>
+                </a:solidFill>
+              </a:defRPr>
+            </a:lvl9pPr>
+          </a:lstStyle>
+          <a:p>
+            <a:pPr lvl="0"/>
+            <a:r>
+              <a:rPr lang="en-US"/>
+              <a:t>Edit Master text styles</a:t>
+            </a:r>
+          </a:p>
+        </p:txBody>
+      </p:sp>
+      <p:sp>
+        <p:nvSpPr>
+          <p:cNvPr id="3" name="Text Placeholder 2"/>
+          <p:cNvSpPr>
+            <a:spLocks noGrp="1"/>
+          </p:cNvSpPr>
+          <p:nvPr>
+            <p:ph type="body" idx="1"/>
+          </p:nvPr>
+        </p:nvSpPr>
+        <p:spPr>
+          <a:xfrm>
+            <a:off x="1295400" y="4470399"/>
+            <a:ext cx="9609670" cy="1405467"/>
+          </a:xfrm>
+        </p:spPr>
+        <p:txBody>
+          <a:bodyPr anchor="t">
+            <a:normAutofit/>
+          </a:bodyPr>
+          <a:lstStyle>
+            <a:lvl1pPr marL="0" indent="0" algn="l">
+              <a:buNone/>
+              <a:defRPr sz="1800">
+                <a:solidFill>
+                  <a:schemeClr val="tx1"/>
+                </a:solidFill>
+              </a:defRPr>
+            </a:lvl1pPr>
+            <a:lvl2pPr marL="457200" indent="0">
+              <a:buNone/>
+              <a:defRPr sz="1800">
+                <a:solidFill>
+                  <a:schemeClr val="tx1">
+                    <a:tint val="75000"/>
+                  </a:schemeClr>
+                </a:solidFill>
+              </a:defRPr>
+            </a:lvl2pPr>
+            <a:lvl3pPr marL="914400" indent="0">
+              <a:buNone/>
+              <a:defRPr sz="1600">
+                <a:solidFill>
+                  <a:schemeClr val="tx1">
+                    <a:tint val="75000"/>
+                  </a:schemeClr>
+                </a:solidFill>
+              </a:defRPr>
+            </a:lvl3pPr>
+            <a:lvl4pPr marL="1371600" indent="0">
+              <a:buNone/>
+              <a:defRPr sz="1400">
+                <a:solidFill>
+                  <a:schemeClr val="tx1">
+                    <a:tint val="75000"/>
+                  </a:schemeClr>
+                </a:solidFill>
+              </a:defRPr>
+            </a:lvl4pPr>
+            <a:lvl5pPr marL="1828800" indent="0">
+              <a:buNone/>
+              <a:defRPr sz="1400">
+                <a:solidFill>
+                  <a:schemeClr val="tx1">
+                    <a:tint val="75000"/>
+                  </a:schemeClr>
+                </a:solidFill>
+              </a:defRPr>
+            </a:lvl5pPr>
+            <a:lvl6pPr marL="2286000" indent="0">
+              <a:buNone/>
+              <a:defRPr sz="1400">
+                <a:solidFill>
+                  <a:schemeClr val="tx1">
+                    <a:tint val="75000"/>
+                  </a:schemeClr>
+                </a:solidFill>
+              </a:defRPr>
+            </a:lvl6pPr>
+            <a:lvl7pPr marL="2743200" indent="0">
+              <a:buNone/>
+              <a:defRPr sz="1400">
+                <a:solidFill>
+                  <a:schemeClr val="tx1">
+                    <a:tint val="75000"/>
+                  </a:schemeClr>
+                </a:solidFill>
+              </a:defRPr>
+            </a:lvl7pPr>
+            <a:lvl8pPr marL="3200400" indent="0">
+              <a:buNone/>
+              <a:defRPr sz="1400">
+                <a:solidFill>
+                  <a:schemeClr val="tx1">
+                    <a:tint val="75000"/>
+                  </a:schemeClr>
+                </a:solidFill>
+              </a:defRPr>
+            </a:lvl8pPr>
+            <a:lvl9pPr marL="3657600" indent="0">
+              <a:buNone/>
+              <a:defRPr sz="1400">
+                <a:solidFill>
+                  <a:schemeClr val="tx1">
+                    <a:tint val="75000"/>
+                  </a:schemeClr>
+                </a:solidFill>
+              </a:defRPr>
+            </a:lvl9pPr>
+          </a:lstStyle>
+          <a:p>
+            <a:pPr lvl="0"/>
+            <a:r>
+              <a:rPr lang="en-US"/>
+              <a:t>Edit Master text styles</a:t>
+            </a:r>
+          </a:p>
+        </p:txBody>
+      </p:sp>
+      <p:sp>
+        <p:nvSpPr>
+          <p:cNvPr id="4" name="Date Placeholder 3"/>
+          <p:cNvSpPr>
+            <a:spLocks noGrp="1"/>
+          </p:cNvSpPr>
+          <p:nvPr>
+            <p:ph type="dt" sz="half" idx="10"/>
+          </p:nvPr>
+        </p:nvSpPr>
+        <p:spPr/>
+        <p:txBody>
+          <a:bodyPr/>
+          <a:lstStyle/>
+          <a:p>
+            <a:fld id="{2BA9490B-1242-448F-8CE3-D403D9A9BFB9}" type="datetimeFigureOut">
+              <a:rPr lang="en-IN" smtClean="0"/>
+              <a:t>08-04-2025</a:t>
+            </a:fld>
+            <a:endParaRPr lang="en-IN"/>
+          </a:p>
+        </p:txBody>
+      </p:sp>
+      <p:sp>
+        <p:nvSpPr>
+          <p:cNvPr id="5" name="Footer Placeholder 4"/>
+          <p:cNvSpPr>
+            <a:spLocks noGrp="1"/>
+          </p:cNvSpPr>
+          <p:nvPr>
+            <p:ph type="ftr" sz="quarter" idx="11"/>
+          </p:nvPr>
+        </p:nvSpPr>
+        <p:spPr/>
+        <p:txBody>
+          <a:bodyPr/>
+          <a:lstStyle/>
+          <a:p>
+            <a:endParaRPr lang="en-IN"/>
+          </a:p>
+        </p:txBody>
+      </p:sp>
+      <p:sp>
+        <p:nvSpPr>
+          <p:cNvPr id="6" name="Slide Number Placeholder 5"/>
+          <p:cNvSpPr>
+            <a:spLocks noGrp="1"/>
+          </p:cNvSpPr>
+          <p:nvPr>
+            <p:ph type="sldNum" sz="quarter" idx="12"/>
+          </p:nvPr>
+        </p:nvSpPr>
+        <p:spPr/>
+        <p:txBody>
+          <a:bodyPr/>
+          <a:lstStyle/>
+          <a:p>
+            <a:fld id="{844223F5-9123-4329-BE98-87EB9C1FBD17}" type="slidenum">
+              <a:rPr lang="en-IN" smtClean="0"/>
+              <a:t>‹#›</a:t>
+            </a:fld>
+            <a:endParaRPr lang="en-IN"/>
+          </a:p>
+        </p:txBody>
+      </p:sp>
+      <p:cxnSp>
+        <p:nvCxnSpPr>
+          <p:cNvPr id="15" name="Straight Connector 14"/>
+          <p:cNvCxnSpPr/>
+          <p:nvPr/>
+        </p:nvCxnSpPr>
+        <p:spPr>
+          <a:xfrm>
+            <a:off x="1396169" y="3429000"/>
+            <a:ext cx="9407298" cy="0"/>
+          </a:xfrm>
+          <a:prstGeom prst="line">
+            <a:avLst/>
+          </a:prstGeom>
+          <a:ln w="15875"/>
+        </p:spPr>
+        <p:style>
+          <a:lnRef idx="2">
+            <a:schemeClr val="accent1"/>
+          </a:lnRef>
+          <a:fillRef idx="0">
+            <a:schemeClr val="accent1"/>
+          </a:fillRef>
+          <a:effectRef idx="1">
+            <a:schemeClr val="accent1"/>
+          </a:effectRef>
+          <a:fontRef idx="minor">
+            <a:schemeClr val="tx1"/>
+          </a:fontRef>
+        </p:style>
+      </p:cxnSp>
+    </p:spTree>
+    <p:extLst>
+      <p:ext uri="{BB962C8B-B14F-4D97-AF65-F5344CB8AC3E}">
+        <p14:creationId xmlns:p14="http://schemas.microsoft.com/office/powerpoint/2010/main" val="2033221018"/>
+      </p:ext>
+    </p:extLst>
+  </p:cSld>
+  <p:clrMapOvr>
+    <a:masterClrMapping/>
+  </p:clrMapOvr>
+</p:sldLayout>
+</file>
+
+<file path=ppt/slideLayouts/slideLayout16.xml><?xml version="1.0" encoding="utf-8"?>
 <p:sldLayout xmlns:a="http://schemas.openxmlformats.org/drawingml/2006/main" xmlns:r="http://schemas.openxmlformats.org/officeDocument/2006/relationships" xmlns:p="http://schemas.openxmlformats.org/presentationml/2006/main" type="vertTx" preserve="1">
   <p:cSld name="Title and Vertical Text">
     <p:spTree>
@@ -362,13 +2695,17 @@
         <p:spPr/>
         <p:txBody>
           <a:bodyPr/>
-          <a:lstStyle/>
-          <a:p>
-            <a:r>
-              <a:rPr lang="en-US" smtClean="0"/>
+          <a:lstStyle>
+            <a:lvl1pPr algn="ctr">
+              <a:defRPr/>
+            </a:lvl1pPr>
+          </a:lstStyle>
+          <a:p>
+            <a:r>
+              <a:rPr lang="en-US"/>
               <a:t>Click to edit Master title style</a:t>
             </a:r>
-            <a:endParaRPr lang="en-IN"/>
+            <a:endParaRPr lang="en-US" dirty="0"/>
           </a:p>
         </p:txBody>
       </p:sp>
@@ -384,43 +2721,43 @@
         </p:nvSpPr>
         <p:spPr/>
         <p:txBody>
-          <a:bodyPr vert="eaVert"/>
+          <a:bodyPr vert="eaVert" anchor="t"/>
           <a:lstStyle/>
           <a:p>
             <a:pPr lvl="0"/>
             <a:r>
-              <a:rPr lang="en-US" smtClean="0"/>
-              <a:t>Click to edit Master text styles</a:t>
+              <a:rPr lang="en-US"/>
+              <a:t>Edit Master text styles</a:t>
             </a:r>
           </a:p>
           <a:p>
             <a:pPr lvl="1"/>
             <a:r>
-              <a:rPr lang="en-US" smtClean="0"/>
+              <a:rPr lang="en-US"/>
               <a:t>Second level</a:t>
             </a:r>
           </a:p>
           <a:p>
             <a:pPr lvl="2"/>
             <a:r>
-              <a:rPr lang="en-US" smtClean="0"/>
+              <a:rPr lang="en-US"/>
               <a:t>Third level</a:t>
             </a:r>
           </a:p>
           <a:p>
             <a:pPr lvl="3"/>
             <a:r>
-              <a:rPr lang="en-US" smtClean="0"/>
+              <a:rPr lang="en-US"/>
               <a:t>Fourth level</a:t>
             </a:r>
           </a:p>
           <a:p>
             <a:pPr lvl="4"/>
             <a:r>
-              <a:rPr lang="en-US" smtClean="0"/>
+              <a:rPr lang="en-US"/>
               <a:t>Fifth level</a:t>
             </a:r>
-            <a:endParaRPr lang="en-IN"/>
+            <a:endParaRPr lang="en-US" dirty="0"/>
           </a:p>
         </p:txBody>
       </p:sp>
@@ -441,7 +2778,7 @@
           <a:p>
             <a:fld id="{2BA9490B-1242-448F-8CE3-D403D9A9BFB9}" type="datetimeFigureOut">
               <a:rPr lang="en-IN" smtClean="0"/>
-              <a:t>06-03-2024</a:t>
+              <a:t>08-04-2025</a:t>
             </a:fld>
             <a:endParaRPr lang="en-IN"/>
           </a:p>
@@ -489,10 +2826,41 @@
           </a:p>
         </p:txBody>
       </p:sp>
+      <p:cxnSp>
+        <p:nvCxnSpPr>
+          <p:cNvPr id="14" name="Straight Connector 13"/>
+          <p:cNvCxnSpPr/>
+          <p:nvPr/>
+        </p:nvCxnSpPr>
+        <p:spPr>
+          <a:xfrm>
+            <a:off x="1396169" y="2421466"/>
+            <a:ext cx="9407298" cy="0"/>
+          </a:xfrm>
+          <a:prstGeom prst="line">
+            <a:avLst/>
+          </a:prstGeom>
+          <a:ln w="15875"/>
+        </p:spPr>
+        <p:style>
+          <a:lnRef idx="2">
+            <a:schemeClr val="accent1"/>
+          </a:lnRef>
+          <a:fillRef idx="0">
+            <a:schemeClr val="accent1"/>
+          </a:fillRef>
+          <a:effectRef idx="1">
+            <a:schemeClr val="accent1"/>
+          </a:effectRef>
+          <a:fontRef idx="minor">
+            <a:schemeClr val="tx1"/>
+          </a:fontRef>
+        </p:style>
+      </p:cxnSp>
     </p:spTree>
     <p:extLst>
       <p:ext uri="{BB962C8B-B14F-4D97-AF65-F5344CB8AC3E}">
-        <p14:creationId xmlns:p14="http://schemas.microsoft.com/office/powerpoint/2010/main" val="3667980161"/>
+        <p14:creationId xmlns:p14="http://schemas.microsoft.com/office/powerpoint/2010/main" val="4097602908"/>
       </p:ext>
     </p:extLst>
   </p:cSld>
@@ -502,7 +2870,7 @@
 </p:sldLayout>
 </file>
 
-<file path=ppt/slideLayouts/slideLayout11.xml><?xml version="1.0" encoding="utf-8"?>
+<file path=ppt/slideLayouts/slideLayout17.xml><?xml version="1.0" encoding="utf-8"?>
 <p:sldLayout xmlns:a="http://schemas.openxmlformats.org/drawingml/2006/main" xmlns:r="http://schemas.openxmlformats.org/officeDocument/2006/relationships" xmlns:p="http://schemas.openxmlformats.org/presentationml/2006/main" type="vertTitleAndTx" preserve="1">
   <p:cSld name="Vertical Title and Text">
     <p:spTree>
@@ -531,8 +2899,8 @@
         </p:nvSpPr>
         <p:spPr>
           <a:xfrm>
-            <a:off x="8724900" y="365125"/>
-            <a:ext cx="2628900" cy="5811838"/>
+            <a:off x="8999356" y="982131"/>
+            <a:ext cx="1890895" cy="4893735"/>
           </a:xfrm>
         </p:spPr>
         <p:txBody>
@@ -540,10 +2908,10 @@
           <a:lstStyle/>
           <a:p>
             <a:r>
-              <a:rPr lang="en-US" smtClean="0"/>
+              <a:rPr lang="en-US"/>
               <a:t>Click to edit Master title style</a:t>
             </a:r>
-            <a:endParaRPr lang="en-IN"/>
+            <a:endParaRPr lang="en-US" dirty="0"/>
           </a:p>
         </p:txBody>
       </p:sp>
@@ -559,48 +2927,48 @@
         </p:nvSpPr>
         <p:spPr>
           <a:xfrm>
-            <a:off x="838200" y="365125"/>
-            <a:ext cx="7734300" cy="5811838"/>
+            <a:off x="1295398" y="982132"/>
+            <a:ext cx="7433025" cy="4893734"/>
           </a:xfrm>
         </p:spPr>
         <p:txBody>
-          <a:bodyPr vert="eaVert"/>
+          <a:bodyPr vert="eaVert" anchor="t"/>
           <a:lstStyle/>
           <a:p>
             <a:pPr lvl="0"/>
             <a:r>
-              <a:rPr lang="en-US" smtClean="0"/>
-              <a:t>Click to edit Master text styles</a:t>
+              <a:rPr lang="en-US"/>
+              <a:t>Edit Master text styles</a:t>
             </a:r>
           </a:p>
           <a:p>
             <a:pPr lvl="1"/>
             <a:r>
-              <a:rPr lang="en-US" smtClean="0"/>
+              <a:rPr lang="en-US"/>
               <a:t>Second level</a:t>
             </a:r>
           </a:p>
           <a:p>
             <a:pPr lvl="2"/>
             <a:r>
-              <a:rPr lang="en-US" smtClean="0"/>
+              <a:rPr lang="en-US"/>
               <a:t>Third level</a:t>
             </a:r>
           </a:p>
           <a:p>
             <a:pPr lvl="3"/>
             <a:r>
-              <a:rPr lang="en-US" smtClean="0"/>
+              <a:rPr lang="en-US"/>
               <a:t>Fourth level</a:t>
             </a:r>
           </a:p>
           <a:p>
             <a:pPr lvl="4"/>
             <a:r>
-              <a:rPr lang="en-US" smtClean="0"/>
+              <a:rPr lang="en-US"/>
               <a:t>Fifth level</a:t>
             </a:r>
-            <a:endParaRPr lang="en-IN"/>
+            <a:endParaRPr lang="en-US" dirty="0"/>
           </a:p>
         </p:txBody>
       </p:sp>
@@ -621,7 +2989,7 @@
           <a:p>
             <a:fld id="{2BA9490B-1242-448F-8CE3-D403D9A9BFB9}" type="datetimeFigureOut">
               <a:rPr lang="en-IN" smtClean="0"/>
-              <a:t>06-03-2024</a:t>
+              <a:t>08-04-2025</a:t>
             </a:fld>
             <a:endParaRPr lang="en-IN"/>
           </a:p>
@@ -669,10 +3037,41 @@
           </a:p>
         </p:txBody>
       </p:sp>
+      <p:cxnSp>
+        <p:nvCxnSpPr>
+          <p:cNvPr id="14" name="Straight Connector 13"/>
+          <p:cNvCxnSpPr/>
+          <p:nvPr/>
+        </p:nvCxnSpPr>
+        <p:spPr>
+          <a:xfrm>
+            <a:off x="8863890" y="990600"/>
+            <a:ext cx="0" cy="4876800"/>
+          </a:xfrm>
+          <a:prstGeom prst="line">
+            <a:avLst/>
+          </a:prstGeom>
+          <a:ln w="15875"/>
+        </p:spPr>
+        <p:style>
+          <a:lnRef idx="2">
+            <a:schemeClr val="accent1"/>
+          </a:lnRef>
+          <a:fillRef idx="0">
+            <a:schemeClr val="accent1"/>
+          </a:fillRef>
+          <a:effectRef idx="1">
+            <a:schemeClr val="accent1"/>
+          </a:effectRef>
+          <a:fontRef idx="minor">
+            <a:schemeClr val="tx1"/>
+          </a:fontRef>
+        </p:style>
+      </p:cxnSp>
     </p:spTree>
     <p:extLst>
       <p:ext uri="{BB962C8B-B14F-4D97-AF65-F5344CB8AC3E}">
-        <p14:creationId xmlns:p14="http://schemas.microsoft.com/office/powerpoint/2010/main" val="1374899747"/>
+        <p14:creationId xmlns:p14="http://schemas.microsoft.com/office/powerpoint/2010/main" val="2820957465"/>
       </p:ext>
     </p:extLst>
   </p:cSld>
@@ -699,6 +3098,37 @@
           <a:chExt cx="0" cy="0"/>
         </a:xfrm>
       </p:grpSpPr>
+      <p:cxnSp>
+        <p:nvCxnSpPr>
+          <p:cNvPr id="7" name="Straight Connector 6"/>
+          <p:cNvCxnSpPr/>
+          <p:nvPr/>
+        </p:nvCxnSpPr>
+        <p:spPr>
+          <a:xfrm>
+            <a:off x="1396169" y="2421466"/>
+            <a:ext cx="9407298" cy="0"/>
+          </a:xfrm>
+          <a:prstGeom prst="line">
+            <a:avLst/>
+          </a:prstGeom>
+          <a:ln w="15875"/>
+        </p:spPr>
+        <p:style>
+          <a:lnRef idx="2">
+            <a:schemeClr val="accent1"/>
+          </a:lnRef>
+          <a:fillRef idx="0">
+            <a:schemeClr val="accent1"/>
+          </a:fillRef>
+          <a:effectRef idx="1">
+            <a:schemeClr val="accent1"/>
+          </a:effectRef>
+          <a:fontRef idx="minor">
+            <a:schemeClr val="tx1"/>
+          </a:fontRef>
+        </p:style>
+      </p:cxnSp>
       <p:sp>
         <p:nvSpPr>
           <p:cNvPr id="2" name="Title 1"/>
@@ -715,10 +3145,10 @@
           <a:lstStyle/>
           <a:p>
             <a:r>
-              <a:rPr lang="en-US" smtClean="0"/>
+              <a:rPr lang="en-US"/>
               <a:t>Click to edit Master title style</a:t>
             </a:r>
-            <a:endParaRPr lang="en-IN"/>
+            <a:endParaRPr lang="en-US" dirty="0"/>
           </a:p>
         </p:txBody>
       </p:sp>
@@ -739,38 +3169,38 @@
           <a:p>
             <a:pPr lvl="0"/>
             <a:r>
-              <a:rPr lang="en-US" smtClean="0"/>
-              <a:t>Click to edit Master text styles</a:t>
+              <a:rPr lang="en-US"/>
+              <a:t>Edit Master text styles</a:t>
             </a:r>
           </a:p>
           <a:p>
             <a:pPr lvl="1"/>
             <a:r>
-              <a:rPr lang="en-US" smtClean="0"/>
+              <a:rPr lang="en-US"/>
               <a:t>Second level</a:t>
             </a:r>
           </a:p>
           <a:p>
             <a:pPr lvl="2"/>
             <a:r>
-              <a:rPr lang="en-US" smtClean="0"/>
+              <a:rPr lang="en-US"/>
               <a:t>Third level</a:t>
             </a:r>
           </a:p>
           <a:p>
             <a:pPr lvl="3"/>
             <a:r>
-              <a:rPr lang="en-US" smtClean="0"/>
+              <a:rPr lang="en-US"/>
               <a:t>Fourth level</a:t>
             </a:r>
           </a:p>
           <a:p>
             <a:pPr lvl="4"/>
             <a:r>
-              <a:rPr lang="en-US" smtClean="0"/>
+              <a:rPr lang="en-US"/>
               <a:t>Fifth level</a:t>
             </a:r>
-            <a:endParaRPr lang="en-IN"/>
+            <a:endParaRPr lang="en-US" dirty="0"/>
           </a:p>
         </p:txBody>
       </p:sp>
@@ -791,7 +3221,7 @@
           <a:p>
             <a:fld id="{2BA9490B-1242-448F-8CE3-D403D9A9BFB9}" type="datetimeFigureOut">
               <a:rPr lang="en-IN" smtClean="0"/>
-              <a:t>06-03-2024</a:t>
+              <a:t>08-04-2025</a:t>
             </a:fld>
             <a:endParaRPr lang="en-IN"/>
           </a:p>
@@ -842,7 +3272,7 @@
     </p:spTree>
     <p:extLst>
       <p:ext uri="{BB962C8B-B14F-4D97-AF65-F5344CB8AC3E}">
-        <p14:creationId xmlns:p14="http://schemas.microsoft.com/office/powerpoint/2010/main" val="4273771258"/>
+        <p14:creationId xmlns:p14="http://schemas.microsoft.com/office/powerpoint/2010/main" val="4115385962"/>
       </p:ext>
     </p:extLst>
   </p:cSld>
@@ -881,23 +3311,25 @@
         </p:nvSpPr>
         <p:spPr>
           <a:xfrm>
-            <a:off x="831850" y="1709738"/>
-            <a:ext cx="10515600" cy="2852737"/>
+            <a:off x="2015069" y="1752606"/>
+            <a:ext cx="8158688" cy="1822514"/>
           </a:xfrm>
         </p:spPr>
         <p:txBody>
-          <a:bodyPr anchor="b"/>
+          <a:bodyPr anchor="b">
+            <a:normAutofit/>
+          </a:bodyPr>
           <a:lstStyle>
-            <a:lvl1pPr>
-              <a:defRPr sz="6000"/>
+            <a:lvl1pPr algn="ctr">
+              <a:defRPr sz="4400" b="0" cap="none"/>
             </a:lvl1pPr>
           </a:lstStyle>
           <a:p>
             <a:r>
-              <a:rPr lang="en-US" smtClean="0"/>
+              <a:rPr lang="en-US"/>
               <a:t>Click to edit Master title style</a:t>
             </a:r>
-            <a:endParaRPr lang="en-IN"/>
+            <a:endParaRPr lang="en-US" dirty="0"/>
           </a:p>
         </p:txBody>
       </p:sp>
@@ -913,26 +3345,26 @@
         </p:nvSpPr>
         <p:spPr>
           <a:xfrm>
-            <a:off x="831850" y="4589463"/>
-            <a:ext cx="10515600" cy="1500187"/>
+            <a:off x="2015067" y="3846051"/>
+            <a:ext cx="8158690" cy="954547"/>
           </a:xfrm>
         </p:spPr>
         <p:txBody>
-          <a:bodyPr/>
+          <a:bodyPr anchor="t">
+            <a:normAutofit/>
+          </a:bodyPr>
           <a:lstStyle>
-            <a:lvl1pPr marL="0" indent="0">
+            <a:lvl1pPr marL="0" indent="0" algn="ctr">
               <a:buNone/>
               <a:defRPr sz="2400">
                 <a:solidFill>
-                  <a:schemeClr val="tx1">
-                    <a:tint val="75000"/>
-                  </a:schemeClr>
+                  <a:schemeClr val="tx1"/>
                 </a:solidFill>
               </a:defRPr>
             </a:lvl1pPr>
             <a:lvl2pPr marL="457200" indent="0">
               <a:buNone/>
-              <a:defRPr sz="2000">
+              <a:defRPr sz="1800">
                 <a:solidFill>
                   <a:schemeClr val="tx1">
                     <a:tint val="75000"/>
@@ -942,7 +3374,7 @@
             </a:lvl2pPr>
             <a:lvl3pPr marL="914400" indent="0">
               <a:buNone/>
-              <a:defRPr sz="1800">
+              <a:defRPr sz="1600">
                 <a:solidFill>
                   <a:schemeClr val="tx1">
                     <a:tint val="75000"/>
@@ -952,7 +3384,7 @@
             </a:lvl3pPr>
             <a:lvl4pPr marL="1371600" indent="0">
               <a:buNone/>
-              <a:defRPr sz="1600">
+              <a:defRPr sz="1400">
                 <a:solidFill>
                   <a:schemeClr val="tx1">
                     <a:tint val="75000"/>
@@ -962,7 +3394,7 @@
             </a:lvl4pPr>
             <a:lvl5pPr marL="1828800" indent="0">
               <a:buNone/>
-              <a:defRPr sz="1600">
+              <a:defRPr sz="1400">
                 <a:solidFill>
                   <a:schemeClr val="tx1">
                     <a:tint val="75000"/>
@@ -972,7 +3404,7 @@
             </a:lvl5pPr>
             <a:lvl6pPr marL="2286000" indent="0">
               <a:buNone/>
-              <a:defRPr sz="1600">
+              <a:defRPr sz="1400">
                 <a:solidFill>
                   <a:schemeClr val="tx1">
                     <a:tint val="75000"/>
@@ -982,7 +3414,7 @@
             </a:lvl6pPr>
             <a:lvl7pPr marL="2743200" indent="0">
               <a:buNone/>
-              <a:defRPr sz="1600">
+              <a:defRPr sz="1400">
                 <a:solidFill>
                   <a:schemeClr val="tx1">
                     <a:tint val="75000"/>
@@ -992,7 +3424,7 @@
             </a:lvl7pPr>
             <a:lvl8pPr marL="3200400" indent="0">
               <a:buNone/>
-              <a:defRPr sz="1600">
+              <a:defRPr sz="1400">
                 <a:solidFill>
                   <a:schemeClr val="tx1">
                     <a:tint val="75000"/>
@@ -1002,7 +3434,7 @@
             </a:lvl8pPr>
             <a:lvl9pPr marL="3657600" indent="0">
               <a:buNone/>
-              <a:defRPr sz="1600">
+              <a:defRPr sz="1400">
                 <a:solidFill>
                   <a:schemeClr val="tx1">
                     <a:tint val="75000"/>
@@ -1014,8 +3446,8 @@
           <a:p>
             <a:pPr lvl="0"/>
             <a:r>
-              <a:rPr lang="en-US" smtClean="0"/>
-              <a:t>Click to edit Master text styles</a:t>
+              <a:rPr lang="en-US"/>
+              <a:t>Edit Master text styles</a:t>
             </a:r>
           </a:p>
         </p:txBody>
@@ -1037,7 +3469,7 @@
           <a:p>
             <a:fld id="{2BA9490B-1242-448F-8CE3-D403D9A9BFB9}" type="datetimeFigureOut">
               <a:rPr lang="en-IN" smtClean="0"/>
-              <a:t>06-03-2024</a:t>
+              <a:t>08-04-2025</a:t>
             </a:fld>
             <a:endParaRPr lang="en-IN"/>
           </a:p>
@@ -1085,10 +3517,41 @@
           </a:p>
         </p:txBody>
       </p:sp>
+      <p:cxnSp>
+        <p:nvCxnSpPr>
+          <p:cNvPr id="16" name="Straight Connector 15"/>
+          <p:cNvCxnSpPr/>
+          <p:nvPr/>
+        </p:nvCxnSpPr>
+        <p:spPr>
+          <a:xfrm>
+            <a:off x="2012723" y="3710585"/>
+            <a:ext cx="8163380" cy="0"/>
+          </a:xfrm>
+          <a:prstGeom prst="line">
+            <a:avLst/>
+          </a:prstGeom>
+          <a:ln w="15875"/>
+        </p:spPr>
+        <p:style>
+          <a:lnRef idx="2">
+            <a:schemeClr val="accent1"/>
+          </a:lnRef>
+          <a:fillRef idx="0">
+            <a:schemeClr val="accent1"/>
+          </a:fillRef>
+          <a:effectRef idx="1">
+            <a:schemeClr val="accent1"/>
+          </a:effectRef>
+          <a:fontRef idx="minor">
+            <a:schemeClr val="tx1"/>
+          </a:fontRef>
+        </p:style>
+      </p:cxnSp>
     </p:spTree>
     <p:extLst>
       <p:ext uri="{BB962C8B-B14F-4D97-AF65-F5344CB8AC3E}">
-        <p14:creationId xmlns:p14="http://schemas.microsoft.com/office/powerpoint/2010/main" val="1132679496"/>
+        <p14:creationId xmlns:p14="http://schemas.microsoft.com/office/powerpoint/2010/main" val="3121907268"/>
       </p:ext>
     </p:extLst>
   </p:cSld>
@@ -1131,10 +3594,10 @@
           <a:lstStyle/>
           <a:p>
             <a:r>
-              <a:rPr lang="en-US" smtClean="0"/>
+              <a:rPr lang="en-US"/>
               <a:t>Click to edit Master title style</a:t>
             </a:r>
-            <a:endParaRPr lang="en-IN"/>
+            <a:endParaRPr lang="en-US" dirty="0"/>
           </a:p>
         </p:txBody>
       </p:sp>
@@ -1150,48 +3613,50 @@
         </p:nvSpPr>
         <p:spPr>
           <a:xfrm>
-            <a:off x="838200" y="1825625"/>
-            <a:ext cx="5181600" cy="4351338"/>
+            <a:off x="1298448" y="2560320"/>
+            <a:ext cx="4718304" cy="3310128"/>
           </a:xfrm>
         </p:spPr>
         <p:txBody>
-          <a:bodyPr/>
+          <a:bodyPr>
+            <a:normAutofit/>
+          </a:bodyPr>
           <a:lstStyle/>
           <a:p>
             <a:pPr lvl="0"/>
             <a:r>
-              <a:rPr lang="en-US" smtClean="0"/>
-              <a:t>Click to edit Master text styles</a:t>
+              <a:rPr lang="en-US"/>
+              <a:t>Edit Master text styles</a:t>
             </a:r>
           </a:p>
           <a:p>
             <a:pPr lvl="1"/>
             <a:r>
-              <a:rPr lang="en-US" smtClean="0"/>
+              <a:rPr lang="en-US"/>
               <a:t>Second level</a:t>
             </a:r>
           </a:p>
           <a:p>
             <a:pPr lvl="2"/>
             <a:r>
-              <a:rPr lang="en-US" smtClean="0"/>
+              <a:rPr lang="en-US"/>
               <a:t>Third level</a:t>
             </a:r>
           </a:p>
           <a:p>
             <a:pPr lvl="3"/>
             <a:r>
-              <a:rPr lang="en-US" smtClean="0"/>
+              <a:rPr lang="en-US"/>
               <a:t>Fourth level</a:t>
             </a:r>
           </a:p>
           <a:p>
             <a:pPr lvl="4"/>
             <a:r>
-              <a:rPr lang="en-US" smtClean="0"/>
+              <a:rPr lang="en-US"/>
               <a:t>Fifth level</a:t>
             </a:r>
-            <a:endParaRPr lang="en-IN"/>
+            <a:endParaRPr lang="en-US" dirty="0"/>
           </a:p>
         </p:txBody>
       </p:sp>
@@ -1207,48 +3672,50 @@
         </p:nvSpPr>
         <p:spPr>
           <a:xfrm>
-            <a:off x="6172200" y="1825625"/>
-            <a:ext cx="5181600" cy="4351338"/>
+            <a:off x="6181344" y="2560320"/>
+            <a:ext cx="4718304" cy="3310128"/>
           </a:xfrm>
         </p:spPr>
         <p:txBody>
-          <a:bodyPr/>
+          <a:bodyPr>
+            <a:normAutofit/>
+          </a:bodyPr>
           <a:lstStyle/>
           <a:p>
             <a:pPr lvl="0"/>
             <a:r>
-              <a:rPr lang="en-US" smtClean="0"/>
-              <a:t>Click to edit Master text styles</a:t>
+              <a:rPr lang="en-US"/>
+              <a:t>Edit Master text styles</a:t>
             </a:r>
           </a:p>
           <a:p>
             <a:pPr lvl="1"/>
             <a:r>
-              <a:rPr lang="en-US" smtClean="0"/>
+              <a:rPr lang="en-US"/>
               <a:t>Second level</a:t>
             </a:r>
           </a:p>
           <a:p>
             <a:pPr lvl="2"/>
             <a:r>
-              <a:rPr lang="en-US" smtClean="0"/>
+              <a:rPr lang="en-US"/>
               <a:t>Third level</a:t>
             </a:r>
           </a:p>
           <a:p>
             <a:pPr lvl="3"/>
             <a:r>
-              <a:rPr lang="en-US" smtClean="0"/>
+              <a:rPr lang="en-US"/>
               <a:t>Fourth level</a:t>
             </a:r>
           </a:p>
           <a:p>
             <a:pPr lvl="4"/>
             <a:r>
-              <a:rPr lang="en-US" smtClean="0"/>
+              <a:rPr lang="en-US"/>
               <a:t>Fifth level</a:t>
             </a:r>
-            <a:endParaRPr lang="en-IN"/>
+            <a:endParaRPr lang="en-US" dirty="0"/>
           </a:p>
         </p:txBody>
       </p:sp>
@@ -1269,7 +3736,7 @@
           <a:p>
             <a:fld id="{2BA9490B-1242-448F-8CE3-D403D9A9BFB9}" type="datetimeFigureOut">
               <a:rPr lang="en-IN" smtClean="0"/>
-              <a:t>06-03-2024</a:t>
+              <a:t>08-04-2025</a:t>
             </a:fld>
             <a:endParaRPr lang="en-IN"/>
           </a:p>
@@ -1317,10 +3784,41 @@
           </a:p>
         </p:txBody>
       </p:sp>
+      <p:cxnSp>
+        <p:nvCxnSpPr>
+          <p:cNvPr id="8" name="Straight Connector 7"/>
+          <p:cNvCxnSpPr/>
+          <p:nvPr/>
+        </p:nvCxnSpPr>
+        <p:spPr>
+          <a:xfrm>
+            <a:off x="1396169" y="2421466"/>
+            <a:ext cx="9407298" cy="0"/>
+          </a:xfrm>
+          <a:prstGeom prst="line">
+            <a:avLst/>
+          </a:prstGeom>
+          <a:ln w="15875"/>
+        </p:spPr>
+        <p:style>
+          <a:lnRef idx="2">
+            <a:schemeClr val="accent1"/>
+          </a:lnRef>
+          <a:fillRef idx="0">
+            <a:schemeClr val="accent1"/>
+          </a:fillRef>
+          <a:effectRef idx="1">
+            <a:schemeClr val="accent1"/>
+          </a:effectRef>
+          <a:fontRef idx="minor">
+            <a:schemeClr val="tx1"/>
+          </a:fontRef>
+        </p:style>
+      </p:cxnSp>
     </p:spTree>
     <p:extLst>
       <p:ext uri="{BB962C8B-B14F-4D97-AF65-F5344CB8AC3E}">
-        <p14:creationId xmlns:p14="http://schemas.microsoft.com/office/powerpoint/2010/main" val="609265469"/>
+        <p14:creationId xmlns:p14="http://schemas.microsoft.com/office/powerpoint/2010/main" val="1221282060"/>
       </p:ext>
     </p:extLst>
   </p:cSld>
@@ -1357,46 +3855,51 @@
             <p:ph type="title"/>
           </p:nvPr>
         </p:nvSpPr>
+        <p:spPr/>
+        <p:txBody>
+          <a:bodyPr/>
+          <a:lstStyle>
+            <a:lvl1pPr>
+              <a:defRPr/>
+            </a:lvl1pPr>
+          </a:lstStyle>
+          <a:p>
+            <a:r>
+              <a:rPr lang="en-US"/>
+              <a:t>Click to edit Master title style</a:t>
+            </a:r>
+            <a:endParaRPr lang="en-US" dirty="0"/>
+          </a:p>
+        </p:txBody>
+      </p:sp>
+      <p:sp>
+        <p:nvSpPr>
+          <p:cNvPr id="3" name="Text Placeholder 2"/>
+          <p:cNvSpPr>
+            <a:spLocks noGrp="1"/>
+          </p:cNvSpPr>
+          <p:nvPr>
+            <p:ph type="body" idx="1"/>
+          </p:nvPr>
+        </p:nvSpPr>
         <p:spPr>
           <a:xfrm>
-            <a:off x="839788" y="365125"/>
-            <a:ext cx="10515600" cy="1325563"/>
+            <a:off x="1295400" y="2658533"/>
+            <a:ext cx="4718304" cy="576262"/>
           </a:xfrm>
         </p:spPr>
         <p:txBody>
-          <a:bodyPr/>
-          <a:lstStyle/>
-          <a:p>
-            <a:r>
-              <a:rPr lang="en-US" smtClean="0"/>
-              <a:t>Click to edit Master title style</a:t>
-            </a:r>
-            <a:endParaRPr lang="en-IN"/>
-          </a:p>
-        </p:txBody>
-      </p:sp>
-      <p:sp>
-        <p:nvSpPr>
-          <p:cNvPr id="3" name="Text Placeholder 2"/>
-          <p:cNvSpPr>
-            <a:spLocks noGrp="1"/>
-          </p:cNvSpPr>
-          <p:nvPr>
-            <p:ph type="body" idx="1"/>
-          </p:nvPr>
-        </p:nvSpPr>
-        <p:spPr>
-          <a:xfrm>
-            <a:off x="839788" y="1681163"/>
-            <a:ext cx="5157787" cy="823912"/>
-          </a:xfrm>
-        </p:spPr>
-        <p:txBody>
-          <a:bodyPr anchor="b"/>
+          <a:bodyPr anchor="b">
+            <a:noAutofit/>
+          </a:bodyPr>
           <a:lstStyle>
             <a:lvl1pPr marL="0" indent="0">
               <a:buNone/>
-              <a:defRPr sz="2400" b="1"/>
+              <a:defRPr sz="2800" b="0">
+                <a:solidFill>
+                  <a:schemeClr val="accent1"/>
+                </a:solidFill>
+              </a:defRPr>
             </a:lvl1pPr>
             <a:lvl2pPr marL="457200" indent="0">
               <a:buNone/>
@@ -1434,8 +3937,8 @@
           <a:p>
             <a:pPr lvl="0"/>
             <a:r>
-              <a:rPr lang="en-US" smtClean="0"/>
-              <a:t>Click to edit Master text styles</a:t>
+              <a:rPr lang="en-US"/>
+              <a:t>Edit Master text styles</a:t>
             </a:r>
           </a:p>
         </p:txBody>
@@ -1452,48 +3955,50 @@
         </p:nvSpPr>
         <p:spPr>
           <a:xfrm>
-            <a:off x="839788" y="2505075"/>
-            <a:ext cx="5157787" cy="3684588"/>
+            <a:off x="1295400" y="3243262"/>
+            <a:ext cx="4718304" cy="2632605"/>
           </a:xfrm>
         </p:spPr>
         <p:txBody>
-          <a:bodyPr/>
+          <a:bodyPr anchor="t">
+            <a:normAutofit/>
+          </a:bodyPr>
           <a:lstStyle/>
           <a:p>
             <a:pPr lvl="0"/>
             <a:r>
-              <a:rPr lang="en-US" smtClean="0"/>
-              <a:t>Click to edit Master text styles</a:t>
+              <a:rPr lang="en-US"/>
+              <a:t>Edit Master text styles</a:t>
             </a:r>
           </a:p>
           <a:p>
             <a:pPr lvl="1"/>
             <a:r>
-              <a:rPr lang="en-US" smtClean="0"/>
+              <a:rPr lang="en-US"/>
               <a:t>Second level</a:t>
             </a:r>
           </a:p>
           <a:p>
             <a:pPr lvl="2"/>
             <a:r>
-              <a:rPr lang="en-US" smtClean="0"/>
+              <a:rPr lang="en-US"/>
               <a:t>Third level</a:t>
             </a:r>
           </a:p>
           <a:p>
             <a:pPr lvl="3"/>
             <a:r>
-              <a:rPr lang="en-US" smtClean="0"/>
+              <a:rPr lang="en-US"/>
               <a:t>Fourth level</a:t>
             </a:r>
           </a:p>
           <a:p>
             <a:pPr lvl="4"/>
             <a:r>
-              <a:rPr lang="en-US" smtClean="0"/>
+              <a:rPr lang="en-US"/>
               <a:t>Fifth level</a:t>
             </a:r>
-            <a:endParaRPr lang="en-IN"/>
+            <a:endParaRPr lang="en-US" dirty="0"/>
           </a:p>
         </p:txBody>
       </p:sp>
@@ -1509,16 +4014,22 @@
         </p:nvSpPr>
         <p:spPr>
           <a:xfrm>
-            <a:off x="6172200" y="1681163"/>
-            <a:ext cx="5183188" cy="823912"/>
+            <a:off x="6180671" y="2658533"/>
+            <a:ext cx="4718304" cy="576262"/>
           </a:xfrm>
         </p:spPr>
         <p:txBody>
-          <a:bodyPr anchor="b"/>
+          <a:bodyPr anchor="b">
+            <a:noAutofit/>
+          </a:bodyPr>
           <a:lstStyle>
             <a:lvl1pPr marL="0" indent="0">
               <a:buNone/>
-              <a:defRPr sz="2400" b="1"/>
+              <a:defRPr sz="2800" b="0">
+                <a:solidFill>
+                  <a:schemeClr val="accent1"/>
+                </a:solidFill>
+              </a:defRPr>
             </a:lvl1pPr>
             <a:lvl2pPr marL="457200" indent="0">
               <a:buNone/>
@@ -1556,8 +4067,8 @@
           <a:p>
             <a:pPr lvl="0"/>
             <a:r>
-              <a:rPr lang="en-US" smtClean="0"/>
-              <a:t>Click to edit Master text styles</a:t>
+              <a:rPr lang="en-US"/>
+              <a:t>Edit Master text styles</a:t>
             </a:r>
           </a:p>
         </p:txBody>
@@ -1574,48 +4085,50 @@
         </p:nvSpPr>
         <p:spPr>
           <a:xfrm>
-            <a:off x="6172200" y="2505075"/>
-            <a:ext cx="5183188" cy="3684588"/>
+            <a:off x="6180671" y="3243262"/>
+            <a:ext cx="4718304" cy="2632605"/>
           </a:xfrm>
         </p:spPr>
         <p:txBody>
-          <a:bodyPr/>
+          <a:bodyPr anchor="t">
+            <a:normAutofit/>
+          </a:bodyPr>
           <a:lstStyle/>
           <a:p>
             <a:pPr lvl="0"/>
             <a:r>
-              <a:rPr lang="en-US" smtClean="0"/>
-              <a:t>Click to edit Master text styles</a:t>
+              <a:rPr lang="en-US"/>
+              <a:t>Edit Master text styles</a:t>
             </a:r>
           </a:p>
           <a:p>
             <a:pPr lvl="1"/>
             <a:r>
-              <a:rPr lang="en-US" smtClean="0"/>
+              <a:rPr lang="en-US"/>
               <a:t>Second level</a:t>
             </a:r>
           </a:p>
           <a:p>
             <a:pPr lvl="2"/>
             <a:r>
-              <a:rPr lang="en-US" smtClean="0"/>
+              <a:rPr lang="en-US"/>
               <a:t>Third level</a:t>
             </a:r>
           </a:p>
           <a:p>
             <a:pPr lvl="3"/>
             <a:r>
-              <a:rPr lang="en-US" smtClean="0"/>
+              <a:rPr lang="en-US"/>
               <a:t>Fourth level</a:t>
             </a:r>
           </a:p>
           <a:p>
             <a:pPr lvl="4"/>
             <a:r>
-              <a:rPr lang="en-US" smtClean="0"/>
+              <a:rPr lang="en-US"/>
               <a:t>Fifth level</a:t>
             </a:r>
-            <a:endParaRPr lang="en-IN"/>
+            <a:endParaRPr lang="en-US" dirty="0"/>
           </a:p>
         </p:txBody>
       </p:sp>
@@ -1636,7 +4149,7 @@
           <a:p>
             <a:fld id="{2BA9490B-1242-448F-8CE3-D403D9A9BFB9}" type="datetimeFigureOut">
               <a:rPr lang="en-IN" smtClean="0"/>
-              <a:t>06-03-2024</a:t>
+              <a:t>08-04-2025</a:t>
             </a:fld>
             <a:endParaRPr lang="en-IN"/>
           </a:p>
@@ -1684,10 +4197,41 @@
           </a:p>
         </p:txBody>
       </p:sp>
+      <p:cxnSp>
+        <p:nvCxnSpPr>
+          <p:cNvPr id="18" name="Straight Connector 17"/>
+          <p:cNvCxnSpPr/>
+          <p:nvPr/>
+        </p:nvCxnSpPr>
+        <p:spPr>
+          <a:xfrm>
+            <a:off x="1396169" y="2421466"/>
+            <a:ext cx="9407298" cy="0"/>
+          </a:xfrm>
+          <a:prstGeom prst="line">
+            <a:avLst/>
+          </a:prstGeom>
+          <a:ln w="15875"/>
+        </p:spPr>
+        <p:style>
+          <a:lnRef idx="2">
+            <a:schemeClr val="accent1"/>
+          </a:lnRef>
+          <a:fillRef idx="0">
+            <a:schemeClr val="accent1"/>
+          </a:fillRef>
+          <a:effectRef idx="1">
+            <a:schemeClr val="accent1"/>
+          </a:effectRef>
+          <a:fontRef idx="minor">
+            <a:schemeClr val="tx1"/>
+          </a:fontRef>
+        </p:style>
+      </p:cxnSp>
     </p:spTree>
     <p:extLst>
       <p:ext uri="{BB962C8B-B14F-4D97-AF65-F5344CB8AC3E}">
-        <p14:creationId xmlns:p14="http://schemas.microsoft.com/office/powerpoint/2010/main" val="1366948122"/>
+        <p14:creationId xmlns:p14="http://schemas.microsoft.com/office/powerpoint/2010/main" val="4213940839"/>
       </p:ext>
     </p:extLst>
   </p:cSld>
@@ -1730,10 +4274,10 @@
           <a:lstStyle/>
           <a:p>
             <a:r>
-              <a:rPr lang="en-US" smtClean="0"/>
+              <a:rPr lang="en-US"/>
               <a:t>Click to edit Master title style</a:t>
             </a:r>
-            <a:endParaRPr lang="en-IN"/>
+            <a:endParaRPr lang="en-US" dirty="0"/>
           </a:p>
         </p:txBody>
       </p:sp>
@@ -1754,7 +4298,7 @@
           <a:p>
             <a:fld id="{2BA9490B-1242-448F-8CE3-D403D9A9BFB9}" type="datetimeFigureOut">
               <a:rPr lang="en-IN" smtClean="0"/>
-              <a:t>06-03-2024</a:t>
+              <a:t>08-04-2025</a:t>
             </a:fld>
             <a:endParaRPr lang="en-IN"/>
           </a:p>
@@ -1802,10 +4346,41 @@
           </a:p>
         </p:txBody>
       </p:sp>
+      <p:cxnSp>
+        <p:nvCxnSpPr>
+          <p:cNvPr id="14" name="Straight Connector 13"/>
+          <p:cNvCxnSpPr/>
+          <p:nvPr/>
+        </p:nvCxnSpPr>
+        <p:spPr>
+          <a:xfrm>
+            <a:off x="1396169" y="2421466"/>
+            <a:ext cx="9407298" cy="0"/>
+          </a:xfrm>
+          <a:prstGeom prst="line">
+            <a:avLst/>
+          </a:prstGeom>
+          <a:ln w="15875"/>
+        </p:spPr>
+        <p:style>
+          <a:lnRef idx="2">
+            <a:schemeClr val="accent1"/>
+          </a:lnRef>
+          <a:fillRef idx="0">
+            <a:schemeClr val="accent1"/>
+          </a:fillRef>
+          <a:effectRef idx="1">
+            <a:schemeClr val="accent1"/>
+          </a:effectRef>
+          <a:fontRef idx="minor">
+            <a:schemeClr val="tx1"/>
+          </a:fontRef>
+        </p:style>
+      </p:cxnSp>
     </p:spTree>
     <p:extLst>
       <p:ext uri="{BB962C8B-B14F-4D97-AF65-F5344CB8AC3E}">
-        <p14:creationId xmlns:p14="http://schemas.microsoft.com/office/powerpoint/2010/main" val="1193005086"/>
+        <p14:creationId xmlns:p14="http://schemas.microsoft.com/office/powerpoint/2010/main" val="904327652"/>
       </p:ext>
     </p:extLst>
   </p:cSld>
@@ -1849,7 +4424,7 @@
           <a:p>
             <a:fld id="{2BA9490B-1242-448F-8CE3-D403D9A9BFB9}" type="datetimeFigureOut">
               <a:rPr lang="en-IN" smtClean="0"/>
-              <a:t>06-03-2024</a:t>
+              <a:t>08-04-2025</a:t>
             </a:fld>
             <a:endParaRPr lang="en-IN"/>
           </a:p>
@@ -1900,7 +4475,7 @@
     </p:spTree>
     <p:extLst>
       <p:ext uri="{BB962C8B-B14F-4D97-AF65-F5344CB8AC3E}">
-        <p14:creationId xmlns:p14="http://schemas.microsoft.com/office/powerpoint/2010/main" val="106626455"/>
+        <p14:creationId xmlns:p14="http://schemas.microsoft.com/office/powerpoint/2010/main" val="2642660957"/>
       </p:ext>
     </p:extLst>
   </p:cSld>
@@ -1939,23 +4514,25 @@
         </p:nvSpPr>
         <p:spPr>
           <a:xfrm>
-            <a:off x="839788" y="457200"/>
-            <a:ext cx="3932237" cy="1600200"/>
+            <a:off x="1293811" y="1388534"/>
+            <a:ext cx="3718455" cy="1371600"/>
           </a:xfrm>
         </p:spPr>
         <p:txBody>
-          <a:bodyPr anchor="b"/>
+          <a:bodyPr anchor="b">
+            <a:normAutofit/>
+          </a:bodyPr>
           <a:lstStyle>
-            <a:lvl1pPr>
-              <a:defRPr sz="3200"/>
+            <a:lvl1pPr algn="ctr">
+              <a:defRPr sz="2400" b="0"/>
             </a:lvl1pPr>
           </a:lstStyle>
           <a:p>
             <a:r>
-              <a:rPr lang="en-US" smtClean="0"/>
+              <a:rPr lang="en-US"/>
               <a:t>Click to edit Master title style</a:t>
             </a:r>
-            <a:endParaRPr lang="en-IN"/>
+            <a:endParaRPr lang="en-US" dirty="0"/>
           </a:p>
         </p:txBody>
       </p:sp>
@@ -1971,76 +4548,50 @@
         </p:nvSpPr>
         <p:spPr>
           <a:xfrm>
-            <a:off x="5183188" y="987425"/>
-            <a:ext cx="6172200" cy="4873625"/>
+            <a:off x="5418668" y="982131"/>
+            <a:ext cx="5469466" cy="4893735"/>
           </a:xfrm>
         </p:spPr>
         <p:txBody>
-          <a:bodyPr/>
-          <a:lstStyle>
-            <a:lvl1pPr>
-              <a:defRPr sz="3200"/>
-            </a:lvl1pPr>
-            <a:lvl2pPr>
-              <a:defRPr sz="2800"/>
-            </a:lvl2pPr>
-            <a:lvl3pPr>
-              <a:defRPr sz="2400"/>
-            </a:lvl3pPr>
-            <a:lvl4pPr>
-              <a:defRPr sz="2000"/>
-            </a:lvl4pPr>
-            <a:lvl5pPr>
-              <a:defRPr sz="2000"/>
-            </a:lvl5pPr>
-            <a:lvl6pPr>
-              <a:defRPr sz="2000"/>
-            </a:lvl6pPr>
-            <a:lvl7pPr>
-              <a:defRPr sz="2000"/>
-            </a:lvl7pPr>
-            <a:lvl8pPr>
-              <a:defRPr sz="2000"/>
-            </a:lvl8pPr>
-            <a:lvl9pPr>
-              <a:defRPr sz="2000"/>
-            </a:lvl9pPr>
-          </a:lstStyle>
+          <a:bodyPr anchor="ctr">
+            <a:normAutofit/>
+          </a:bodyPr>
+          <a:lstStyle/>
           <a:p>
             <a:pPr lvl="0"/>
             <a:r>
-              <a:rPr lang="en-US" smtClean="0"/>
-              <a:t>Click to edit Master text styles</a:t>
+              <a:rPr lang="en-US"/>
+              <a:t>Edit Master text styles</a:t>
             </a:r>
           </a:p>
           <a:p>
             <a:pPr lvl="1"/>
             <a:r>
-              <a:rPr lang="en-US" smtClean="0"/>
+              <a:rPr lang="en-US"/>
               <a:t>Second level</a:t>
             </a:r>
           </a:p>
           <a:p>
             <a:pPr lvl="2"/>
             <a:r>
-              <a:rPr lang="en-US" smtClean="0"/>
+              <a:rPr lang="en-US"/>
               <a:t>Third level</a:t>
             </a:r>
           </a:p>
           <a:p>
             <a:pPr lvl="3"/>
             <a:r>
-              <a:rPr lang="en-US" smtClean="0"/>
+              <a:rPr lang="en-US"/>
               <a:t>Fourth level</a:t>
             </a:r>
           </a:p>
           <a:p>
             <a:pPr lvl="4"/>
             <a:r>
-              <a:rPr lang="en-US" smtClean="0"/>
+              <a:rPr lang="en-US"/>
               <a:t>Fifth level</a:t>
             </a:r>
-            <a:endParaRPr lang="en-IN"/>
+            <a:endParaRPr lang="en-US" dirty="0"/>
           </a:p>
         </p:txBody>
       </p:sp>
@@ -2056,55 +4607,57 @@
         </p:nvSpPr>
         <p:spPr>
           <a:xfrm>
-            <a:off x="839788" y="2057400"/>
-            <a:ext cx="3932237" cy="3811588"/>
+            <a:off x="1293811" y="3031065"/>
+            <a:ext cx="3718455" cy="2438404"/>
           </a:xfrm>
         </p:spPr>
         <p:txBody>
-          <a:bodyPr/>
+          <a:bodyPr anchor="t">
+            <a:normAutofit/>
+          </a:bodyPr>
           <a:lstStyle>
-            <a:lvl1pPr marL="0" indent="0">
+            <a:lvl1pPr marL="0" indent="0" algn="ctr">
               <a:buNone/>
               <a:defRPr sz="1600"/>
             </a:lvl1pPr>
             <a:lvl2pPr marL="457200" indent="0">
               <a:buNone/>
-              <a:defRPr sz="1400"/>
+              <a:defRPr sz="1200"/>
             </a:lvl2pPr>
             <a:lvl3pPr marL="914400" indent="0">
               <a:buNone/>
-              <a:defRPr sz="1200"/>
+              <a:defRPr sz="1000"/>
             </a:lvl3pPr>
             <a:lvl4pPr marL="1371600" indent="0">
               <a:buNone/>
-              <a:defRPr sz="1000"/>
+              <a:defRPr sz="900"/>
             </a:lvl4pPr>
             <a:lvl5pPr marL="1828800" indent="0">
               <a:buNone/>
-              <a:defRPr sz="1000"/>
+              <a:defRPr sz="900"/>
             </a:lvl5pPr>
             <a:lvl6pPr marL="2286000" indent="0">
               <a:buNone/>
-              <a:defRPr sz="1000"/>
+              <a:defRPr sz="900"/>
             </a:lvl6pPr>
             <a:lvl7pPr marL="2743200" indent="0">
               <a:buNone/>
-              <a:defRPr sz="1000"/>
+              <a:defRPr sz="900"/>
             </a:lvl7pPr>
             <a:lvl8pPr marL="3200400" indent="0">
               <a:buNone/>
-              <a:defRPr sz="1000"/>
+              <a:defRPr sz="900"/>
             </a:lvl8pPr>
             <a:lvl9pPr marL="3657600" indent="0">
               <a:buNone/>
-              <a:defRPr sz="1000"/>
+              <a:defRPr sz="900"/>
             </a:lvl9pPr>
           </a:lstStyle>
           <a:p>
             <a:pPr lvl="0"/>
             <a:r>
-              <a:rPr lang="en-US" smtClean="0"/>
-              <a:t>Click to edit Master text styles</a:t>
+              <a:rPr lang="en-US"/>
+              <a:t>Edit Master text styles</a:t>
             </a:r>
           </a:p>
         </p:txBody>
@@ -2126,7 +4679,7 @@
           <a:p>
             <a:fld id="{2BA9490B-1242-448F-8CE3-D403D9A9BFB9}" type="datetimeFigureOut">
               <a:rPr lang="en-IN" smtClean="0"/>
-              <a:t>06-03-2024</a:t>
+              <a:t>08-04-2025</a:t>
             </a:fld>
             <a:endParaRPr lang="en-IN"/>
           </a:p>
@@ -2174,10 +4727,41 @@
           </a:p>
         </p:txBody>
       </p:sp>
+      <p:cxnSp>
+        <p:nvCxnSpPr>
+          <p:cNvPr id="16" name="Straight Connector 15"/>
+          <p:cNvCxnSpPr/>
+          <p:nvPr/>
+        </p:nvCxnSpPr>
+        <p:spPr>
+          <a:xfrm>
+            <a:off x="1396169" y="2912533"/>
+            <a:ext cx="3514498" cy="0"/>
+          </a:xfrm>
+          <a:prstGeom prst="line">
+            <a:avLst/>
+          </a:prstGeom>
+          <a:ln w="15875"/>
+        </p:spPr>
+        <p:style>
+          <a:lnRef idx="2">
+            <a:schemeClr val="accent1"/>
+          </a:lnRef>
+          <a:fillRef idx="0">
+            <a:schemeClr val="accent1"/>
+          </a:fillRef>
+          <a:effectRef idx="1">
+            <a:schemeClr val="accent1"/>
+          </a:effectRef>
+          <a:fontRef idx="minor">
+            <a:schemeClr val="tx1"/>
+          </a:fontRef>
+        </p:style>
+      </p:cxnSp>
     </p:spTree>
     <p:extLst>
       <p:ext uri="{BB962C8B-B14F-4D97-AF65-F5344CB8AC3E}">
-        <p14:creationId xmlns:p14="http://schemas.microsoft.com/office/powerpoint/2010/main" val="1410484385"/>
+        <p14:creationId xmlns:p14="http://schemas.microsoft.com/office/powerpoint/2010/main" val="3328235928"/>
       </p:ext>
     </p:extLst>
   </p:cSld>
@@ -2216,31 +4800,33 @@
         </p:nvSpPr>
         <p:spPr>
           <a:xfrm>
-            <a:off x="839788" y="457200"/>
-            <a:ext cx="3932237" cy="1600200"/>
+            <a:off x="1295399" y="1883832"/>
+            <a:ext cx="6241816" cy="1371600"/>
           </a:xfrm>
         </p:spPr>
         <p:txBody>
-          <a:bodyPr anchor="b"/>
+          <a:bodyPr anchor="b">
+            <a:normAutofit/>
+          </a:bodyPr>
           <a:lstStyle>
-            <a:lvl1pPr>
-              <a:defRPr sz="3200"/>
+            <a:lvl1pPr algn="ctr">
+              <a:defRPr sz="2800" b="0"/>
             </a:lvl1pPr>
           </a:lstStyle>
           <a:p>
             <a:r>
-              <a:rPr lang="en-US" smtClean="0"/>
+              <a:rPr lang="en-US"/>
               <a:t>Click to edit Master title style</a:t>
             </a:r>
-            <a:endParaRPr lang="en-IN"/>
-          </a:p>
-        </p:txBody>
-      </p:sp>
-      <p:sp>
-        <p:nvSpPr>
-          <p:cNvPr id="3" name="Picture Placeholder 2"/>
-          <p:cNvSpPr>
-            <a:spLocks noGrp="1"/>
+            <a:endParaRPr lang="en-US" dirty="0"/>
+          </a:p>
+        </p:txBody>
+      </p:sp>
+      <p:sp>
+        <p:nvSpPr>
+          <p:cNvPr id="17" name="Picture Placeholder 2"/>
+          <p:cNvSpPr>
+            <a:spLocks noGrp="1" noChangeAspect="1"/>
           </p:cNvSpPr>
           <p:nvPr>
             <p:ph type="pic" idx="1"/>
@@ -2248,116 +4834,145 @@
         </p:nvSpPr>
         <p:spPr>
           <a:xfrm>
-            <a:off x="5183188" y="987425"/>
-            <a:ext cx="6172200" cy="4873625"/>
+            <a:off x="8094831" y="1041400"/>
+            <a:ext cx="3063347" cy="4775200"/>
           </a:xfrm>
+          <a:prstGeom prst="roundRect">
+            <a:avLst>
+              <a:gd name="adj" fmla="val 0"/>
+            </a:avLst>
+          </a:prstGeom>
+          <a:ln w="57150" cmpd="thickThin">
+            <a:solidFill>
+              <a:schemeClr val="tx1">
+                <a:lumMod val="50000"/>
+                <a:lumOff val="50000"/>
+              </a:schemeClr>
+            </a:solidFill>
+            <a:miter lim="800000"/>
+          </a:ln>
+          <a:effectLst>
+            <a:innerShdw blurRad="57150" dist="38100" dir="14460000">
+              <a:srgbClr val="000000">
+                <a:alpha val="70000"/>
+              </a:srgbClr>
+            </a:innerShdw>
+          </a:effectLst>
         </p:spPr>
         <p:txBody>
-          <a:bodyPr/>
+          <a:bodyPr anchor="t">
+            <a:normAutofit/>
+          </a:bodyPr>
           <a:lstStyle>
-            <a:lvl1pPr marL="0" indent="0">
-              <a:buNone/>
-              <a:defRPr sz="3200"/>
-            </a:lvl1pPr>
-            <a:lvl2pPr marL="457200" indent="0">
-              <a:buNone/>
-              <a:defRPr sz="2800"/>
-            </a:lvl2pPr>
-            <a:lvl3pPr marL="914400" indent="0">
-              <a:buNone/>
-              <a:defRPr sz="2400"/>
-            </a:lvl3pPr>
-            <a:lvl4pPr marL="1371600" indent="0">
-              <a:buNone/>
-              <a:defRPr sz="2000"/>
-            </a:lvl4pPr>
-            <a:lvl5pPr marL="1828800" indent="0">
-              <a:buNone/>
-              <a:defRPr sz="2000"/>
-            </a:lvl5pPr>
-            <a:lvl6pPr marL="2286000" indent="0">
-              <a:buNone/>
-              <a:defRPr sz="2000"/>
-            </a:lvl6pPr>
-            <a:lvl7pPr marL="2743200" indent="0">
-              <a:buNone/>
-              <a:defRPr sz="2000"/>
-            </a:lvl7pPr>
-            <a:lvl8pPr marL="3200400" indent="0">
-              <a:buNone/>
-              <a:defRPr sz="2000"/>
-            </a:lvl8pPr>
-            <a:lvl9pPr marL="3657600" indent="0">
-              <a:buNone/>
-              <a:defRPr sz="2000"/>
-            </a:lvl9pPr>
-          </a:lstStyle>
-          <a:p>
-            <a:endParaRPr lang="en-IN"/>
-          </a:p>
-        </p:txBody>
-      </p:sp>
-      <p:sp>
-        <p:nvSpPr>
-          <p:cNvPr id="4" name="Text Placeholder 3"/>
-          <p:cNvSpPr>
-            <a:spLocks noGrp="1"/>
-          </p:cNvSpPr>
-          <p:nvPr>
-            <p:ph type="body" sz="half" idx="2"/>
-          </p:nvPr>
-        </p:nvSpPr>
-        <p:spPr>
-          <a:xfrm>
-            <a:off x="839788" y="2057400"/>
-            <a:ext cx="3932237" cy="3811588"/>
-          </a:xfrm>
-        </p:spPr>
-        <p:txBody>
-          <a:bodyPr/>
-          <a:lstStyle>
-            <a:lvl1pPr marL="0" indent="0">
+            <a:lvl1pPr marL="0" indent="0" algn="ctr">
               <a:buNone/>
               <a:defRPr sz="1600"/>
             </a:lvl1pPr>
             <a:lvl2pPr marL="457200" indent="0">
               <a:buNone/>
-              <a:defRPr sz="1400"/>
+              <a:defRPr sz="1600"/>
             </a:lvl2pPr>
             <a:lvl3pPr marL="914400" indent="0">
               <a:buNone/>
-              <a:defRPr sz="1200"/>
+              <a:defRPr sz="1600"/>
             </a:lvl3pPr>
             <a:lvl4pPr marL="1371600" indent="0">
               <a:buNone/>
-              <a:defRPr sz="1000"/>
+              <a:defRPr sz="1600"/>
             </a:lvl4pPr>
             <a:lvl5pPr marL="1828800" indent="0">
               <a:buNone/>
-              <a:defRPr sz="1000"/>
+              <a:defRPr sz="1600"/>
             </a:lvl5pPr>
             <a:lvl6pPr marL="2286000" indent="0">
               <a:buNone/>
-              <a:defRPr sz="1000"/>
+              <a:defRPr sz="1600"/>
             </a:lvl6pPr>
             <a:lvl7pPr marL="2743200" indent="0">
               <a:buNone/>
-              <a:defRPr sz="1000"/>
+              <a:defRPr sz="1600"/>
             </a:lvl7pPr>
             <a:lvl8pPr marL="3200400" indent="0">
               <a:buNone/>
-              <a:defRPr sz="1000"/>
+              <a:defRPr sz="1600"/>
             </a:lvl8pPr>
             <a:lvl9pPr marL="3657600" indent="0">
               <a:buNone/>
-              <a:defRPr sz="1000"/>
+              <a:defRPr sz="1600"/>
             </a:lvl9pPr>
           </a:lstStyle>
           <a:p>
+            <a:r>
+              <a:rPr lang="en-US"/>
+              <a:t>Click icon to add picture</a:t>
+            </a:r>
+            <a:endParaRPr lang="en-US" dirty="0"/>
+          </a:p>
+        </p:txBody>
+      </p:sp>
+      <p:sp>
+        <p:nvSpPr>
+          <p:cNvPr id="4" name="Text Placeholder 3"/>
+          <p:cNvSpPr>
+            <a:spLocks noGrp="1"/>
+          </p:cNvSpPr>
+          <p:nvPr>
+            <p:ph type="body" sz="half" idx="2"/>
+          </p:nvPr>
+        </p:nvSpPr>
+        <p:spPr>
+          <a:xfrm>
+            <a:off x="1295399" y="3255432"/>
+            <a:ext cx="6241816" cy="1828800"/>
+          </a:xfrm>
+        </p:spPr>
+        <p:txBody>
+          <a:bodyPr anchor="t">
+            <a:normAutofit/>
+          </a:bodyPr>
+          <a:lstStyle>
+            <a:lvl1pPr marL="0" indent="0" algn="ctr">
+              <a:buNone/>
+              <a:defRPr sz="1800"/>
+            </a:lvl1pPr>
+            <a:lvl2pPr marL="457200" indent="0">
+              <a:buNone/>
+              <a:defRPr sz="1200"/>
+            </a:lvl2pPr>
+            <a:lvl3pPr marL="914400" indent="0">
+              <a:buNone/>
+              <a:defRPr sz="1000"/>
+            </a:lvl3pPr>
+            <a:lvl4pPr marL="1371600" indent="0">
+              <a:buNone/>
+              <a:defRPr sz="900"/>
+            </a:lvl4pPr>
+            <a:lvl5pPr marL="1828800" indent="0">
+              <a:buNone/>
+              <a:defRPr sz="900"/>
+            </a:lvl5pPr>
+            <a:lvl6pPr marL="2286000" indent="0">
+              <a:buNone/>
+              <a:defRPr sz="900"/>
+            </a:lvl6pPr>
+            <a:lvl7pPr marL="2743200" indent="0">
+              <a:buNone/>
+              <a:defRPr sz="900"/>
+            </a:lvl7pPr>
+            <a:lvl8pPr marL="3200400" indent="0">
+              <a:buNone/>
+              <a:defRPr sz="900"/>
+            </a:lvl8pPr>
+            <a:lvl9pPr marL="3657600" indent="0">
+              <a:buNone/>
+              <a:defRPr sz="900"/>
+            </a:lvl9pPr>
+          </a:lstStyle>
+          <a:p>
             <a:pPr lvl="0"/>
             <a:r>
-              <a:rPr lang="en-US" smtClean="0"/>
-              <a:t>Click to edit Master text styles</a:t>
+              <a:rPr lang="en-US"/>
+              <a:t>Edit Master text styles</a:t>
             </a:r>
           </a:p>
         </p:txBody>
@@ -2379,7 +4994,7 @@
           <a:p>
             <a:fld id="{2BA9490B-1242-448F-8CE3-D403D9A9BFB9}" type="datetimeFigureOut">
               <a:rPr lang="en-IN" smtClean="0"/>
-              <a:t>06-03-2024</a:t>
+              <a:t>08-04-2025</a:t>
             </a:fld>
             <a:endParaRPr lang="en-IN"/>
           </a:p>
@@ -2430,7 +5045,7 @@
     </p:spTree>
     <p:extLst>
       <p:ext uri="{BB962C8B-B14F-4D97-AF65-F5344CB8AC3E}">
-        <p14:creationId xmlns:p14="http://schemas.microsoft.com/office/powerpoint/2010/main" val="3099740242"/>
+        <p14:creationId xmlns:p14="http://schemas.microsoft.com/office/powerpoint/2010/main" val="1002558280"/>
       </p:ext>
     </p:extLst>
   </p:cSld>
@@ -2444,7 +5059,7 @@
 <p:sldMaster xmlns:a="http://schemas.openxmlformats.org/drawingml/2006/main" xmlns:r="http://schemas.openxmlformats.org/officeDocument/2006/relationships" xmlns:p="http://schemas.openxmlformats.org/presentationml/2006/main">
   <p:cSld>
     <p:bg>
-      <p:bgRef idx="1001">
+      <p:bgRef idx="1003">
         <a:schemeClr val="bg1"/>
       </p:bgRef>
     </p:bg>
@@ -2462,6 +5077,143 @@
           <a:chExt cx="0" cy="0"/>
         </a:xfrm>
       </p:grpSpPr>
+      <p:grpSp>
+        <p:nvGrpSpPr>
+          <p:cNvPr id="7" name="Group 6"/>
+          <p:cNvGrpSpPr/>
+          <p:nvPr/>
+        </p:nvGrpSpPr>
+        <p:grpSpPr>
+          <a:xfrm>
+            <a:off x="0" y="0"/>
+            <a:ext cx="12188825" cy="6856215"/>
+            <a:chOff x="0" y="0"/>
+            <a:chExt cx="12188825" cy="6856215"/>
+          </a:xfrm>
+        </p:grpSpPr>
+        <p:pic>
+          <p:nvPicPr>
+            <p:cNvPr id="8" name="Picture 7" descr="HD-PanelContent-V.png"/>
+            <p:cNvPicPr>
+              <a:picLocks noChangeAspect="1"/>
+            </p:cNvPicPr>
+            <p:nvPr/>
+          </p:nvPicPr>
+          <p:blipFill>
+            <a:blip r:embed="rId19">
+              <a:extLst>
+                <a:ext uri="{28A0092B-C50C-407E-A947-70E740481C1C}">
+                  <a14:useLocalDpi xmlns:a14="http://schemas.microsoft.com/office/drawing/2010/main" val="0"/>
+                </a:ext>
+              </a:extLst>
+            </a:blip>
+            <a:stretch>
+              <a:fillRect/>
+            </a:stretch>
+          </p:blipFill>
+          <p:spPr>
+            <a:xfrm>
+              <a:off x="0" y="0"/>
+              <a:ext cx="12188825" cy="6856214"/>
+            </a:xfrm>
+            <a:prstGeom prst="rect">
+              <a:avLst/>
+            </a:prstGeom>
+          </p:spPr>
+        </p:pic>
+        <p:sp>
+          <p:nvSpPr>
+            <p:cNvPr id="9" name="Rectangle 8"/>
+            <p:cNvSpPr/>
+            <p:nvPr/>
+          </p:nvSpPr>
+          <p:spPr>
+            <a:xfrm>
+              <a:off x="608012" y="609600"/>
+              <a:ext cx="10972800" cy="5638800"/>
+            </a:xfrm>
+            <a:prstGeom prst="rect">
+              <a:avLst/>
+            </a:prstGeom>
+            <a:noFill/>
+            <a:ln w="15875" cap="flat">
+              <a:miter lim="800000"/>
+            </a:ln>
+          </p:spPr>
+          <p:style>
+            <a:lnRef idx="1">
+              <a:schemeClr val="accent1"/>
+            </a:lnRef>
+            <a:fillRef idx="3">
+              <a:schemeClr val="accent1"/>
+            </a:fillRef>
+            <a:effectRef idx="2">
+              <a:schemeClr val="accent1"/>
+            </a:effectRef>
+            <a:fontRef idx="minor">
+              <a:schemeClr val="lt1"/>
+            </a:fontRef>
+          </p:style>
+        </p:sp>
+        <p:pic>
+          <p:nvPicPr>
+            <p:cNvPr id="10" name="Picture 9" descr="HDRibbonContent-UniformTrim.png"/>
+            <p:cNvPicPr>
+              <a:picLocks noChangeAspect="1"/>
+            </p:cNvPicPr>
+            <p:nvPr/>
+          </p:nvPicPr>
+          <p:blipFill rotWithShape="1">
+            <a:blip r:embed="rId20">
+              <a:extLst>
+                <a:ext uri="{28A0092B-C50C-407E-A947-70E740481C1C}">
+                  <a14:useLocalDpi xmlns:a14="http://schemas.microsoft.com/office/drawing/2010/main" val="0"/>
+                </a:ext>
+              </a:extLst>
+            </a:blip>
+            <a:srcRect r="5093"/>
+            <a:stretch/>
+          </p:blipFill>
+          <p:spPr>
+            <a:xfrm rot="5400000">
+              <a:off x="5706471" y="76265"/>
+              <a:ext cx="758952" cy="606425"/>
+            </a:xfrm>
+            <a:prstGeom prst="rect">
+              <a:avLst/>
+            </a:prstGeom>
+          </p:spPr>
+        </p:pic>
+        <p:pic>
+          <p:nvPicPr>
+            <p:cNvPr id="11" name="Picture 10" descr="HDRibbonContent-UniformTrim.png"/>
+            <p:cNvPicPr>
+              <a:picLocks noChangeAspect="1"/>
+            </p:cNvPicPr>
+            <p:nvPr/>
+          </p:nvPicPr>
+          <p:blipFill rotWithShape="1">
+            <a:blip r:embed="rId20">
+              <a:extLst>
+                <a:ext uri="{28A0092B-C50C-407E-A947-70E740481C1C}">
+                  <a14:useLocalDpi xmlns:a14="http://schemas.microsoft.com/office/drawing/2010/main" val="0"/>
+                </a:ext>
+              </a:extLst>
+            </a:blip>
+            <a:srcRect r="5093"/>
+            <a:stretch/>
+          </p:blipFill>
+          <p:spPr>
+            <a:xfrm rot="5400000">
+              <a:off x="5706470" y="6173526"/>
+              <a:ext cx="758952" cy="606425"/>
+            </a:xfrm>
+            <a:prstGeom prst="rect">
+              <a:avLst/>
+            </a:prstGeom>
+          </p:spPr>
+        </p:pic>
+      </p:grpSp>
       <p:sp>
         <p:nvSpPr>
           <p:cNvPr id="2" name="Title Placeholder 1"/>
@@ -2474,103 +5226,145 @@
         </p:nvSpPr>
         <p:spPr>
           <a:xfrm>
-            <a:off x="838200" y="365125"/>
-            <a:ext cx="10515600" cy="1325563"/>
+            <a:off x="1295402" y="982132"/>
+            <a:ext cx="9601196" cy="1303867"/>
+          </a:xfrm>
+          <a:prstGeom prst="rect">
+            <a:avLst/>
+          </a:prstGeom>
+          <a:effectLst/>
+        </p:spPr>
+        <p:txBody>
+          <a:bodyPr vert="horz" lIns="91440" tIns="45720" rIns="91440" bIns="45720" rtlCol="0" anchor="ctr">
+            <a:normAutofit/>
+          </a:bodyPr>
+          <a:lstStyle/>
+          <a:p>
+            <a:r>
+              <a:rPr lang="en-US"/>
+              <a:t>Click to edit Master title style</a:t>
+            </a:r>
+            <a:endParaRPr lang="en-US" dirty="0"/>
+          </a:p>
+        </p:txBody>
+      </p:sp>
+      <p:sp>
+        <p:nvSpPr>
+          <p:cNvPr id="3" name="Text Placeholder 2"/>
+          <p:cNvSpPr>
+            <a:spLocks noGrp="1"/>
+          </p:cNvSpPr>
+          <p:nvPr>
+            <p:ph type="body" idx="1"/>
+          </p:nvPr>
+        </p:nvSpPr>
+        <p:spPr>
+          <a:xfrm>
+            <a:off x="1295401" y="2556932"/>
+            <a:ext cx="9601196" cy="3318936"/>
           </a:xfrm>
           <a:prstGeom prst="rect">
             <a:avLst/>
           </a:prstGeom>
         </p:spPr>
         <p:txBody>
-          <a:bodyPr vert="horz" lIns="91440" tIns="45720" rIns="91440" bIns="45720" rtlCol="0" anchor="ctr">
+          <a:bodyPr vert="horz" lIns="91440" tIns="45720" rIns="91440" bIns="45720" rtlCol="0" anchor="t">
             <a:normAutofit/>
           </a:bodyPr>
           <a:lstStyle/>
           <a:p>
-            <a:r>
-              <a:rPr lang="en-US" smtClean="0"/>
-              <a:t>Click to edit Master title style</a:t>
-            </a:r>
-            <a:endParaRPr lang="en-IN"/>
-          </a:p>
-        </p:txBody>
-      </p:sp>
-      <p:sp>
-        <p:nvSpPr>
-          <p:cNvPr id="3" name="Text Placeholder 2"/>
-          <p:cNvSpPr>
-            <a:spLocks noGrp="1"/>
-          </p:cNvSpPr>
-          <p:nvPr>
-            <p:ph type="body" idx="1"/>
+            <a:pPr lvl="0"/>
+            <a:r>
+              <a:rPr lang="en-US"/>
+              <a:t>Edit Master text styles</a:t>
+            </a:r>
+          </a:p>
+          <a:p>
+            <a:pPr lvl="1"/>
+            <a:r>
+              <a:rPr lang="en-US"/>
+              <a:t>Second level</a:t>
+            </a:r>
+          </a:p>
+          <a:p>
+            <a:pPr lvl="2"/>
+            <a:r>
+              <a:rPr lang="en-US"/>
+              <a:t>Third level</a:t>
+            </a:r>
+          </a:p>
+          <a:p>
+            <a:pPr lvl="3"/>
+            <a:r>
+              <a:rPr lang="en-US"/>
+              <a:t>Fourth level</a:t>
+            </a:r>
+          </a:p>
+          <a:p>
+            <a:pPr lvl="4"/>
+            <a:r>
+              <a:rPr lang="en-US"/>
+              <a:t>Fifth level</a:t>
+            </a:r>
+            <a:endParaRPr lang="en-US" dirty="0"/>
+          </a:p>
+        </p:txBody>
+      </p:sp>
+      <p:sp>
+        <p:nvSpPr>
+          <p:cNvPr id="4" name="Date Placeholder 3"/>
+          <p:cNvSpPr>
+            <a:spLocks noGrp="1"/>
+          </p:cNvSpPr>
+          <p:nvPr>
+            <p:ph type="dt" sz="half" idx="2"/>
           </p:nvPr>
         </p:nvSpPr>
         <p:spPr>
           <a:xfrm>
-            <a:off x="838200" y="1825625"/>
-            <a:ext cx="10515600" cy="4351338"/>
+            <a:off x="8677501" y="5969000"/>
+            <a:ext cx="1600200" cy="279400"/>
           </a:xfrm>
           <a:prstGeom prst="rect">
             <a:avLst/>
           </a:prstGeom>
         </p:spPr>
         <p:txBody>
-          <a:bodyPr vert="horz" lIns="91440" tIns="45720" rIns="91440" bIns="45720" rtlCol="0">
-            <a:normAutofit/>
-          </a:bodyPr>
-          <a:lstStyle/>
-          <a:p>
-            <a:pPr lvl="0"/>
-            <a:r>
-              <a:rPr lang="en-US" smtClean="0"/>
-              <a:t>Click to edit Master text styles</a:t>
-            </a:r>
-          </a:p>
-          <a:p>
-            <a:pPr lvl="1"/>
-            <a:r>
-              <a:rPr lang="en-US" smtClean="0"/>
-              <a:t>Second level</a:t>
-            </a:r>
-          </a:p>
-          <a:p>
-            <a:pPr lvl="2"/>
-            <a:r>
-              <a:rPr lang="en-US" smtClean="0"/>
-              <a:t>Third level</a:t>
-            </a:r>
-          </a:p>
-          <a:p>
-            <a:pPr lvl="3"/>
-            <a:r>
-              <a:rPr lang="en-US" smtClean="0"/>
-              <a:t>Fourth level</a:t>
-            </a:r>
-          </a:p>
-          <a:p>
-            <a:pPr lvl="4"/>
-            <a:r>
-              <a:rPr lang="en-US" smtClean="0"/>
-              <a:t>Fifth level</a:t>
-            </a:r>
+          <a:bodyPr vert="horz" lIns="91440" tIns="45720" rIns="91440" bIns="45720" rtlCol="0" anchor="ctr"/>
+          <a:lstStyle>
+            <a:lvl1pPr algn="r">
+              <a:defRPr sz="1000" b="0" i="0">
+                <a:solidFill>
+                  <a:schemeClr val="tx1"/>
+                </a:solidFill>
+                <a:effectLst/>
+                <a:latin typeface="+mn-lt"/>
+              </a:defRPr>
+            </a:lvl1pPr>
+          </a:lstStyle>
+          <a:p>
+            <a:fld id="{2BA9490B-1242-448F-8CE3-D403D9A9BFB9}" type="datetimeFigureOut">
+              <a:rPr lang="en-IN" smtClean="0"/>
+              <a:t>08-04-2025</a:t>
+            </a:fld>
             <a:endParaRPr lang="en-IN"/>
           </a:p>
         </p:txBody>
       </p:sp>
       <p:sp>
         <p:nvSpPr>
-          <p:cNvPr id="4" name="Date Placeholder 3"/>
-          <p:cNvSpPr>
-            <a:spLocks noGrp="1"/>
-          </p:cNvSpPr>
-          <p:nvPr>
-            <p:ph type="dt" sz="half" idx="2"/>
+          <p:cNvPr id="5" name="Footer Placeholder 4"/>
+          <p:cNvSpPr>
+            <a:spLocks noGrp="1"/>
+          </p:cNvSpPr>
+          <p:nvPr>
+            <p:ph type="ftr" sz="quarter" idx="3"/>
           </p:nvPr>
         </p:nvSpPr>
         <p:spPr>
           <a:xfrm>
-            <a:off x="838200" y="6356350"/>
-            <a:ext cx="2743200" cy="365125"/>
+            <a:off x="1295401" y="5969000"/>
+            <a:ext cx="7305900" cy="279400"/>
           </a:xfrm>
           <a:prstGeom prst="rect">
             <a:avLst/>
@@ -2580,38 +5374,34 @@
           <a:bodyPr vert="horz" lIns="91440" tIns="45720" rIns="91440" bIns="45720" rtlCol="0" anchor="ctr"/>
           <a:lstStyle>
             <a:lvl1pPr algn="l">
-              <a:defRPr sz="1200">
+              <a:defRPr sz="1000" b="0" i="0">
                 <a:solidFill>
-                  <a:schemeClr val="tx1">
-                    <a:tint val="75000"/>
-                  </a:schemeClr>
+                  <a:schemeClr val="tx1"/>
                 </a:solidFill>
+                <a:effectLst/>
+                <a:latin typeface="+mn-lt"/>
               </a:defRPr>
             </a:lvl1pPr>
           </a:lstStyle>
           <a:p>
-            <a:fld id="{2BA9490B-1242-448F-8CE3-D403D9A9BFB9}" type="datetimeFigureOut">
-              <a:rPr lang="en-IN" smtClean="0"/>
-              <a:t>06-03-2024</a:t>
-            </a:fld>
             <a:endParaRPr lang="en-IN"/>
           </a:p>
         </p:txBody>
       </p:sp>
       <p:sp>
         <p:nvSpPr>
-          <p:cNvPr id="5" name="Footer Placeholder 4"/>
-          <p:cNvSpPr>
-            <a:spLocks noGrp="1"/>
-          </p:cNvSpPr>
-          <p:nvPr>
-            <p:ph type="ftr" sz="quarter" idx="3"/>
+          <p:cNvPr id="6" name="Slide Number Placeholder 5"/>
+          <p:cNvSpPr>
+            <a:spLocks noGrp="1"/>
+          </p:cNvSpPr>
+          <p:nvPr>
+            <p:ph type="sldNum" sz="quarter" idx="4"/>
           </p:nvPr>
         </p:nvSpPr>
         <p:spPr>
           <a:xfrm>
-            <a:off x="4038600" y="6356350"/>
-            <a:ext cx="4114800" cy="365125"/>
+            <a:off x="10353901" y="5969000"/>
+            <a:ext cx="542697" cy="279400"/>
           </a:xfrm>
           <a:prstGeom prst="rect">
             <a:avLst/>
@@ -2620,50 +5410,13 @@
         <p:txBody>
           <a:bodyPr vert="horz" lIns="91440" tIns="45720" rIns="91440" bIns="45720" rtlCol="0" anchor="ctr"/>
           <a:lstStyle>
-            <a:lvl1pPr algn="ctr">
-              <a:defRPr sz="1200">
+            <a:lvl1pPr algn="r">
+              <a:defRPr sz="1000" b="0" i="0">
                 <a:solidFill>
-                  <a:schemeClr val="tx1">
-                    <a:tint val="75000"/>
-                  </a:schemeClr>
+                  <a:schemeClr val="tx1"/>
                 </a:solidFill>
-              </a:defRPr>
-            </a:lvl1pPr>
-          </a:lstStyle>
-          <a:p>
-            <a:endParaRPr lang="en-IN"/>
-          </a:p>
-        </p:txBody>
-      </p:sp>
-      <p:sp>
-        <p:nvSpPr>
-          <p:cNvPr id="6" name="Slide Number Placeholder 5"/>
-          <p:cNvSpPr>
-            <a:spLocks noGrp="1"/>
-          </p:cNvSpPr>
-          <p:nvPr>
-            <p:ph type="sldNum" sz="quarter" idx="4"/>
-          </p:nvPr>
-        </p:nvSpPr>
-        <p:spPr>
-          <a:xfrm>
-            <a:off x="8610600" y="6356350"/>
-            <a:ext cx="2743200" cy="365125"/>
-          </a:xfrm>
-          <a:prstGeom prst="rect">
-            <a:avLst/>
-          </a:prstGeom>
-        </p:spPr>
-        <p:txBody>
-          <a:bodyPr vert="horz" lIns="91440" tIns="45720" rIns="91440" bIns="45720" rtlCol="0" anchor="ctr"/>
-          <a:lstStyle>
-            <a:lvl1pPr algn="r">
-              <a:defRPr sz="1200">
-                <a:solidFill>
-                  <a:schemeClr val="tx1">
-                    <a:tint val="75000"/>
-                  </a:schemeClr>
-                </a:solidFill>
+                <a:effectLst/>
+                <a:latin typeface="+mn-lt"/>
               </a:defRPr>
             </a:lvl1pPr>
           </a:lstStyle>
@@ -2679,202 +5432,340 @@
     </p:spTree>
     <p:extLst>
       <p:ext uri="{BB962C8B-B14F-4D97-AF65-F5344CB8AC3E}">
-        <p14:creationId xmlns:p14="http://schemas.microsoft.com/office/powerpoint/2010/main" val="2665188397"/>
+        <p14:creationId xmlns:p14="http://schemas.microsoft.com/office/powerpoint/2010/main" val="4242547706"/>
       </p:ext>
     </p:extLst>
   </p:cSld>
   <p:clrMap bg1="lt1" tx1="dk1" bg2="lt2" tx2="dk2" accent1="accent1" accent2="accent2" accent3="accent3" accent4="accent4" accent5="accent5" accent6="accent6" hlink="hlink" folHlink="folHlink"/>
   <p:sldLayoutIdLst>
-    <p:sldLayoutId id="2147483649" r:id="rId1"/>
-    <p:sldLayoutId id="2147483650" r:id="rId2"/>
-    <p:sldLayoutId id="2147483651" r:id="rId3"/>
-    <p:sldLayoutId id="2147483652" r:id="rId4"/>
-    <p:sldLayoutId id="2147483653" r:id="rId5"/>
-    <p:sldLayoutId id="2147483654" r:id="rId6"/>
-    <p:sldLayoutId id="2147483655" r:id="rId7"/>
-    <p:sldLayoutId id="2147483656" r:id="rId8"/>
-    <p:sldLayoutId id="2147483657" r:id="rId9"/>
-    <p:sldLayoutId id="2147483658" r:id="rId10"/>
-    <p:sldLayoutId id="2147483659" r:id="rId11"/>
+    <p:sldLayoutId id="2147483715" r:id="rId1"/>
+    <p:sldLayoutId id="2147483716" r:id="rId2"/>
+    <p:sldLayoutId id="2147483717" r:id="rId3"/>
+    <p:sldLayoutId id="2147483718" r:id="rId4"/>
+    <p:sldLayoutId id="2147483719" r:id="rId5"/>
+    <p:sldLayoutId id="2147483720" r:id="rId6"/>
+    <p:sldLayoutId id="2147483721" r:id="rId7"/>
+    <p:sldLayoutId id="2147483722" r:id="rId8"/>
+    <p:sldLayoutId id="2147483723" r:id="rId9"/>
+    <p:sldLayoutId id="2147483724" r:id="rId10"/>
+    <p:sldLayoutId id="2147483725" r:id="rId11"/>
+    <p:sldLayoutId id="2147483726" r:id="rId12"/>
+    <p:sldLayoutId id="2147483727" r:id="rId13"/>
+    <p:sldLayoutId id="2147483728" r:id="rId14"/>
+    <p:sldLayoutId id="2147483729" r:id="rId15"/>
+    <p:sldLayoutId id="2147483730" r:id="rId16"/>
+    <p:sldLayoutId id="2147483731" r:id="rId17"/>
   </p:sldLayoutIdLst>
   <p:txStyles>
     <p:titleStyle>
-      <a:lvl1pPr algn="l" defTabSz="914400" rtl="0" eaLnBrk="1" latinLnBrk="0" hangingPunct="1">
-        <a:lnSpc>
-          <a:spcPct val="90000"/>
-        </a:lnSpc>
+      <a:lvl1pPr algn="ctr" defTabSz="457200" rtl="0" eaLnBrk="1" latinLnBrk="0" hangingPunct="1">
         <a:spcBef>
           <a:spcPct val="0"/>
         </a:spcBef>
         <a:buNone/>
-        <a:defRPr sz="4400" kern="1200">
+        <a:defRPr sz="4400" kern="1200" cap="none">
+          <a:ln w="3175" cmpd="sng">
+            <a:noFill/>
+          </a:ln>
           <a:solidFill>
-            <a:schemeClr val="tx1"/>
+            <a:schemeClr val="tx1">
+              <a:lumMod val="85000"/>
+              <a:lumOff val="15000"/>
+            </a:schemeClr>
           </a:solidFill>
+          <a:effectLst/>
           <a:latin typeface="+mj-lt"/>
           <a:ea typeface="+mj-ea"/>
           <a:cs typeface="+mj-cs"/>
         </a:defRPr>
       </a:lvl1pPr>
+      <a:lvl2pPr eaLnBrk="1" hangingPunct="1">
+        <a:defRPr>
+          <a:solidFill>
+            <a:schemeClr val="tx2"/>
+          </a:solidFill>
+        </a:defRPr>
+      </a:lvl2pPr>
+      <a:lvl3pPr eaLnBrk="1" hangingPunct="1">
+        <a:defRPr>
+          <a:solidFill>
+            <a:schemeClr val="tx2"/>
+          </a:solidFill>
+        </a:defRPr>
+      </a:lvl3pPr>
+      <a:lvl4pPr eaLnBrk="1" hangingPunct="1">
+        <a:defRPr>
+          <a:solidFill>
+            <a:schemeClr val="tx2"/>
+          </a:solidFill>
+        </a:defRPr>
+      </a:lvl4pPr>
+      <a:lvl5pPr eaLnBrk="1" hangingPunct="1">
+        <a:defRPr>
+          <a:solidFill>
+            <a:schemeClr val="tx2"/>
+          </a:solidFill>
+        </a:defRPr>
+      </a:lvl5pPr>
+      <a:lvl6pPr eaLnBrk="1" hangingPunct="1">
+        <a:defRPr>
+          <a:solidFill>
+            <a:schemeClr val="tx2"/>
+          </a:solidFill>
+        </a:defRPr>
+      </a:lvl6pPr>
+      <a:lvl7pPr eaLnBrk="1" hangingPunct="1">
+        <a:defRPr>
+          <a:solidFill>
+            <a:schemeClr val="tx2"/>
+          </a:solidFill>
+        </a:defRPr>
+      </a:lvl7pPr>
+      <a:lvl8pPr eaLnBrk="1" hangingPunct="1">
+        <a:defRPr>
+          <a:solidFill>
+            <a:schemeClr val="tx2"/>
+          </a:solidFill>
+        </a:defRPr>
+      </a:lvl8pPr>
+      <a:lvl9pPr eaLnBrk="1" hangingPunct="1">
+        <a:defRPr>
+          <a:solidFill>
+            <a:schemeClr val="tx2"/>
+          </a:solidFill>
+        </a:defRPr>
+      </a:lvl9pPr>
     </p:titleStyle>
     <p:bodyStyle>
-      <a:lvl1pPr marL="228600" indent="-228600" algn="l" defTabSz="914400" rtl="0" eaLnBrk="1" latinLnBrk="0" hangingPunct="1">
-        <a:lnSpc>
-          <a:spcPct val="90000"/>
-        </a:lnSpc>
+      <a:lvl1pPr marL="285750" indent="-285750" algn="l" defTabSz="457200" rtl="0" eaLnBrk="1" latinLnBrk="0" hangingPunct="1">
         <a:spcBef>
-          <a:spcPts val="1000"/>
+          <a:spcPct val="20000"/>
         </a:spcBef>
-        <a:buFont typeface="Arial" panose="020B0604020202020204" pitchFamily="34" charset="0"/>
+        <a:spcAft>
+          <a:spcPts val="600"/>
+        </a:spcAft>
+        <a:buClr>
+          <a:schemeClr val="accent1"/>
+        </a:buClr>
+        <a:buSzPct val="115000"/>
+        <a:buFont typeface="Arial"/>
         <a:buChar char="•"/>
-        <a:defRPr sz="2800" kern="1200">
+        <a:defRPr sz="2400" kern="1200" cap="none">
           <a:solidFill>
-            <a:schemeClr val="tx1"/>
+            <a:schemeClr val="tx1">
+              <a:lumMod val="85000"/>
+              <a:lumOff val="15000"/>
+            </a:schemeClr>
           </a:solidFill>
+          <a:effectLst/>
           <a:latin typeface="+mn-lt"/>
           <a:ea typeface="+mn-ea"/>
           <a:cs typeface="+mn-cs"/>
         </a:defRPr>
       </a:lvl1pPr>
-      <a:lvl2pPr marL="685800" indent="-228600" algn="l" defTabSz="914400" rtl="0" eaLnBrk="1" latinLnBrk="0" hangingPunct="1">
-        <a:lnSpc>
-          <a:spcPct val="90000"/>
-        </a:lnSpc>
+      <a:lvl2pPr marL="742950" indent="-285750" algn="l" defTabSz="457200" rtl="0" eaLnBrk="1" latinLnBrk="0" hangingPunct="1">
         <a:spcBef>
-          <a:spcPts val="500"/>
+          <a:spcPct val="20000"/>
         </a:spcBef>
-        <a:buFont typeface="Arial" panose="020B0604020202020204" pitchFamily="34" charset="0"/>
+        <a:spcAft>
+          <a:spcPts val="600"/>
+        </a:spcAft>
+        <a:buClr>
+          <a:schemeClr val="accent1"/>
+        </a:buClr>
+        <a:buSzPct val="115000"/>
+        <a:buFont typeface="Arial"/>
         <a:buChar char="•"/>
-        <a:defRPr sz="2400" kern="1200">
+        <a:defRPr sz="2000" kern="1200" cap="none">
           <a:solidFill>
-            <a:schemeClr val="tx1"/>
+            <a:schemeClr val="tx1">
+              <a:lumMod val="85000"/>
+              <a:lumOff val="15000"/>
+            </a:schemeClr>
           </a:solidFill>
+          <a:effectLst/>
           <a:latin typeface="+mn-lt"/>
           <a:ea typeface="+mn-ea"/>
           <a:cs typeface="+mn-cs"/>
         </a:defRPr>
       </a:lvl2pPr>
-      <a:lvl3pPr marL="1143000" indent="-228600" algn="l" defTabSz="914400" rtl="0" eaLnBrk="1" latinLnBrk="0" hangingPunct="1">
-        <a:lnSpc>
-          <a:spcPct val="90000"/>
-        </a:lnSpc>
+      <a:lvl3pPr marL="1200150" indent="-285750" algn="l" defTabSz="457200" rtl="0" eaLnBrk="1" latinLnBrk="0" hangingPunct="1">
         <a:spcBef>
-          <a:spcPts val="500"/>
+          <a:spcPct val="20000"/>
         </a:spcBef>
-        <a:buFont typeface="Arial" panose="020B0604020202020204" pitchFamily="34" charset="0"/>
+        <a:spcAft>
+          <a:spcPts val="600"/>
+        </a:spcAft>
+        <a:buClr>
+          <a:schemeClr val="accent1"/>
+        </a:buClr>
+        <a:buSzPct val="115000"/>
+        <a:buFont typeface="Arial"/>
         <a:buChar char="•"/>
-        <a:defRPr sz="2000" kern="1200">
+        <a:defRPr sz="1800" kern="1200" cap="none">
           <a:solidFill>
-            <a:schemeClr val="tx1"/>
+            <a:schemeClr val="tx1">
+              <a:lumMod val="85000"/>
+              <a:lumOff val="15000"/>
+            </a:schemeClr>
           </a:solidFill>
+          <a:effectLst/>
           <a:latin typeface="+mn-lt"/>
           <a:ea typeface="+mn-ea"/>
           <a:cs typeface="+mn-cs"/>
         </a:defRPr>
       </a:lvl3pPr>
-      <a:lvl4pPr marL="1600200" indent="-228600" algn="l" defTabSz="914400" rtl="0" eaLnBrk="1" latinLnBrk="0" hangingPunct="1">
-        <a:lnSpc>
-          <a:spcPct val="90000"/>
-        </a:lnSpc>
+      <a:lvl4pPr marL="1543050" indent="-171450" algn="l" defTabSz="457200" rtl="0" eaLnBrk="1" latinLnBrk="0" hangingPunct="1">
         <a:spcBef>
-          <a:spcPts val="500"/>
+          <a:spcPct val="20000"/>
         </a:spcBef>
-        <a:buFont typeface="Arial" panose="020B0604020202020204" pitchFamily="34" charset="0"/>
+        <a:spcAft>
+          <a:spcPts val="600"/>
+        </a:spcAft>
+        <a:buClr>
+          <a:schemeClr val="accent1"/>
+        </a:buClr>
+        <a:buSzPct val="115000"/>
+        <a:buFont typeface="Arial"/>
         <a:buChar char="•"/>
-        <a:defRPr sz="1800" kern="1200">
+        <a:defRPr sz="1600" kern="1200" cap="none">
           <a:solidFill>
-            <a:schemeClr val="tx1"/>
+            <a:schemeClr val="tx1">
+              <a:lumMod val="85000"/>
+              <a:lumOff val="15000"/>
+            </a:schemeClr>
           </a:solidFill>
+          <a:effectLst/>
           <a:latin typeface="+mn-lt"/>
           <a:ea typeface="+mn-ea"/>
           <a:cs typeface="+mn-cs"/>
         </a:defRPr>
       </a:lvl4pPr>
-      <a:lvl5pPr marL="2057400" indent="-228600" algn="l" defTabSz="914400" rtl="0" eaLnBrk="1" latinLnBrk="0" hangingPunct="1">
-        <a:lnSpc>
-          <a:spcPct val="90000"/>
-        </a:lnSpc>
+      <a:lvl5pPr marL="2000250" indent="-171450" algn="l" defTabSz="457200" rtl="0" eaLnBrk="1" latinLnBrk="0" hangingPunct="1">
         <a:spcBef>
-          <a:spcPts val="500"/>
+          <a:spcPct val="20000"/>
         </a:spcBef>
-        <a:buFont typeface="Arial" panose="020B0604020202020204" pitchFamily="34" charset="0"/>
+        <a:spcAft>
+          <a:spcPts val="600"/>
+        </a:spcAft>
+        <a:buClr>
+          <a:schemeClr val="accent1"/>
+        </a:buClr>
+        <a:buSzPct val="115000"/>
+        <a:buFont typeface="Arial"/>
         <a:buChar char="•"/>
-        <a:defRPr sz="1800" kern="1200">
+        <a:defRPr sz="1400" kern="1200" cap="none">
           <a:solidFill>
-            <a:schemeClr val="tx1"/>
+            <a:schemeClr val="tx1">
+              <a:lumMod val="85000"/>
+              <a:lumOff val="15000"/>
+            </a:schemeClr>
           </a:solidFill>
+          <a:effectLst/>
           <a:latin typeface="+mn-lt"/>
           <a:ea typeface="+mn-ea"/>
           <a:cs typeface="+mn-cs"/>
         </a:defRPr>
       </a:lvl5pPr>
-      <a:lvl6pPr marL="2514600" indent="-228600" algn="l" defTabSz="914400" rtl="0" eaLnBrk="1" latinLnBrk="0" hangingPunct="1">
-        <a:lnSpc>
-          <a:spcPct val="90000"/>
-        </a:lnSpc>
+      <a:lvl6pPr marL="2514600" indent="-228600" algn="l" defTabSz="457200" rtl="0" eaLnBrk="1" latinLnBrk="0" hangingPunct="1">
         <a:spcBef>
-          <a:spcPts val="500"/>
+          <a:spcPct val="20000"/>
         </a:spcBef>
-        <a:buFont typeface="Arial" panose="020B0604020202020204" pitchFamily="34" charset="0"/>
+        <a:spcAft>
+          <a:spcPts val="600"/>
+        </a:spcAft>
+        <a:buClr>
+          <a:schemeClr val="accent1"/>
+        </a:buClr>
+        <a:buSzPct val="115000"/>
+        <a:buFont typeface="Arial"/>
         <a:buChar char="•"/>
-        <a:defRPr sz="1800" kern="1200">
+        <a:defRPr sz="1400" kern="1200" cap="none">
           <a:solidFill>
-            <a:schemeClr val="tx1"/>
+            <a:schemeClr val="tx1">
+              <a:lumMod val="85000"/>
+              <a:lumOff val="15000"/>
+            </a:schemeClr>
           </a:solidFill>
+          <a:effectLst/>
           <a:latin typeface="+mn-lt"/>
           <a:ea typeface="+mn-ea"/>
           <a:cs typeface="+mn-cs"/>
         </a:defRPr>
       </a:lvl6pPr>
-      <a:lvl7pPr marL="2971800" indent="-228600" algn="l" defTabSz="914400" rtl="0" eaLnBrk="1" latinLnBrk="0" hangingPunct="1">
-        <a:lnSpc>
-          <a:spcPct val="90000"/>
-        </a:lnSpc>
+      <a:lvl7pPr marL="2971800" indent="-228600" algn="l" defTabSz="457200" rtl="0" eaLnBrk="1" latinLnBrk="0" hangingPunct="1">
         <a:spcBef>
-          <a:spcPts val="500"/>
+          <a:spcPct val="20000"/>
         </a:spcBef>
-        <a:buFont typeface="Arial" panose="020B0604020202020204" pitchFamily="34" charset="0"/>
+        <a:spcAft>
+          <a:spcPts val="600"/>
+        </a:spcAft>
+        <a:buClr>
+          <a:schemeClr val="accent1"/>
+        </a:buClr>
+        <a:buSzPct val="115000"/>
+        <a:buFont typeface="Arial"/>
         <a:buChar char="•"/>
-        <a:defRPr sz="1800" kern="1200">
+        <a:defRPr sz="1400" kern="1200" cap="none">
           <a:solidFill>
-            <a:schemeClr val="tx1"/>
+            <a:schemeClr val="tx1">
+              <a:lumMod val="85000"/>
+              <a:lumOff val="15000"/>
+            </a:schemeClr>
           </a:solidFill>
+          <a:effectLst/>
           <a:latin typeface="+mn-lt"/>
           <a:ea typeface="+mn-ea"/>
           <a:cs typeface="+mn-cs"/>
         </a:defRPr>
       </a:lvl7pPr>
-      <a:lvl8pPr marL="3429000" indent="-228600" algn="l" defTabSz="914400" rtl="0" eaLnBrk="1" latinLnBrk="0" hangingPunct="1">
-        <a:lnSpc>
-          <a:spcPct val="90000"/>
-        </a:lnSpc>
+      <a:lvl8pPr marL="3429000" indent="-228600" algn="l" defTabSz="457200" rtl="0" eaLnBrk="1" latinLnBrk="0" hangingPunct="1">
         <a:spcBef>
-          <a:spcPts val="500"/>
+          <a:spcPct val="20000"/>
         </a:spcBef>
-        <a:buFont typeface="Arial" panose="020B0604020202020204" pitchFamily="34" charset="0"/>
+        <a:spcAft>
+          <a:spcPts val="600"/>
+        </a:spcAft>
+        <a:buClr>
+          <a:schemeClr val="accent1"/>
+        </a:buClr>
+        <a:buSzPct val="115000"/>
+        <a:buFont typeface="Arial"/>
         <a:buChar char="•"/>
-        <a:defRPr sz="1800" kern="1200">
+        <a:defRPr sz="1400" kern="1200" cap="none">
           <a:solidFill>
-            <a:schemeClr val="tx1"/>
+            <a:schemeClr val="tx1">
+              <a:lumMod val="85000"/>
+              <a:lumOff val="15000"/>
+            </a:schemeClr>
           </a:solidFill>
+          <a:effectLst/>
           <a:latin typeface="+mn-lt"/>
           <a:ea typeface="+mn-ea"/>
           <a:cs typeface="+mn-cs"/>
         </a:defRPr>
       </a:lvl8pPr>
-      <a:lvl9pPr marL="3886200" indent="-228600" algn="l" defTabSz="914400" rtl="0" eaLnBrk="1" latinLnBrk="0" hangingPunct="1">
-        <a:lnSpc>
-          <a:spcPct val="90000"/>
-        </a:lnSpc>
+      <a:lvl9pPr marL="3886200" indent="-228600" algn="l" defTabSz="457200" rtl="0" eaLnBrk="1" latinLnBrk="0" hangingPunct="1">
         <a:spcBef>
-          <a:spcPts val="500"/>
+          <a:spcPct val="20000"/>
         </a:spcBef>
-        <a:buFont typeface="Arial" panose="020B0604020202020204" pitchFamily="34" charset="0"/>
+        <a:spcAft>
+          <a:spcPts val="600"/>
+        </a:spcAft>
+        <a:buClr>
+          <a:schemeClr val="accent1"/>
+        </a:buClr>
+        <a:buSzPct val="115000"/>
+        <a:buFont typeface="Arial"/>
         <a:buChar char="•"/>
-        <a:defRPr sz="1800" kern="1200">
+        <a:defRPr sz="1400" kern="1200" cap="none">
           <a:solidFill>
-            <a:schemeClr val="tx1"/>
+            <a:schemeClr val="tx1">
+              <a:lumMod val="85000"/>
+              <a:lumOff val="15000"/>
+            </a:schemeClr>
           </a:solidFill>
+          <a:effectLst/>
           <a:latin typeface="+mn-lt"/>
           <a:ea typeface="+mn-ea"/>
           <a:cs typeface="+mn-cs"/>
@@ -2885,7 +5776,7 @@
       <a:defPPr>
         <a:defRPr lang="en-US"/>
       </a:defPPr>
-      <a:lvl1pPr marL="0" algn="l" defTabSz="914400" rtl="0" eaLnBrk="1" latinLnBrk="0" hangingPunct="1">
+      <a:lvl1pPr marL="0" algn="l" defTabSz="457200" rtl="0" eaLnBrk="1" latinLnBrk="0" hangingPunct="1">
         <a:defRPr sz="1800" kern="1200">
           <a:solidFill>
             <a:schemeClr val="tx1"/>
@@ -2895,7 +5786,7 @@
           <a:cs typeface="+mn-cs"/>
         </a:defRPr>
       </a:lvl1pPr>
-      <a:lvl2pPr marL="457200" algn="l" defTabSz="914400" rtl="0" eaLnBrk="1" latinLnBrk="0" hangingPunct="1">
+      <a:lvl2pPr marL="457200" algn="l" defTabSz="457200" rtl="0" eaLnBrk="1" latinLnBrk="0" hangingPunct="1">
         <a:defRPr sz="1800" kern="1200">
           <a:solidFill>
             <a:schemeClr val="tx1"/>
@@ -2905,7 +5796,7 @@
           <a:cs typeface="+mn-cs"/>
         </a:defRPr>
       </a:lvl2pPr>
-      <a:lvl3pPr marL="914400" algn="l" defTabSz="914400" rtl="0" eaLnBrk="1" latinLnBrk="0" hangingPunct="1">
+      <a:lvl3pPr marL="914400" algn="l" defTabSz="457200" rtl="0" eaLnBrk="1" latinLnBrk="0" hangingPunct="1">
         <a:defRPr sz="1800" kern="1200">
           <a:solidFill>
             <a:schemeClr val="tx1"/>
@@ -2915,7 +5806,7 @@
           <a:cs typeface="+mn-cs"/>
         </a:defRPr>
       </a:lvl3pPr>
-      <a:lvl4pPr marL="1371600" algn="l" defTabSz="914400" rtl="0" eaLnBrk="1" latinLnBrk="0" hangingPunct="1">
+      <a:lvl4pPr marL="1371600" algn="l" defTabSz="457200" rtl="0" eaLnBrk="1" latinLnBrk="0" hangingPunct="1">
         <a:defRPr sz="1800" kern="1200">
           <a:solidFill>
             <a:schemeClr val="tx1"/>
@@ -2925,7 +5816,7 @@
           <a:cs typeface="+mn-cs"/>
         </a:defRPr>
       </a:lvl4pPr>
-      <a:lvl5pPr marL="1828800" algn="l" defTabSz="914400" rtl="0" eaLnBrk="1" latinLnBrk="0" hangingPunct="1">
+      <a:lvl5pPr marL="1828800" algn="l" defTabSz="457200" rtl="0" eaLnBrk="1" latinLnBrk="0" hangingPunct="1">
         <a:defRPr sz="1800" kern="1200">
           <a:solidFill>
             <a:schemeClr val="tx1"/>
@@ -2935,7 +5826,7 @@
           <a:cs typeface="+mn-cs"/>
         </a:defRPr>
       </a:lvl5pPr>
-      <a:lvl6pPr marL="2286000" algn="l" defTabSz="914400" rtl="0" eaLnBrk="1" latinLnBrk="0" hangingPunct="1">
+      <a:lvl6pPr marL="2286000" algn="l" defTabSz="457200" rtl="0" eaLnBrk="1" latinLnBrk="0" hangingPunct="1">
         <a:defRPr sz="1800" kern="1200">
           <a:solidFill>
             <a:schemeClr val="tx1"/>
@@ -2945,7 +5836,7 @@
           <a:cs typeface="+mn-cs"/>
         </a:defRPr>
       </a:lvl6pPr>
-      <a:lvl7pPr marL="2743200" algn="l" defTabSz="914400" rtl="0" eaLnBrk="1" latinLnBrk="0" hangingPunct="1">
+      <a:lvl7pPr marL="2743200" algn="l" defTabSz="457200" rtl="0" eaLnBrk="1" latinLnBrk="0" hangingPunct="1">
         <a:defRPr sz="1800" kern="1200">
           <a:solidFill>
             <a:schemeClr val="tx1"/>
@@ -2955,7 +5846,7 @@
           <a:cs typeface="+mn-cs"/>
         </a:defRPr>
       </a:lvl7pPr>
-      <a:lvl8pPr marL="3200400" algn="l" defTabSz="914400" rtl="0" eaLnBrk="1" latinLnBrk="0" hangingPunct="1">
+      <a:lvl8pPr marL="3200400" algn="l" defTabSz="457200" rtl="0" eaLnBrk="1" latinLnBrk="0" hangingPunct="1">
         <a:defRPr sz="1800" kern="1200">
           <a:solidFill>
             <a:schemeClr val="tx1"/>
@@ -2965,7 +5856,7 @@
           <a:cs typeface="+mn-cs"/>
         </a:defRPr>
       </a:lvl8pPr>
-      <a:lvl9pPr marL="3657600" algn="l" defTabSz="914400" rtl="0" eaLnBrk="1" latinLnBrk="0" hangingPunct="1">
+      <a:lvl9pPr marL="3657600" algn="l" defTabSz="457200" rtl="0" eaLnBrk="1" latinLnBrk="0" hangingPunct="1">
         <a:defRPr sz="1800" kern="1200">
           <a:solidFill>
             <a:schemeClr val="tx1"/>
@@ -3015,7 +5906,7 @@
           <a:lstStyle/>
           <a:p>
             <a:r>
-              <a:rPr lang="en-US" sz="8000" b="1" dirty="0" smtClean="0"/>
+              <a:rPr lang="en-US" sz="8000" b="1" dirty="0"/>
               <a:t>Python Strings</a:t>
             </a:r>
             <a:endParaRPr lang="en-IN" sz="8000" b="1" dirty="0"/>
@@ -3107,42 +5998,25 @@
         <p:spPr/>
         <p:txBody>
           <a:bodyPr>
-            <a:normAutofit fontScale="92500" lnSpcReduction="20000"/>
+            <a:normAutofit fontScale="77500" lnSpcReduction="20000"/>
           </a:bodyPr>
           <a:lstStyle/>
           <a:p>
             <a:r>
               <a:rPr lang="en-US" dirty="0"/>
-              <a:t>Characters in a string can be accessed using the standard [ ] </a:t>
-            </a:r>
-            <a:r>
-              <a:rPr lang="en-US" dirty="0" smtClean="0"/>
-              <a:t>syntax.</a:t>
-            </a:r>
-          </a:p>
-          <a:p>
-            <a:r>
-              <a:rPr lang="en-US" dirty="0" smtClean="0"/>
-              <a:t>Python </a:t>
-            </a:r>
+              <a:t>Characters in a string can be accessed using the standard [ ] syntax.</a:t>
+            </a:r>
+          </a:p>
+          <a:p>
             <a:r>
               <a:rPr lang="en-US" dirty="0"/>
-              <a:t>uses zero-based indexing, so if s is 'hello' s[1] is 'e'. </a:t>
-            </a:r>
-            <a:endParaRPr lang="en-US" dirty="0" smtClean="0"/>
-          </a:p>
-          <a:p>
-            <a:r>
-              <a:rPr lang="en-US" dirty="0" smtClean="0"/>
-              <a:t>If </a:t>
-            </a:r>
+              <a:t>Python uses zero-based indexing, so if s is 'hello' s[1] is 'e'. </a:t>
+            </a:r>
+          </a:p>
+          <a:p>
             <a:r>
               <a:rPr lang="en-US" dirty="0"/>
-              <a:t>the index is out of bounds for the string, Python raises an error</a:t>
-            </a:r>
-            <a:r>
-              <a:rPr lang="en-US" dirty="0" smtClean="0"/>
-              <a:t>.</a:t>
+              <a:t>If the index is out of bounds for the string, Python raises an error.</a:t>
             </a:r>
           </a:p>
           <a:p>
@@ -3212,7 +6086,7 @@
         </p:blipFill>
         <p:spPr>
           <a:xfrm>
-            <a:off x="3714669" y="5277172"/>
+            <a:off x="2124409" y="5521837"/>
             <a:ext cx="7381875" cy="1249928"/>
           </a:xfrm>
           <a:prstGeom prst="rect">
@@ -3266,10 +6140,9 @@
           <a:lstStyle/>
           <a:p>
             <a:r>
-              <a:rPr lang="en-IN" b="1" dirty="0" smtClean="0"/>
+              <a:rPr lang="en-IN" b="1" dirty="0"/>
               <a:t>String Length</a:t>
             </a:r>
-            <a:endParaRPr lang="en-IN" b="1" dirty="0"/>
           </a:p>
         </p:txBody>
       </p:sp>
@@ -3289,29 +6162,29 @@
           <a:lstStyle/>
           <a:p>
             <a:r>
-              <a:rPr lang="en-US" dirty="0" smtClean="0"/>
+              <a:rPr lang="en-US" dirty="0"/>
               <a:t>To get the length of a string, use the </a:t>
             </a:r>
             <a:r>
-              <a:rPr lang="en-US" dirty="0" err="1" smtClean="0"/>
+              <a:rPr lang="en-US" dirty="0" err="1"/>
               <a:t>len</a:t>
             </a:r>
             <a:r>
-              <a:rPr lang="en-US" dirty="0" smtClean="0"/>
+              <a:rPr lang="en-US" dirty="0"/>
               <a:t>() function.</a:t>
             </a:r>
           </a:p>
           <a:p>
             <a:r>
-              <a:rPr lang="en-US" dirty="0" smtClean="0"/>
+              <a:rPr lang="en-US" dirty="0"/>
               <a:t>The </a:t>
             </a:r>
             <a:r>
-              <a:rPr lang="en-US" dirty="0" err="1" smtClean="0"/>
+              <a:rPr lang="en-US" dirty="0" err="1"/>
               <a:t>len</a:t>
             </a:r>
             <a:r>
-              <a:rPr lang="en-US" dirty="0" smtClean="0"/>
+              <a:rPr lang="en-US" dirty="0"/>
               <a:t>() function returns the length of a string:</a:t>
             </a:r>
           </a:p>
@@ -3320,15 +6193,15 @@
               <a:buNone/>
             </a:pPr>
             <a:r>
-              <a:rPr lang="en-US" b="1" dirty="0" smtClean="0"/>
+              <a:rPr lang="en-US" b="1" dirty="0"/>
               <a:t>a = "Hello</a:t>
             </a:r>
             <a:r>
-              <a:rPr lang="en-US" b="1" smtClean="0"/>
+              <a:rPr lang="en-US" b="1"/>
               <a:t>, World</a:t>
             </a:r>
             <a:r>
-              <a:rPr lang="en-US" b="1" dirty="0" smtClean="0"/>
+              <a:rPr lang="en-US" b="1" dirty="0"/>
               <a:t>!"</a:t>
             </a:r>
           </a:p>
@@ -3337,15 +6210,15 @@
               <a:buNone/>
             </a:pPr>
             <a:r>
-              <a:rPr lang="en-US" b="1" smtClean="0"/>
+              <a:rPr lang="en-US" b="1"/>
               <a:t>print(</a:t>
             </a:r>
             <a:r>
-              <a:rPr lang="en-US" b="1" err="1" smtClean="0"/>
+              <a:rPr lang="en-US" b="1" err="1"/>
               <a:t>len</a:t>
             </a:r>
             <a:r>
-              <a:rPr lang="en-US" b="1" smtClean="0"/>
+              <a:rPr lang="en-US" b="1"/>
               <a:t>(a))</a:t>
             </a:r>
           </a:p>
@@ -3360,7 +6233,7 @@
               <a:buNone/>
             </a:pPr>
             <a:r>
-              <a:rPr lang="en-US" b="1" smtClean="0"/>
+              <a:rPr lang="en-US" b="1"/>
               <a:t>OUTPUT: 13</a:t>
             </a:r>
             <a:endParaRPr lang="en-IN" b="1" dirty="0"/>
@@ -3413,10 +6286,9 @@
           <a:lstStyle/>
           <a:p>
             <a:r>
-              <a:rPr lang="en-IN" b="1" dirty="0" smtClean="0"/>
+              <a:rPr lang="en-IN" b="1" dirty="0"/>
               <a:t>Check String</a:t>
             </a:r>
-            <a:endParaRPr lang="en-IN" b="1" dirty="0"/>
           </a:p>
         </p:txBody>
       </p:sp>
@@ -3432,32 +6304,32 @@
         </p:nvSpPr>
         <p:spPr>
           <a:xfrm>
-            <a:off x="324740" y="1572426"/>
-            <a:ext cx="11029060" cy="5076202"/>
+            <a:off x="1348411" y="2612662"/>
+            <a:ext cx="10035206" cy="3377321"/>
           </a:xfrm>
         </p:spPr>
         <p:txBody>
           <a:bodyPr>
-            <a:normAutofit lnSpcReduction="10000"/>
+            <a:normAutofit fontScale="70000" lnSpcReduction="20000"/>
           </a:bodyPr>
           <a:lstStyle/>
           <a:p>
             <a:r>
-              <a:rPr lang="en-US" dirty="0" smtClean="0"/>
+              <a:rPr lang="en-US" dirty="0"/>
               <a:t>To check if a certain phrase or character is present in a string, we can use the </a:t>
             </a:r>
             <a:r>
-              <a:rPr lang="en-US" b="1" dirty="0" smtClean="0"/>
+              <a:rPr lang="en-US" b="1" dirty="0"/>
               <a:t>keyword in</a:t>
             </a:r>
             <a:r>
-              <a:rPr lang="en-US" dirty="0" smtClean="0"/>
+              <a:rPr lang="en-US" dirty="0"/>
               <a:t>.</a:t>
             </a:r>
           </a:p>
           <a:p>
             <a:r>
-              <a:rPr lang="en-US" dirty="0" smtClean="0"/>
+              <a:rPr lang="en-US" dirty="0"/>
               <a:t>Check if "free" is present in the following text:</a:t>
             </a:r>
           </a:p>
@@ -3466,7 +6338,7 @@
               <a:buNone/>
             </a:pPr>
             <a:r>
-              <a:rPr lang="en-US" b="1" dirty="0" smtClean="0"/>
+              <a:rPr lang="en-US" b="1" dirty="0"/>
               <a:t>txt = "The best things in life are free!"</a:t>
             </a:r>
           </a:p>
@@ -3475,12 +6347,8 @@
               <a:buNone/>
             </a:pPr>
             <a:r>
-              <a:rPr lang="en-US" b="1" dirty="0" smtClean="0"/>
-              <a:t>print("free" in </a:t>
-            </a:r>
-            <a:r>
-              <a:rPr lang="en-US" b="1" smtClean="0"/>
-              <a:t>txt)</a:t>
+              <a:rPr lang="en-US" b="1" dirty="0"/>
+              <a:t>print("free" in txt)</a:t>
             </a:r>
           </a:p>
           <a:p>
@@ -3488,10 +6356,9 @@
               <a:buNone/>
             </a:pPr>
             <a:r>
-              <a:rPr lang="en-US" u="sng" smtClean="0"/>
+              <a:rPr lang="en-US" u="sng" dirty="0"/>
               <a:t>OUTPUT: True</a:t>
             </a:r>
-            <a:endParaRPr lang="en-US" u="sng" dirty="0" smtClean="0"/>
           </a:p>
           <a:p>
             <a:r>
@@ -3519,15 +6386,7 @@
             </a:br>
             <a:r>
               <a:rPr lang="en-US" b="1" dirty="0"/>
-              <a:t>  print("Yes, 'free' is </a:t>
-            </a:r>
-            <a:r>
-              <a:rPr lang="en-US" b="1"/>
-              <a:t>present</a:t>
-            </a:r>
-            <a:r>
-              <a:rPr lang="en-US" b="1" smtClean="0"/>
-              <a:t>.")</a:t>
+              <a:t>  print("Yes, 'free' is present.")</a:t>
             </a:r>
           </a:p>
           <a:p>
@@ -3535,10 +6394,9 @@
               <a:buNone/>
             </a:pPr>
             <a:r>
-              <a:rPr lang="en-US" u="sng"/>
+              <a:rPr lang="en-US" u="sng" dirty="0"/>
               <a:t>OUTPUT: Yes, 'free' is present.</a:t>
             </a:r>
-            <a:endParaRPr lang="en-US" u="sng" dirty="0"/>
           </a:p>
           <a:p>
             <a:pPr marL="0" indent="0">
@@ -3594,10 +6452,9 @@
           <a:lstStyle/>
           <a:p>
             <a:r>
-              <a:rPr lang="en-IN" b="1" dirty="0" smtClean="0"/>
+              <a:rPr lang="en-IN" b="1" dirty="0"/>
               <a:t>Check if NOT</a:t>
             </a:r>
-            <a:endParaRPr lang="en-IN" b="1" dirty="0"/>
           </a:p>
         </p:txBody>
       </p:sp>
@@ -3613,8 +6470,8 @@
         </p:nvSpPr>
         <p:spPr>
           <a:xfrm>
-            <a:off x="299103" y="1825625"/>
-            <a:ext cx="11054697" cy="4351338"/>
+            <a:off x="1391478" y="2597426"/>
+            <a:ext cx="9766852" cy="3432314"/>
           </a:xfrm>
         </p:spPr>
         <p:txBody>
@@ -3624,21 +6481,21 @@
           <a:lstStyle/>
           <a:p>
             <a:r>
-              <a:rPr lang="en-US" dirty="0" smtClean="0"/>
+              <a:rPr lang="en-US" dirty="0"/>
               <a:t>To check if a certain phrase or character is NOT present in a string, we can use the </a:t>
             </a:r>
             <a:r>
-              <a:rPr lang="en-US" b="1" u="sng" dirty="0" smtClean="0"/>
+              <a:rPr lang="en-US" b="1" u="sng" dirty="0"/>
               <a:t>keyword not in</a:t>
             </a:r>
             <a:r>
-              <a:rPr lang="en-US" dirty="0" smtClean="0"/>
+              <a:rPr lang="en-US" dirty="0"/>
               <a:t>.</a:t>
             </a:r>
           </a:p>
           <a:p>
             <a:r>
-              <a:rPr lang="en-US" dirty="0" smtClean="0"/>
+              <a:rPr lang="en-US" dirty="0"/>
               <a:t>Check if "expensive" is NOT present in the following text:</a:t>
             </a:r>
           </a:p>
@@ -3647,7 +6504,7 @@
               <a:buNone/>
             </a:pPr>
             <a:r>
-              <a:rPr lang="en-US" b="1" dirty="0" smtClean="0"/>
+              <a:rPr lang="en-US" b="1" dirty="0"/>
               <a:t>txt = "The best things in life are free!"</a:t>
             </a:r>
           </a:p>
@@ -3656,26 +6513,22 @@
               <a:buNone/>
             </a:pPr>
             <a:r>
-              <a:rPr lang="en-US" b="1" dirty="0" smtClean="0"/>
-              <a:t>print("expensive" not in </a:t>
-            </a:r>
-            <a:r>
-              <a:rPr lang="en-US" b="1" smtClean="0"/>
-              <a:t>txt)</a:t>
+              <a:rPr lang="en-US" b="1" dirty="0"/>
+              <a:t>print("expensive" not in txt)</a:t>
             </a:r>
           </a:p>
           <a:p>
             <a:pPr marL="0" indent="0">
               <a:buNone/>
             </a:pPr>
-            <a:endParaRPr lang="en-US" b="1"/>
+            <a:endParaRPr lang="en-US" b="1" dirty="0"/>
           </a:p>
           <a:p>
             <a:pPr marL="0" indent="0">
               <a:buNone/>
             </a:pPr>
             <a:r>
-              <a:rPr lang="en-US" u="sng" smtClean="0"/>
+              <a:rPr lang="en-US" u="sng" dirty="0"/>
               <a:t>OUTPUT: True</a:t>
             </a:r>
             <a:endParaRPr lang="en-IN" u="sng" dirty="0"/>
@@ -3747,7 +6600,7 @@
           <a:lstStyle/>
           <a:p>
             <a:r>
-              <a:rPr lang="en-US" dirty="0" smtClean="0"/>
+              <a:rPr lang="en-US" dirty="0"/>
               <a:t>print only if "expensive" is NOT present:</a:t>
             </a:r>
           </a:p>
@@ -3756,7 +6609,7 @@
               <a:buNone/>
             </a:pPr>
             <a:r>
-              <a:rPr lang="en-US" b="1" dirty="0" smtClean="0"/>
+              <a:rPr lang="en-US" b="1" dirty="0"/>
               <a:t>txt = "The best things in life are free!"</a:t>
             </a:r>
           </a:p>
@@ -3765,7 +6618,7 @@
               <a:buNone/>
             </a:pPr>
             <a:r>
-              <a:rPr lang="en-US" b="1" dirty="0" smtClean="0"/>
+              <a:rPr lang="en-US" b="1" dirty="0"/>
               <a:t>if "expensive" not in txt:</a:t>
             </a:r>
           </a:p>
@@ -3774,7 +6627,7 @@
               <a:buNone/>
             </a:pPr>
             <a:r>
-              <a:rPr lang="en-US" b="1" dirty="0" smtClean="0"/>
+              <a:rPr lang="en-US" b="1" dirty="0"/>
               <a:t>  print("No, 'expensive' is NOT present.")</a:t>
             </a:r>
             <a:endParaRPr lang="en-IN" b="1" dirty="0"/>
@@ -3828,13 +6681,8 @@
           <a:p>
             <a:r>
               <a:rPr lang="en-IN" b="1" dirty="0"/>
-              <a:t>Slicing </a:t>
-            </a:r>
-            <a:r>
-              <a:rPr lang="en-IN" b="1" dirty="0" smtClean="0"/>
-              <a:t>Strings</a:t>
-            </a:r>
-            <a:endParaRPr lang="en-IN" b="1" dirty="0"/>
+              <a:t>Slicing Strings</a:t>
+            </a:r>
           </a:p>
         </p:txBody>
       </p:sp>
@@ -3850,13 +6698,13 @@
         </p:nvSpPr>
         <p:spPr>
           <a:xfrm>
-            <a:off x="222191" y="1555335"/>
-            <a:ext cx="11442818" cy="4990744"/>
+            <a:off x="1295402" y="2464904"/>
+            <a:ext cx="9478616" cy="3551584"/>
           </a:xfrm>
         </p:spPr>
         <p:txBody>
           <a:bodyPr>
-            <a:normAutofit/>
+            <a:normAutofit fontScale="92500" lnSpcReduction="20000"/>
           </a:bodyPr>
           <a:lstStyle/>
           <a:p>
@@ -3864,33 +6712,33 @@
               <a:buNone/>
             </a:pPr>
             <a:r>
-              <a:rPr lang="en-US" b="1" dirty="0" smtClean="0"/>
+              <a:rPr lang="en-US" b="1" dirty="0"/>
               <a:t>Slicing</a:t>
             </a:r>
           </a:p>
           <a:p>
             <a:r>
-              <a:rPr lang="en-US" dirty="0" smtClean="0"/>
+              <a:rPr lang="en-US" dirty="0"/>
               <a:t>You can </a:t>
             </a:r>
             <a:r>
-              <a:rPr lang="en-US" b="1" dirty="0" smtClean="0"/>
+              <a:rPr lang="en-US" b="1" dirty="0"/>
               <a:t>return a range of characters </a:t>
             </a:r>
             <a:r>
-              <a:rPr lang="en-US" dirty="0" smtClean="0"/>
+              <a:rPr lang="en-US" dirty="0"/>
               <a:t>by using the slice syntax.</a:t>
             </a:r>
           </a:p>
           <a:p>
             <a:r>
-              <a:rPr lang="en-US" b="1" u="sng" dirty="0" smtClean="0"/>
+              <a:rPr lang="en-US" b="1" u="sng" dirty="0"/>
               <a:t>Specify the start index and the end index, separated by a colon, to return a part of the string.</a:t>
             </a:r>
           </a:p>
           <a:p>
             <a:r>
-              <a:rPr lang="en-US" dirty="0" smtClean="0"/>
+              <a:rPr lang="en-US" dirty="0"/>
               <a:t>Get the characters from position 2 to position 5 (not included):</a:t>
             </a:r>
           </a:p>
@@ -3899,7 +6747,7 @@
               <a:buNone/>
             </a:pPr>
             <a:r>
-              <a:rPr lang="en-US" b="1" dirty="0" smtClean="0"/>
+              <a:rPr lang="en-US" b="1" dirty="0"/>
               <a:t>b = "Hello, World!"</a:t>
             </a:r>
           </a:p>
@@ -3908,7 +6756,7 @@
               <a:buNone/>
             </a:pPr>
             <a:r>
-              <a:rPr lang="en-US" b="1" dirty="0" smtClean="0"/>
+              <a:rPr lang="en-US" b="1" dirty="0"/>
               <a:t>print(b[2:5])</a:t>
             </a:r>
           </a:p>
@@ -3922,15 +6770,7 @@
             </a:r>
             <a:r>
               <a:rPr lang="en-US" dirty="0"/>
-              <a:t>The first character has index </a:t>
-            </a:r>
-            <a:r>
-              <a:rPr lang="en-US"/>
-              <a:t>0</a:t>
-            </a:r>
-            <a:r>
-              <a:rPr lang="en-US" smtClean="0"/>
-              <a:t>.</a:t>
+              <a:t>The first character has index 0.</a:t>
             </a:r>
           </a:p>
           <a:p>
@@ -3938,8 +6778,12 @@
               <a:buNone/>
             </a:pPr>
             <a:r>
-              <a:rPr lang="en-US" smtClean="0"/>
-              <a:t>OUTPUT: llo</a:t>
+              <a:rPr lang="en-US" dirty="0"/>
+              <a:t>OUTPUT: </a:t>
+            </a:r>
+            <a:r>
+              <a:rPr lang="en-US" dirty="0" err="1"/>
+              <a:t>llo</a:t>
             </a:r>
             <a:endParaRPr lang="en-IN" dirty="0"/>
           </a:p>
@@ -3987,15 +6831,17 @@
         </p:nvSpPr>
         <p:spPr/>
         <p:txBody>
-          <a:bodyPr/>
-          <a:lstStyle/>
-          <a:p>
-            <a:r>
-              <a:rPr lang="en-IN" b="1" dirty="0" smtClean="0"/>
+          <a:bodyPr>
+            <a:normAutofit fontScale="90000"/>
+          </a:bodyPr>
+          <a:lstStyle/>
+          <a:p>
+            <a:r>
+              <a:rPr lang="en-IN" b="1" dirty="0"/>
               <a:t>Slice From the Start</a:t>
             </a:r>
             <a:br>
-              <a:rPr lang="en-IN" b="1" dirty="0" smtClean="0"/>
+              <a:rPr lang="en-IN" b="1" dirty="0"/>
             </a:br>
             <a:endParaRPr lang="en-IN" b="1" dirty="0"/>
           </a:p>
@@ -4019,13 +6865,13 @@
           <a:lstStyle/>
           <a:p>
             <a:r>
-              <a:rPr lang="en-US" dirty="0" smtClean="0"/>
+              <a:rPr lang="en-US" dirty="0"/>
               <a:t>By leaving out the start index, the range will start at the first character:</a:t>
             </a:r>
           </a:p>
           <a:p>
             <a:r>
-              <a:rPr lang="en-US" dirty="0" smtClean="0"/>
+              <a:rPr lang="en-US" dirty="0"/>
               <a:t>Get the characters from the start to position 5 (not included):</a:t>
             </a:r>
           </a:p>
@@ -4034,7 +6880,7 @@
               <a:buNone/>
             </a:pPr>
             <a:r>
-              <a:rPr lang="en-US" b="1" dirty="0" smtClean="0"/>
+              <a:rPr lang="en-US" b="1" dirty="0"/>
               <a:t>b = "Hello, World!"</a:t>
             </a:r>
           </a:p>
@@ -4043,7 +6889,7 @@
               <a:buNone/>
             </a:pPr>
             <a:r>
-              <a:rPr lang="en-US" b="1" dirty="0" smtClean="0"/>
+              <a:rPr lang="en-US" b="1" dirty="0"/>
               <a:t>print(b[:5])</a:t>
             </a:r>
             <a:endParaRPr lang="en-IN" b="1" dirty="0"/>
@@ -4092,19 +6938,17 @@
         </p:nvSpPr>
         <p:spPr/>
         <p:txBody>
-          <a:bodyPr/>
-          <a:lstStyle/>
-          <a:p>
-            <a:r>
-              <a:rPr lang="en-IN" b="1" dirty="0" smtClean="0"/>
+          <a:bodyPr>
+            <a:normAutofit fontScale="90000"/>
+          </a:bodyPr>
+          <a:lstStyle/>
+          <a:p>
+            <a:r>
+              <a:rPr lang="en-IN" b="1" dirty="0"/>
               <a:t>Slice To the End</a:t>
             </a:r>
-            <a:r>
-              <a:rPr lang="en-IN" dirty="0" smtClean="0"/>
-              <a:t/>
-            </a:r>
             <a:br>
-              <a:rPr lang="en-IN" dirty="0" smtClean="0"/>
+              <a:rPr lang="en-IN" dirty="0"/>
             </a:br>
             <a:endParaRPr lang="en-IN" dirty="0"/>
           </a:p>
@@ -4126,25 +6970,25 @@
           <a:lstStyle/>
           <a:p>
             <a:r>
-              <a:rPr lang="en-US" dirty="0" smtClean="0"/>
+              <a:rPr lang="en-US" dirty="0"/>
               <a:t>By leaving out the end index, the range will go to the end:</a:t>
             </a:r>
           </a:p>
           <a:p>
             <a:r>
-              <a:rPr lang="en-US" dirty="0" smtClean="0"/>
+              <a:rPr lang="en-US" dirty="0"/>
               <a:t>Get the characters from position 2, and all the way to the end:</a:t>
             </a:r>
           </a:p>
           <a:p>
-            <a:endParaRPr lang="en-US" dirty="0" smtClean="0"/>
+            <a:endParaRPr lang="en-US" dirty="0"/>
           </a:p>
           <a:p>
             <a:pPr marL="0" indent="0">
               <a:buNone/>
             </a:pPr>
             <a:r>
-              <a:rPr lang="en-US" b="1" dirty="0" smtClean="0"/>
+              <a:rPr lang="en-US" b="1" dirty="0"/>
               <a:t>b = "Hello, World!"</a:t>
             </a:r>
           </a:p>
@@ -4153,7 +6997,7 @@
               <a:buNone/>
             </a:pPr>
             <a:r>
-              <a:rPr lang="en-US" b="1" dirty="0" smtClean="0"/>
+              <a:rPr lang="en-US" b="1" dirty="0"/>
               <a:t>print(b[2:])</a:t>
             </a:r>
             <a:endParaRPr lang="en-IN" b="1" dirty="0"/>
@@ -4206,7 +7050,7 @@
           <a:lstStyle/>
           <a:p>
             <a:r>
-              <a:rPr lang="en-US" b="1" dirty="0" smtClean="0"/>
+              <a:rPr lang="en-US" b="1" dirty="0"/>
               <a:t>Negative Indexing</a:t>
             </a:r>
             <a:endParaRPr lang="en-IN" b="1" dirty="0"/>
@@ -4225,25 +7069,19 @@
         </p:nvSpPr>
         <p:spPr>
           <a:xfrm>
-            <a:off x="264920" y="1825625"/>
-            <a:ext cx="11613734" cy="4351338"/>
+            <a:off x="1391478" y="2451653"/>
+            <a:ext cx="9395792" cy="3424216"/>
           </a:xfrm>
         </p:spPr>
         <p:txBody>
-          <a:bodyPr/>
-          <a:lstStyle/>
-          <a:p>
-            <a:r>
-              <a:rPr lang="en-US" dirty="0" smtClean="0"/>
-              <a:t>Use </a:t>
-            </a:r>
+          <a:bodyPr>
+            <a:normAutofit fontScale="92500" lnSpcReduction="10000"/>
+          </a:bodyPr>
+          <a:lstStyle/>
+          <a:p>
             <a:r>
               <a:rPr lang="en-US" dirty="0"/>
-              <a:t>negative indexes to start the slice from the end of the </a:t>
-            </a:r>
-            <a:r>
-              <a:rPr lang="en-US" dirty="0" smtClean="0"/>
-              <a:t>string:</a:t>
+              <a:t>Use negative indexes to start the slice from the end of the string:</a:t>
             </a:r>
           </a:p>
           <a:p>
@@ -4251,12 +7089,8 @@
               <a:buNone/>
             </a:pPr>
             <a:r>
-              <a:rPr lang="en-US" dirty="0" smtClean="0"/>
-              <a:t>Get </a:t>
-            </a:r>
-            <a:r>
               <a:rPr lang="en-US" dirty="0"/>
-              <a:t>the characters:</a:t>
+              <a:t>Get the characters:</a:t>
             </a:r>
           </a:p>
           <a:p>
@@ -4291,15 +7125,19 @@
             <a:pPr marL="0" indent="0">
               <a:buNone/>
             </a:pPr>
-            <a:endParaRPr lang="en-US" u="sng" smtClean="0"/>
+            <a:endParaRPr lang="en-US" u="sng" dirty="0"/>
           </a:p>
           <a:p>
             <a:pPr marL="0" indent="0">
               <a:buNone/>
             </a:pPr>
             <a:r>
-              <a:rPr lang="en-US" u="sng" smtClean="0"/>
-              <a:t>OUTPUT: orl</a:t>
+              <a:rPr lang="en-US" u="sng" dirty="0"/>
+              <a:t>OUTPUT: </a:t>
+            </a:r>
+            <a:r>
+              <a:rPr lang="en-US" u="sng" dirty="0" err="1"/>
+              <a:t>orl</a:t>
             </a:r>
             <a:endParaRPr lang="en-IN" u="sng" dirty="0"/>
           </a:p>
@@ -4345,47 +7183,47 @@
             <p:ph type="title"/>
           </p:nvPr>
         </p:nvSpPr>
-        <p:spPr/>
-        <p:txBody>
-          <a:bodyPr/>
-          <a:lstStyle/>
-          <a:p>
-            <a:r>
-              <a:rPr lang="en-IN" b="1" dirty="0"/>
-              <a:t>Modify </a:t>
-            </a:r>
-            <a:r>
-              <a:rPr lang="en-IN" b="1" dirty="0" smtClean="0"/>
-              <a:t>Strings</a:t>
-            </a:r>
-            <a:endParaRPr lang="en-IN" b="1" dirty="0"/>
-          </a:p>
-        </p:txBody>
-      </p:sp>
-      <p:sp>
-        <p:nvSpPr>
-          <p:cNvPr id="3" name="Content Placeholder 2"/>
-          <p:cNvSpPr>
-            <a:spLocks noGrp="1"/>
-          </p:cNvSpPr>
-          <p:nvPr>
-            <p:ph idx="1"/>
-          </p:nvPr>
-        </p:nvSpPr>
         <p:spPr>
           <a:xfrm>
-            <a:off x="222191" y="1375872"/>
-            <a:ext cx="11571005" cy="5366759"/>
+            <a:off x="1295402" y="982132"/>
+            <a:ext cx="9601196" cy="1303867"/>
           </a:xfrm>
         </p:spPr>
         <p:txBody>
+          <a:bodyPr/>
+          <a:lstStyle/>
+          <a:p>
+            <a:r>
+              <a:rPr lang="en-IN" b="1" dirty="0"/>
+              <a:t>Modify Strings</a:t>
+            </a:r>
+          </a:p>
+        </p:txBody>
+      </p:sp>
+      <p:sp>
+        <p:nvSpPr>
+          <p:cNvPr id="3" name="Content Placeholder 2"/>
+          <p:cNvSpPr>
+            <a:spLocks noGrp="1"/>
+          </p:cNvSpPr>
+          <p:nvPr>
+            <p:ph idx="1"/>
+          </p:nvPr>
+        </p:nvSpPr>
+        <p:spPr>
+          <a:xfrm>
+            <a:off x="1192696" y="2610678"/>
+            <a:ext cx="10018643" cy="3379305"/>
+          </a:xfrm>
+        </p:spPr>
+        <p:txBody>
           <a:bodyPr>
-            <a:normAutofit lnSpcReduction="10000"/>
+            <a:normAutofit fontScale="62500" lnSpcReduction="20000"/>
           </a:bodyPr>
           <a:lstStyle/>
           <a:p>
             <a:r>
-              <a:rPr lang="en-US" dirty="0" smtClean="0"/>
+              <a:rPr lang="en-US" dirty="0"/>
               <a:t>Python has a set of built-in methods that you can use on strings.</a:t>
             </a:r>
           </a:p>
@@ -4394,21 +7232,21 @@
               <a:buNone/>
             </a:pPr>
             <a:r>
-              <a:rPr lang="en-US" b="1" smtClean="0"/>
+              <a:rPr lang="en-US" b="1" dirty="0"/>
               <a:t>UPPER CASE</a:t>
             </a:r>
           </a:p>
           <a:p>
             <a:r>
-              <a:rPr lang="en-US" smtClean="0"/>
+              <a:rPr lang="en-US" dirty="0"/>
               <a:t>The </a:t>
             </a:r>
             <a:r>
-              <a:rPr lang="en-US" b="1" u="sng" dirty="0" smtClean="0"/>
+              <a:rPr lang="en-US" b="1" u="sng" dirty="0"/>
               <a:t>upper() method </a:t>
             </a:r>
             <a:r>
-              <a:rPr lang="en-US" dirty="0" smtClean="0"/>
+              <a:rPr lang="en-US" dirty="0"/>
               <a:t>returns the string in upper case:</a:t>
             </a:r>
           </a:p>
@@ -4417,7 +7255,7 @@
               <a:buNone/>
             </a:pPr>
             <a:r>
-              <a:rPr lang="en-US" b="1" dirty="0" smtClean="0"/>
+              <a:rPr lang="en-US" b="1" dirty="0"/>
               <a:t>a = "Hello, World!"</a:t>
             </a:r>
           </a:p>
@@ -4426,15 +7264,15 @@
               <a:buNone/>
             </a:pPr>
             <a:r>
-              <a:rPr lang="en-US" b="1" dirty="0" smtClean="0"/>
+              <a:rPr lang="en-US" b="1" dirty="0"/>
               <a:t>print(</a:t>
             </a:r>
             <a:r>
-              <a:rPr lang="en-US" b="1" dirty="0" err="1" smtClean="0"/>
+              <a:rPr lang="en-US" b="1" dirty="0" err="1"/>
               <a:t>a.upper</a:t>
             </a:r>
             <a:r>
-              <a:rPr lang="en-US" b="1" dirty="0" smtClean="0"/>
+              <a:rPr lang="en-US" b="1" dirty="0"/>
               <a:t>())</a:t>
             </a:r>
           </a:p>
@@ -4443,16 +7281,12 @@
               <a:buNone/>
             </a:pPr>
             <a:r>
-              <a:rPr lang="en-US" b="1" dirty="0" smtClean="0"/>
+              <a:rPr lang="en-US" b="1" dirty="0"/>
               <a:t>Output: </a:t>
             </a:r>
             <a:r>
               <a:rPr lang="en-IN" dirty="0"/>
-              <a:t>HELLO, WORLD</a:t>
-            </a:r>
-            <a:r>
-              <a:rPr lang="en-IN" dirty="0" smtClean="0"/>
-              <a:t>!</a:t>
+              <a:t>HELLO, WORLD!</a:t>
             </a:r>
           </a:p>
           <a:p>
@@ -4460,7 +7294,7 @@
               <a:buNone/>
             </a:pPr>
             <a:r>
-              <a:rPr lang="en-US" b="1" smtClean="0"/>
+              <a:rPr lang="en-US" b="1" dirty="0"/>
               <a:t>LOWER CASE</a:t>
             </a:r>
           </a:p>
@@ -4469,15 +7303,15 @@
               <a:buNone/>
             </a:pPr>
             <a:r>
-              <a:rPr lang="en-US" smtClean="0"/>
+              <a:rPr lang="en-US" dirty="0"/>
               <a:t>The </a:t>
             </a:r>
             <a:r>
-              <a:rPr lang="en-US" b="1" u="sng" dirty="0" smtClean="0"/>
+              <a:rPr lang="en-US" b="1" u="sng" dirty="0"/>
               <a:t>lower() method </a:t>
             </a:r>
             <a:r>
-              <a:rPr lang="en-US" dirty="0" smtClean="0"/>
+              <a:rPr lang="en-US" dirty="0"/>
               <a:t>returns the string in lower case:</a:t>
             </a:r>
           </a:p>
@@ -4486,7 +7320,7 @@
               <a:buNone/>
             </a:pPr>
             <a:r>
-              <a:rPr lang="en-US" b="1" dirty="0" smtClean="0"/>
+              <a:rPr lang="en-US" b="1" dirty="0"/>
               <a:t>a = "Hello, World!"</a:t>
             </a:r>
           </a:p>
@@ -4495,15 +7329,15 @@
               <a:buNone/>
             </a:pPr>
             <a:r>
-              <a:rPr lang="en-US" b="1" dirty="0" smtClean="0"/>
+              <a:rPr lang="en-US" b="1" dirty="0"/>
               <a:t>print(</a:t>
             </a:r>
             <a:r>
-              <a:rPr lang="en-US" b="1" dirty="0" err="1" smtClean="0"/>
+              <a:rPr lang="en-US" b="1" dirty="0" err="1"/>
               <a:t>a.lower</a:t>
             </a:r>
             <a:r>
-              <a:rPr lang="en-US" b="1" dirty="0" smtClean="0"/>
+              <a:rPr lang="en-US" b="1" dirty="0"/>
               <a:t>())</a:t>
             </a:r>
           </a:p>
@@ -4512,7 +7346,7 @@
               <a:buNone/>
             </a:pPr>
             <a:r>
-              <a:rPr lang="en-US" b="1" dirty="0" smtClean="0"/>
+              <a:rPr lang="en-US" b="1" dirty="0"/>
               <a:t>Output: </a:t>
             </a:r>
             <a:r>
@@ -4569,7 +7403,7 @@
           <a:lstStyle/>
           <a:p>
             <a:r>
-              <a:rPr lang="en-US" dirty="0" smtClean="0"/>
+              <a:rPr lang="en-US" dirty="0"/>
               <a:t>Contents</a:t>
             </a:r>
             <a:endParaRPr lang="en-IN" dirty="0"/>
@@ -4592,25 +7426,25 @@
           <a:lstStyle/>
           <a:p>
             <a:r>
-              <a:rPr lang="en-US" dirty="0" smtClean="0"/>
+              <a:rPr lang="en-US" dirty="0"/>
               <a:t>Introduction to Strings</a:t>
             </a:r>
           </a:p>
           <a:p>
             <a:r>
-              <a:rPr lang="en-US" dirty="0" smtClean="0"/>
+              <a:rPr lang="en-US" dirty="0"/>
               <a:t>Features of Strings</a:t>
             </a:r>
           </a:p>
           <a:p>
             <a:r>
-              <a:rPr lang="en-US" dirty="0" smtClean="0"/>
+              <a:rPr lang="en-US" dirty="0"/>
               <a:t>String Operation</a:t>
             </a:r>
           </a:p>
           <a:p>
             <a:r>
-              <a:rPr lang="en-US" dirty="0" smtClean="0"/>
+              <a:rPr lang="en-US" dirty="0"/>
               <a:t>Methods of Strings</a:t>
             </a:r>
             <a:endParaRPr lang="en-IN" dirty="0"/>
@@ -4663,7 +7497,7 @@
           <a:lstStyle/>
           <a:p>
             <a:r>
-              <a:rPr lang="en-US" b="1" dirty="0" smtClean="0"/>
+              <a:rPr lang="en-US" b="1" dirty="0"/>
               <a:t>Remove Whitespace</a:t>
             </a:r>
             <a:endParaRPr lang="en-IN" b="1" dirty="0"/>
@@ -4683,26 +7517,26 @@
         <p:spPr/>
         <p:txBody>
           <a:bodyPr>
-            <a:normAutofit/>
+            <a:normAutofit lnSpcReduction="10000"/>
           </a:bodyPr>
           <a:lstStyle/>
           <a:p>
             <a:r>
-              <a:rPr lang="en-US" dirty="0" smtClean="0"/>
+              <a:rPr lang="en-US" dirty="0"/>
               <a:t>Whitespace is the space before and/or after the actual text, and very often you want to remove this space.</a:t>
             </a:r>
           </a:p>
           <a:p>
             <a:r>
-              <a:rPr lang="en-US" dirty="0" smtClean="0"/>
+              <a:rPr lang="en-US" dirty="0"/>
               <a:t>The </a:t>
             </a:r>
             <a:r>
-              <a:rPr lang="en-US" b="1" dirty="0" smtClean="0"/>
+              <a:rPr lang="en-US" b="1" dirty="0"/>
               <a:t>strip() method </a:t>
             </a:r>
             <a:r>
-              <a:rPr lang="en-US" dirty="0" smtClean="0"/>
+              <a:rPr lang="en-US" dirty="0"/>
               <a:t>removes any whitespace from the beginning or the end:</a:t>
             </a:r>
           </a:p>
@@ -4711,37 +7545,37 @@
               <a:buNone/>
             </a:pPr>
             <a:r>
-              <a:rPr lang="en-US" b="1" dirty="0" smtClean="0"/>
+              <a:rPr lang="en-US" b="1" dirty="0"/>
               <a:t>a </a:t>
             </a:r>
             <a:r>
-              <a:rPr lang="en-US" b="1" smtClean="0"/>
+              <a:rPr lang="en-US" b="1"/>
               <a:t>= “    </a:t>
             </a:r>
             <a:r>
-              <a:rPr lang="en-US" b="1" dirty="0" smtClean="0"/>
+              <a:rPr lang="en-US" b="1" dirty="0"/>
               <a:t>Hello, World</a:t>
             </a:r>
             <a:r>
-              <a:rPr lang="en-US" b="1" smtClean="0"/>
+              <a:rPr lang="en-US" b="1"/>
               <a:t>!    "</a:t>
             </a:r>
-            <a:endParaRPr lang="en-US" b="1" dirty="0" smtClean="0"/>
+            <a:endParaRPr lang="en-US" b="1" dirty="0"/>
           </a:p>
           <a:p>
             <a:pPr marL="0" indent="0">
               <a:buNone/>
             </a:pPr>
             <a:r>
-              <a:rPr lang="en-US" b="1" dirty="0" smtClean="0"/>
+              <a:rPr lang="en-US" b="1" dirty="0"/>
               <a:t>print(</a:t>
             </a:r>
             <a:r>
-              <a:rPr lang="en-US" b="1" dirty="0" err="1" smtClean="0"/>
+              <a:rPr lang="en-US" b="1" dirty="0" err="1"/>
               <a:t>a.strip</a:t>
             </a:r>
             <a:r>
-              <a:rPr lang="en-US" b="1" dirty="0" smtClean="0"/>
+              <a:rPr lang="en-US" b="1" dirty="0"/>
               <a:t>()) </a:t>
             </a:r>
           </a:p>
@@ -4756,7 +7590,7 @@
               <a:buNone/>
             </a:pPr>
             <a:r>
-              <a:rPr lang="en-US" b="1" dirty="0" smtClean="0"/>
+              <a:rPr lang="en-US" b="1" dirty="0"/>
               <a:t>Output: </a:t>
             </a:r>
             <a:r>
@@ -4813,7 +7647,7 @@
           <a:lstStyle/>
           <a:p>
             <a:r>
-              <a:rPr lang="en-US" b="1" dirty="0" smtClean="0"/>
+              <a:rPr lang="en-US" b="1" dirty="0"/>
               <a:t>Replace String</a:t>
             </a:r>
             <a:endParaRPr lang="en-IN" b="1" dirty="0"/>
@@ -4836,27 +7670,27 @@
           <a:lstStyle/>
           <a:p>
             <a:r>
-              <a:rPr lang="en-US" dirty="0" smtClean="0"/>
+              <a:rPr lang="en-US" dirty="0"/>
               <a:t>The </a:t>
             </a:r>
             <a:r>
-              <a:rPr lang="en-US" b="1" dirty="0" smtClean="0"/>
+              <a:rPr lang="en-US" b="1" dirty="0"/>
               <a:t>replace() method </a:t>
             </a:r>
             <a:r>
-              <a:rPr lang="en-US" dirty="0" smtClean="0"/>
+              <a:rPr lang="en-US" dirty="0"/>
               <a:t>replaces a string with another string:</a:t>
             </a:r>
           </a:p>
           <a:p>
-            <a:endParaRPr lang="en-US" dirty="0" smtClean="0"/>
+            <a:endParaRPr lang="en-US" dirty="0"/>
           </a:p>
           <a:p>
             <a:pPr marL="0" indent="0">
               <a:buNone/>
             </a:pPr>
             <a:r>
-              <a:rPr lang="en-US" b="1" dirty="0" smtClean="0"/>
+              <a:rPr lang="en-US" b="1" dirty="0"/>
               <a:t>a = "Hello, World!"</a:t>
             </a:r>
           </a:p>
@@ -4865,15 +7699,15 @@
               <a:buNone/>
             </a:pPr>
             <a:r>
-              <a:rPr lang="en-US" b="1" dirty="0" smtClean="0"/>
+              <a:rPr lang="en-US" b="1" dirty="0"/>
               <a:t>print(</a:t>
             </a:r>
             <a:r>
-              <a:rPr lang="en-US" b="1" dirty="0" err="1" smtClean="0"/>
+              <a:rPr lang="en-US" b="1" dirty="0" err="1"/>
               <a:t>a.replace</a:t>
             </a:r>
             <a:r>
-              <a:rPr lang="en-US" b="1" dirty="0" smtClean="0"/>
+              <a:rPr lang="en-US" b="1" dirty="0"/>
               <a:t>("H", "J"))</a:t>
             </a:r>
           </a:p>
@@ -4888,7 +7722,7 @@
               <a:buNone/>
             </a:pPr>
             <a:r>
-              <a:rPr lang="en-US" b="1" dirty="0" smtClean="0"/>
+              <a:rPr lang="en-US" b="1" dirty="0"/>
               <a:t>Output: </a:t>
             </a:r>
             <a:r>
@@ -4943,33 +7777,37 @@
             <p:ph type="title"/>
           </p:nvPr>
         </p:nvSpPr>
-        <p:spPr/>
-        <p:txBody>
-          <a:bodyPr/>
-          <a:lstStyle/>
-          <a:p>
-            <a:r>
-              <a:rPr lang="en-IN" b="1" dirty="0" smtClean="0"/>
-              <a:t>Split String</a:t>
-            </a:r>
-            <a:endParaRPr lang="en-IN" b="1" dirty="0"/>
-          </a:p>
-        </p:txBody>
-      </p:sp>
-      <p:sp>
-        <p:nvSpPr>
-          <p:cNvPr id="3" name="Content Placeholder 2"/>
-          <p:cNvSpPr>
-            <a:spLocks noGrp="1"/>
-          </p:cNvSpPr>
-          <p:nvPr>
-            <p:ph idx="1"/>
-          </p:nvPr>
-        </p:nvSpPr>
         <p:spPr>
           <a:xfrm>
-            <a:off x="222191" y="1546788"/>
-            <a:ext cx="11131609" cy="5084747"/>
+            <a:off x="1295402" y="942376"/>
+            <a:ext cx="9601196" cy="1303867"/>
+          </a:xfrm>
+        </p:spPr>
+        <p:txBody>
+          <a:bodyPr/>
+          <a:lstStyle/>
+          <a:p>
+            <a:r>
+              <a:rPr lang="en-IN" b="1" dirty="0"/>
+              <a:t>Split String</a:t>
+            </a:r>
+          </a:p>
+        </p:txBody>
+      </p:sp>
+      <p:sp>
+        <p:nvSpPr>
+          <p:cNvPr id="3" name="Content Placeholder 2"/>
+          <p:cNvSpPr>
+            <a:spLocks noGrp="1"/>
+          </p:cNvSpPr>
+          <p:nvPr>
+            <p:ph idx="1"/>
+          </p:nvPr>
+        </p:nvSpPr>
+        <p:spPr>
+          <a:xfrm>
+            <a:off x="1202636" y="2385391"/>
+            <a:ext cx="10561981" cy="4061791"/>
           </a:xfrm>
         </p:spPr>
         <p:txBody>
@@ -4979,21 +7817,21 @@
           <a:lstStyle/>
           <a:p>
             <a:r>
-              <a:rPr lang="en-US" dirty="0" smtClean="0"/>
+              <a:rPr lang="en-US" dirty="0"/>
               <a:t>The split() method returns a list where the text between the specified separator becomes the list items.</a:t>
             </a:r>
           </a:p>
           <a:p>
             <a:r>
-              <a:rPr lang="en-US" dirty="0" smtClean="0"/>
+              <a:rPr lang="en-US" dirty="0"/>
               <a:t>The </a:t>
             </a:r>
             <a:r>
-              <a:rPr lang="en-US" b="1" dirty="0" smtClean="0"/>
+              <a:rPr lang="en-US" b="1" dirty="0"/>
               <a:t>split() method splits the string into substrings </a:t>
             </a:r>
             <a:r>
-              <a:rPr lang="en-US" dirty="0" smtClean="0"/>
+              <a:rPr lang="en-US" dirty="0"/>
               <a:t>if it finds instances of the separator:</a:t>
             </a:r>
           </a:p>
@@ -5002,12 +7840,8 @@
               <a:buNone/>
             </a:pPr>
             <a:r>
-              <a:rPr lang="en-US" b="1" smtClean="0"/>
-              <a:t>a ="</a:t>
-            </a:r>
-            <a:r>
-              <a:rPr lang="en-US" b="1" dirty="0" smtClean="0"/>
-              <a:t>Hello, World!"</a:t>
+              <a:rPr lang="en-US" b="1" dirty="0"/>
+              <a:t>a ="Hello, World!"</a:t>
             </a:r>
           </a:p>
           <a:p>
@@ -5015,15 +7849,15 @@
               <a:buNone/>
             </a:pPr>
             <a:r>
-              <a:rPr lang="en-US" b="1" dirty="0" smtClean="0"/>
+              <a:rPr lang="en-US" b="1" dirty="0"/>
               <a:t>print(</a:t>
             </a:r>
             <a:r>
-              <a:rPr lang="en-US" b="1" dirty="0" err="1" smtClean="0"/>
+              <a:rPr lang="en-US" b="1" dirty="0" err="1"/>
               <a:t>a.split</a:t>
             </a:r>
             <a:r>
-              <a:rPr lang="en-US" b="1" smtClean="0"/>
+              <a:rPr lang="en-US" b="1" dirty="0"/>
               <a:t>(",")) </a:t>
             </a:r>
           </a:p>
@@ -5031,19 +7865,15 @@
             <a:pPr marL="0" indent="0">
               <a:buNone/>
             </a:pPr>
-            <a:endParaRPr lang="en-US" b="1" smtClean="0"/>
+            <a:endParaRPr lang="en-US" b="1" dirty="0"/>
           </a:p>
           <a:p>
             <a:pPr marL="0" indent="0">
               <a:buNone/>
             </a:pPr>
             <a:r>
-              <a:rPr lang="en-US" b="1" smtClean="0"/>
-              <a:t>OUTPUT: [</a:t>
-            </a:r>
-            <a:r>
-              <a:rPr lang="en-US" b="1" dirty="0" smtClean="0"/>
-              <a:t>'Hello', ' World!']</a:t>
+              <a:rPr lang="en-US" b="1" dirty="0"/>
+              <a:t>OUTPUT: ['Hello', ' World!']</a:t>
             </a:r>
             <a:endParaRPr lang="en-IN" b="1" dirty="0"/>
           </a:p>
@@ -5095,10 +7925,9 @@
           <a:lstStyle/>
           <a:p>
             <a:r>
-              <a:rPr lang="en-IN" b="1" dirty="0" smtClean="0"/>
+              <a:rPr lang="en-IN" b="1" dirty="0"/>
               <a:t>String Concatenation</a:t>
             </a:r>
-            <a:endParaRPr lang="en-IN" b="1" dirty="0"/>
           </a:p>
         </p:txBody>
       </p:sp>
@@ -5115,18 +7944,18 @@
         <p:spPr/>
         <p:txBody>
           <a:bodyPr>
-            <a:normAutofit/>
+            <a:normAutofit fontScale="92500" lnSpcReduction="10000"/>
           </a:bodyPr>
           <a:lstStyle/>
           <a:p>
             <a:r>
-              <a:rPr lang="en-US" dirty="0" smtClean="0"/>
+              <a:rPr lang="en-US" dirty="0"/>
               <a:t>To concatenate, or combine, two strings you can use the + operator.</a:t>
             </a:r>
           </a:p>
           <a:p>
             <a:r>
-              <a:rPr lang="en-US" dirty="0" smtClean="0"/>
+              <a:rPr lang="en-US" dirty="0"/>
               <a:t>Merge variable a with variable b into variable c:</a:t>
             </a:r>
           </a:p>
@@ -5135,7 +7964,7 @@
               <a:buNone/>
             </a:pPr>
             <a:r>
-              <a:rPr lang="en-US" b="1" dirty="0" smtClean="0"/>
+              <a:rPr lang="en-US" b="1" dirty="0"/>
               <a:t>a = "Hello"</a:t>
             </a:r>
           </a:p>
@@ -5144,7 +7973,7 @@
               <a:buNone/>
             </a:pPr>
             <a:r>
-              <a:rPr lang="en-US" b="1" dirty="0" smtClean="0"/>
+              <a:rPr lang="en-US" b="1" dirty="0"/>
               <a:t>b = "World"</a:t>
             </a:r>
           </a:p>
@@ -5153,7 +7982,7 @@
               <a:buNone/>
             </a:pPr>
             <a:r>
-              <a:rPr lang="en-US" b="1" dirty="0" smtClean="0"/>
+              <a:rPr lang="en-US" b="1" dirty="0"/>
               <a:t>c = a + b</a:t>
             </a:r>
           </a:p>
@@ -5162,7 +7991,7 @@
               <a:buNone/>
             </a:pPr>
             <a:r>
-              <a:rPr lang="en-US" b="1" dirty="0" smtClean="0"/>
+              <a:rPr lang="en-US" b="1" dirty="0"/>
               <a:t>print(c)</a:t>
             </a:r>
           </a:p>
@@ -5171,7 +8000,7 @@
               <a:buNone/>
             </a:pPr>
             <a:r>
-              <a:rPr lang="en-US" b="1" dirty="0" smtClean="0"/>
+              <a:rPr lang="en-US" b="1" dirty="0"/>
               <a:t>Output: </a:t>
             </a:r>
             <a:r>
@@ -5257,19 +8086,19 @@
           <a:lstStyle/>
           <a:p>
             <a:r>
-              <a:rPr lang="en-US" dirty="0" smtClean="0"/>
+              <a:rPr lang="en-US" dirty="0"/>
               <a:t>To add a space between them, add a " ":</a:t>
             </a:r>
           </a:p>
           <a:p>
-            <a:endParaRPr lang="en-US" dirty="0" smtClean="0"/>
+            <a:endParaRPr lang="en-US" dirty="0"/>
           </a:p>
           <a:p>
             <a:pPr marL="0" indent="0">
               <a:buNone/>
             </a:pPr>
             <a:r>
-              <a:rPr lang="en-US" b="1" dirty="0" smtClean="0"/>
+              <a:rPr lang="en-US" b="1" dirty="0"/>
               <a:t>a = "Hello"</a:t>
             </a:r>
           </a:p>
@@ -5278,7 +8107,7 @@
               <a:buNone/>
             </a:pPr>
             <a:r>
-              <a:rPr lang="en-US" b="1" dirty="0" smtClean="0"/>
+              <a:rPr lang="en-US" b="1" dirty="0"/>
               <a:t>b = "World"</a:t>
             </a:r>
           </a:p>
@@ -5287,7 +8116,7 @@
               <a:buNone/>
             </a:pPr>
             <a:r>
-              <a:rPr lang="en-US" b="1" dirty="0" smtClean="0"/>
+              <a:rPr lang="en-US" b="1" dirty="0"/>
               <a:t>c = a + " " + b</a:t>
             </a:r>
           </a:p>
@@ -5296,7 +8125,7 @@
               <a:buNone/>
             </a:pPr>
             <a:r>
-              <a:rPr lang="en-US" b="1" dirty="0" smtClean="0"/>
+              <a:rPr lang="en-US" b="1" dirty="0"/>
               <a:t>print(c)</a:t>
             </a:r>
             <a:endParaRPr lang="en-IN" b="1" dirty="0"/>
@@ -5349,10 +8178,9 @@
           <a:lstStyle/>
           <a:p>
             <a:r>
-              <a:rPr lang="en-IN" b="1" dirty="0" smtClean="0"/>
+              <a:rPr lang="en-IN" b="1" dirty="0"/>
               <a:t>String Format</a:t>
             </a:r>
-            <a:endParaRPr lang="en-IN" b="1" dirty="0"/>
           </a:p>
         </p:txBody>
       </p:sp>
@@ -5379,11 +8207,11 @@
           <a:lstStyle/>
           <a:p>
             <a:r>
-              <a:rPr lang="en-US" smtClean="0"/>
+              <a:rPr lang="en-US"/>
               <a:t>In Python we </a:t>
             </a:r>
             <a:r>
-              <a:rPr lang="en-US" dirty="0" smtClean="0"/>
+              <a:rPr lang="en-US" dirty="0"/>
               <a:t>cannot combine strings and numbers like this:</a:t>
             </a:r>
           </a:p>
@@ -5395,31 +8223,19 @@
               <a:rPr lang="en-US" b="1" dirty="0"/>
               <a:t>age = 36</a:t>
             </a:r>
-            <a:r>
-              <a:rPr lang="en-US" b="1" dirty="0" smtClean="0"/>
-              <a:t/>
-            </a:r>
             <a:br>
-              <a:rPr lang="en-US" b="1" dirty="0" smtClean="0"/>
+              <a:rPr lang="en-US" b="1" dirty="0"/>
             </a:br>
             <a:r>
               <a:rPr lang="en-US" b="1" dirty="0"/>
               <a:t>txt = "My name is John, I am " + age</a:t>
             </a:r>
-            <a:r>
-              <a:rPr lang="en-US" b="1" dirty="0" smtClean="0"/>
-              <a:t/>
-            </a:r>
             <a:br>
-              <a:rPr lang="en-US" b="1" dirty="0" smtClean="0"/>
+              <a:rPr lang="en-US" b="1" dirty="0"/>
             </a:br>
             <a:r>
               <a:rPr lang="en-US" b="1" dirty="0"/>
-              <a:t>print(txt</a:t>
-            </a:r>
-            <a:r>
-              <a:rPr lang="en-US" b="1" dirty="0" smtClean="0"/>
-              <a:t>)</a:t>
+              <a:t>print(txt)</a:t>
             </a:r>
           </a:p>
           <a:p>
@@ -5432,18 +8248,18 @@
             <a:pPr marL="0" indent="0">
               <a:buNone/>
             </a:pPr>
-            <a:endParaRPr lang="en-US" b="1" smtClean="0"/>
+            <a:endParaRPr lang="en-US" b="1"/>
           </a:p>
           <a:p>
             <a:pPr marL="0" indent="0">
               <a:buNone/>
             </a:pPr>
             <a:r>
-              <a:rPr lang="en-US" b="1" smtClean="0"/>
+              <a:rPr lang="en-US" b="1"/>
               <a:t>But </a:t>
             </a:r>
             <a:r>
-              <a:rPr lang="en-US" b="1" dirty="0" smtClean="0"/>
+              <a:rPr lang="en-US" b="1" dirty="0"/>
               <a:t>we can combine strings and numbers by using the format() method!</a:t>
             </a:r>
           </a:p>
@@ -5452,15 +8268,15 @@
               <a:buNone/>
             </a:pPr>
             <a:r>
-              <a:rPr lang="en-US" smtClean="0"/>
+              <a:rPr lang="en-US"/>
               <a:t>The </a:t>
             </a:r>
             <a:r>
-              <a:rPr lang="en-US" dirty="0" smtClean="0"/>
+              <a:rPr lang="en-US" dirty="0"/>
               <a:t>format() method takes the passed arguments, formats them, and places them in the string where the placeholders </a:t>
             </a:r>
             <a:r>
-              <a:rPr lang="en-US" smtClean="0"/>
+              <a:rPr lang="en-US"/>
               <a:t>{} are.</a:t>
             </a:r>
             <a:endParaRPr lang="en-IN" dirty="0"/>
@@ -5567,7 +8383,7 @@
           <a:lstStyle/>
           <a:p>
             <a:r>
-              <a:rPr lang="en-US" dirty="0" smtClean="0"/>
+              <a:rPr lang="en-US" dirty="0"/>
               <a:t>Use the format() method to insert numbers into strings:</a:t>
             </a:r>
           </a:p>
@@ -5576,7 +8392,7 @@
               <a:buNone/>
             </a:pPr>
             <a:r>
-              <a:rPr lang="en-US" b="1" dirty="0" smtClean="0"/>
+              <a:rPr lang="en-US" b="1" dirty="0"/>
               <a:t>age = 36</a:t>
             </a:r>
           </a:p>
@@ -5585,7 +8401,7 @@
               <a:buNone/>
             </a:pPr>
             <a:r>
-              <a:rPr lang="en-US" b="1" dirty="0" smtClean="0"/>
+              <a:rPr lang="en-US" b="1" dirty="0"/>
               <a:t>txt = "My name is John, and I am {}"</a:t>
             </a:r>
           </a:p>
@@ -5594,15 +8410,15 @@
               <a:buNone/>
             </a:pPr>
             <a:r>
-              <a:rPr lang="en-US" b="1" dirty="0" smtClean="0"/>
+              <a:rPr lang="en-US" b="1" dirty="0"/>
               <a:t>print(</a:t>
             </a:r>
             <a:r>
-              <a:rPr lang="en-US" b="1" dirty="0" err="1" smtClean="0"/>
+              <a:rPr lang="en-US" b="1" dirty="0" err="1"/>
               <a:t>txt.format</a:t>
             </a:r>
             <a:r>
-              <a:rPr lang="en-US" b="1" dirty="0" smtClean="0"/>
+              <a:rPr lang="en-US" b="1" dirty="0"/>
               <a:t>(age))</a:t>
             </a:r>
           </a:p>
@@ -5610,27 +8426,23 @@
             <a:pPr marL="0" indent="0">
               <a:buNone/>
             </a:pPr>
-            <a:endParaRPr lang="en-US" b="1" smtClean="0"/>
+            <a:endParaRPr lang="en-US" b="1"/>
           </a:p>
           <a:p>
             <a:pPr marL="0" indent="0">
               <a:buNone/>
             </a:pPr>
             <a:r>
-              <a:rPr lang="en-US" b="1" smtClean="0"/>
+              <a:rPr lang="en-US" b="1"/>
               <a:t>Output</a:t>
             </a:r>
             <a:r>
-              <a:rPr lang="en-US" b="1" dirty="0" smtClean="0"/>
+              <a:rPr lang="en-US" b="1" dirty="0"/>
               <a:t>: </a:t>
             </a:r>
             <a:r>
               <a:rPr lang="en-US" dirty="0"/>
-              <a:t>My name is John, and I am </a:t>
-            </a:r>
-            <a:r>
-              <a:rPr lang="en-US" dirty="0" smtClean="0"/>
-              <a:t>36</a:t>
+              <a:t>My name is John, and I am 36</a:t>
             </a:r>
             <a:endParaRPr lang="en-US" b="1" dirty="0"/>
           </a:p>
@@ -5774,19 +8586,15 @@
             <a:pPr marL="0" indent="0">
               <a:buNone/>
             </a:pPr>
-            <a:endParaRPr lang="en-US" b="1" smtClean="0"/>
+            <a:endParaRPr lang="en-US" b="1"/>
           </a:p>
           <a:p>
             <a:pPr marL="0" indent="0">
               <a:buNone/>
             </a:pPr>
             <a:r>
-              <a:rPr lang="en-US" b="1" smtClean="0"/>
-              <a:t>OUTPUT</a:t>
-            </a:r>
-            <a:r>
               <a:rPr lang="en-US" b="1"/>
-              <a:t>: </a:t>
+              <a:t>OUTPUT: </a:t>
             </a:r>
             <a:r>
               <a:rPr lang="en-US"/>
@@ -5845,10 +8653,10 @@
           <a:lstStyle/>
           <a:p>
             <a:r>
-              <a:rPr lang="en-IN" b="1"/>
+              <a:rPr lang="en-IN" b="1" dirty="0"/>
               <a:t>String Format</a:t>
             </a:r>
-            <a:endParaRPr lang="en-IN"/>
+            <a:endParaRPr lang="en-IN" dirty="0"/>
           </a:p>
         </p:txBody>
       </p:sp>
@@ -5865,12 +8673,12 @@
         <p:spPr/>
         <p:txBody>
           <a:bodyPr>
-            <a:normAutofit lnSpcReduction="10000"/>
+            <a:normAutofit fontScale="85000" lnSpcReduction="20000"/>
           </a:bodyPr>
           <a:lstStyle/>
           <a:p>
             <a:r>
-              <a:rPr lang="en-US" dirty="0" smtClean="0"/>
+              <a:rPr lang="en-US" dirty="0"/>
               <a:t>You can use index numbers {0} to be sure the arguments are placed in the correct placeholders:</a:t>
             </a:r>
           </a:p>
@@ -5878,26 +8686,18 @@
             <a:pPr marL="0" indent="0">
               <a:buNone/>
             </a:pPr>
-            <a:endParaRPr lang="en-IN" b="1" smtClean="0"/>
+            <a:endParaRPr lang="en-IN" b="1" dirty="0"/>
           </a:p>
           <a:p>
             <a:pPr marL="0" indent="0">
               <a:buNone/>
             </a:pPr>
             <a:r>
-              <a:rPr lang="en-IN" b="1" smtClean="0"/>
-              <a:t>quantity </a:t>
-            </a:r>
-            <a:r>
               <a:rPr lang="en-IN" b="1" dirty="0"/>
-              <a:t>= 3</a:t>
-            </a:r>
-            <a:r>
-              <a:rPr lang="en-IN" b="1" dirty="0" smtClean="0"/>
-              <a:t/>
+              <a:t>quantity = 3</a:t>
             </a:r>
             <a:br>
-              <a:rPr lang="en-IN" b="1" dirty="0" smtClean="0"/>
+              <a:rPr lang="en-IN" b="1" dirty="0"/>
             </a:br>
             <a:r>
               <a:rPr lang="en-IN" b="1" dirty="0" err="1"/>
@@ -5907,23 +8707,15 @@
               <a:rPr lang="en-IN" b="1" dirty="0"/>
               <a:t> = 567</a:t>
             </a:r>
-            <a:r>
-              <a:rPr lang="en-IN" b="1" dirty="0" smtClean="0"/>
-              <a:t/>
-            </a:r>
             <a:br>
-              <a:rPr lang="en-IN" b="1" dirty="0" smtClean="0"/>
+              <a:rPr lang="en-IN" b="1" dirty="0"/>
             </a:br>
             <a:r>
               <a:rPr lang="en-IN" b="1" dirty="0"/>
               <a:t>price = 49.95</a:t>
             </a:r>
-            <a:r>
-              <a:rPr lang="en-IN" b="1" dirty="0" smtClean="0"/>
-              <a:t/>
-            </a:r>
             <a:br>
-              <a:rPr lang="en-IN" b="1" dirty="0" smtClean="0"/>
+              <a:rPr lang="en-IN" b="1" dirty="0"/>
             </a:br>
             <a:r>
               <a:rPr lang="en-IN" b="1" dirty="0" err="1"/>
@@ -5933,12 +8725,8 @@
               <a:rPr lang="en-IN" b="1" dirty="0"/>
               <a:t> = "I want to pay {2} dollars for {0} pieces of item {1}."</a:t>
             </a:r>
-            <a:r>
-              <a:rPr lang="en-IN" b="1" dirty="0" smtClean="0"/>
-              <a:t/>
-            </a:r>
             <a:br>
-              <a:rPr lang="en-IN" b="1" dirty="0" smtClean="0"/>
+              <a:rPr lang="en-IN" b="1" dirty="0"/>
             </a:br>
             <a:r>
               <a:rPr lang="en-IN" b="1" dirty="0"/>
@@ -5958,11 +8746,7 @@
             </a:r>
             <a:r>
               <a:rPr lang="en-IN" b="1" dirty="0"/>
-              <a:t>, price</a:t>
-            </a:r>
-            <a:r>
-              <a:rPr lang="en-IN" b="1" dirty="0" smtClean="0"/>
-              <a:t>))</a:t>
+              <a:t>, price))</a:t>
             </a:r>
           </a:p>
           <a:p>
@@ -5976,7 +8760,7 @@
               <a:buNone/>
             </a:pPr>
             <a:r>
-              <a:rPr lang="en-US" b="1" dirty="0" smtClean="0"/>
+              <a:rPr lang="en-US" b="1" dirty="0"/>
               <a:t>Output: </a:t>
             </a:r>
             <a:r>
@@ -6034,13 +8818,8 @@
           <a:p>
             <a:r>
               <a:rPr lang="en-IN" b="1"/>
-              <a:t>capitalize() </a:t>
-            </a:r>
-            <a:r>
-              <a:rPr lang="en-IN" b="1" smtClean="0"/>
-              <a:t>Method</a:t>
-            </a:r>
-            <a:endParaRPr lang="en-IN" b="1"/>
+              <a:t>capitalize() Method</a:t>
+            </a:r>
           </a:p>
         </p:txBody>
       </p:sp>
@@ -6060,7 +8839,7 @@
           <a:lstStyle/>
           <a:p>
             <a:r>
-              <a:rPr lang="en-US" smtClean="0"/>
+              <a:rPr lang="en-US"/>
               <a:t>Upper </a:t>
             </a:r>
             <a:r>
@@ -6080,12 +8859,8 @@
               <a:rPr lang="en-US" b="1" dirty="0"/>
             </a:br>
             <a:r>
-              <a:rPr lang="en-US" b="1" dirty="0" smtClean="0"/>
-              <a:t>x </a:t>
-            </a:r>
-            <a:r>
               <a:rPr lang="en-US" b="1" dirty="0"/>
-              <a:t>= </a:t>
+              <a:t>x = </a:t>
             </a:r>
             <a:r>
               <a:rPr lang="en-US" b="1" dirty="0" err="1"/>
@@ -6099,16 +8874,12 @@
               <a:rPr lang="en-US" b="1" dirty="0"/>
             </a:br>
             <a:r>
-              <a:rPr lang="en-US" b="1" dirty="0" smtClean="0"/>
-              <a:t>print</a:t>
-            </a:r>
-            <a:r>
               <a:rPr lang="en-US" b="1" dirty="0"/>
-              <a:t> (x)</a:t>
-            </a:r>
-          </a:p>
-          <a:p>
-            <a:endParaRPr lang="en-US" smtClean="0"/>
+              <a:t>print (x)</a:t>
+            </a:r>
+          </a:p>
+          <a:p>
+            <a:endParaRPr lang="en-US"/>
           </a:p>
           <a:p>
             <a:pPr marL="0" indent="0">
@@ -6168,7 +8939,7 @@
           <a:lstStyle/>
           <a:p>
             <a:r>
-              <a:rPr lang="en-US" dirty="0" smtClean="0"/>
+              <a:rPr lang="en-US" dirty="0"/>
               <a:t>Strings</a:t>
             </a:r>
             <a:endParaRPr lang="en-IN" dirty="0"/>
@@ -6187,38 +8958,26 @@
         </p:nvSpPr>
         <p:spPr/>
         <p:txBody>
-          <a:bodyPr/>
+          <a:bodyPr>
+            <a:normAutofit fontScale="92500"/>
+          </a:bodyPr>
           <a:lstStyle/>
           <a:p>
             <a:r>
               <a:rPr lang="en-US" dirty="0"/>
               <a:t>A String is a data structure in Python that represents a sequence of characters. </a:t>
             </a:r>
-            <a:endParaRPr lang="en-US" dirty="0" smtClean="0"/>
-          </a:p>
-          <a:p>
-            <a:r>
-              <a:rPr lang="en-US" dirty="0" smtClean="0"/>
-              <a:t>It </a:t>
-            </a:r>
+          </a:p>
+          <a:p>
             <a:r>
               <a:rPr lang="en-US" dirty="0"/>
-              <a:t>is an immutable data type, meaning that once you have created a string, you cannot change it. </a:t>
-            </a:r>
-            <a:endParaRPr lang="en-US" dirty="0" smtClean="0"/>
-          </a:p>
-          <a:p>
-            <a:r>
-              <a:rPr lang="en-US" dirty="0" smtClean="0"/>
-              <a:t>Strings </a:t>
-            </a:r>
+              <a:t>It is an immutable data type, meaning that once you have created a string, you cannot change it. </a:t>
+            </a:r>
+          </a:p>
+          <a:p>
             <a:r>
               <a:rPr lang="en-US" dirty="0"/>
-              <a:t>are used widely in many different applications, such as storing and manipulating text data, representing names, addresses, and other types of data that can be represented as text</a:t>
-            </a:r>
-            <a:r>
-              <a:rPr lang="en-US" dirty="0" smtClean="0"/>
-              <a:t>.</a:t>
+              <a:t>Strings are used widely in many different applications, such as storing and manipulating text data, representing names, addresses, and other types of data that can be represented as text.</a:t>
             </a:r>
           </a:p>
           <a:p>
@@ -6276,10 +9035,9 @@
           <a:lstStyle/>
           <a:p>
             <a:r>
-              <a:rPr lang="en-IN" b="1" dirty="0" smtClean="0"/>
+              <a:rPr lang="en-IN" b="1" dirty="0"/>
               <a:t>Creating Strings in Python</a:t>
             </a:r>
-            <a:endParaRPr lang="en-IN" b="1" dirty="0"/>
           </a:p>
         </p:txBody>
       </p:sp>
@@ -6299,19 +9057,19 @@
           <a:lstStyle/>
           <a:p>
             <a:r>
-              <a:rPr lang="en-US" dirty="0" smtClean="0"/>
+              <a:rPr lang="en-US" dirty="0"/>
               <a:t>Strings in python are surrounded by either single quotation marks, or double quotation marks.</a:t>
             </a:r>
           </a:p>
           <a:p>
             <a:r>
-              <a:rPr lang="en-US" dirty="0" smtClean="0"/>
+              <a:rPr lang="en-US" dirty="0"/>
               <a:t>'hello' is the same as "hello".</a:t>
             </a:r>
           </a:p>
           <a:p>
             <a:r>
-              <a:rPr lang="en-US" dirty="0" smtClean="0"/>
+              <a:rPr lang="en-US" dirty="0"/>
               <a:t>You can display a string literal with the print() function:</a:t>
             </a:r>
           </a:p>
@@ -6323,12 +9081,8 @@
               <a:rPr lang="en-IN" b="1" dirty="0"/>
               <a:t>print("Hello")</a:t>
             </a:r>
-            <a:r>
-              <a:rPr lang="en-IN" b="1" dirty="0" smtClean="0"/>
-              <a:t/>
-            </a:r>
             <a:br>
-              <a:rPr lang="en-IN" b="1" dirty="0" smtClean="0"/>
+              <a:rPr lang="en-IN" b="1" dirty="0"/>
             </a:br>
             <a:r>
               <a:rPr lang="en-IN" b="1" dirty="0"/>
@@ -6383,7 +9137,7 @@
           <a:lstStyle/>
           <a:p>
             <a:r>
-              <a:rPr lang="en-US" b="1" dirty="0" smtClean="0"/>
+              <a:rPr lang="en-US" b="1" dirty="0"/>
               <a:t>Assign String to a Variable</a:t>
             </a:r>
             <a:endParaRPr lang="en-IN" b="1" dirty="0"/>
@@ -6406,12 +9160,8 @@
           <a:lstStyle/>
           <a:p>
             <a:r>
-              <a:rPr lang="en-US" dirty="0" smtClean="0"/>
-              <a:t>Assigning </a:t>
-            </a:r>
-            <a:r>
               <a:rPr lang="en-US" dirty="0"/>
-              <a:t>a string to a variable is done with the variable name followed by an equal sign and the string:</a:t>
+              <a:t>Assigning a string to a variable is done with the variable name followed by an equal sign and the string:</a:t>
             </a:r>
           </a:p>
           <a:p>
@@ -6419,12 +9169,8 @@
               <a:rPr lang="en-IN" dirty="0"/>
               <a:t>a = "Hello"</a:t>
             </a:r>
-            <a:r>
-              <a:rPr lang="en-IN" dirty="0" smtClean="0"/>
-              <a:t/>
-            </a:r>
             <a:br>
-              <a:rPr lang="en-IN" dirty="0" smtClean="0"/>
+              <a:rPr lang="en-IN" dirty="0"/>
             </a:br>
             <a:r>
               <a:rPr lang="en-IN" dirty="0"/>
@@ -6479,10 +9225,9 @@
           <a:lstStyle/>
           <a:p>
             <a:r>
-              <a:rPr lang="en-IN" b="1" dirty="0" smtClean="0"/>
+              <a:rPr lang="en-IN" b="1" dirty="0"/>
               <a:t>Multiline Strings</a:t>
             </a:r>
-            <a:endParaRPr lang="en-IN" b="1" dirty="0"/>
           </a:p>
         </p:txBody>
       </p:sp>
@@ -6504,22 +9249,14 @@
           <a:lstStyle/>
           <a:p>
             <a:r>
-              <a:rPr lang="en-IN" dirty="0" smtClean="0"/>
-              <a:t>You </a:t>
-            </a:r>
-            <a:r>
               <a:rPr lang="en-IN" dirty="0"/>
-              <a:t>can assign a multiline string to a variable by using three quotes:</a:t>
-            </a:r>
-          </a:p>
-          <a:p>
-            <a:r>
-              <a:rPr lang="en-IN" dirty="0" smtClean="0"/>
-              <a:t>You </a:t>
-            </a:r>
+              <a:t>You can assign a multiline string to a variable by using three quotes:</a:t>
+            </a:r>
+          </a:p>
+          <a:p>
             <a:r>
               <a:rPr lang="en-IN" dirty="0"/>
-              <a:t>can use three double quotes:</a:t>
+              <a:t>You can use three double quotes:</a:t>
             </a:r>
           </a:p>
           <a:p>
@@ -6532,27 +9269,15 @@
             </a:r>
             <a:r>
               <a:rPr lang="en-IN" b="1"/>
-              <a:t> </a:t>
-            </a:r>
-            <a:r>
-              <a:rPr lang="en-IN" b="1" smtClean="0"/>
-              <a:t>"""</a:t>
-            </a:r>
-            <a:r>
-              <a:rPr lang="en-IN" smtClean="0"/>
-              <a:t>You </a:t>
+              <a:t> """</a:t>
             </a:r>
             <a:r>
               <a:rPr lang="en-IN"/>
-              <a:t>can assign a multiline string</a:t>
-            </a:r>
-            <a:r>
-              <a:rPr lang="en-IN" b="1" smtClean="0"/>
+              <a:t>You can assign a multiline string</a:t>
+            </a:r>
+            <a:r>
+              <a:rPr lang="en-IN" b="1"/>
               <a:t>,</a:t>
-            </a:r>
-            <a:r>
-              <a:rPr lang="en-IN" b="1"/>
-              <a:t/>
             </a:r>
             <a:br>
               <a:rPr lang="en-IN" b="1"/>
@@ -6562,12 +9287,8 @@
               <a:t>to a variable by using</a:t>
             </a:r>
             <a:r>
-              <a:rPr lang="en-IN" b="1" smtClean="0"/>
+              <a:rPr lang="en-IN" b="1"/>
               <a:t>,</a:t>
-            </a:r>
-            <a:r>
-              <a:rPr lang="en-IN" b="1"/>
-              <a:t/>
             </a:r>
             <a:br>
               <a:rPr lang="en-IN" b="1"/>
@@ -6577,23 +9298,15 @@
               <a:t>three quotes </a:t>
             </a:r>
             <a:r>
-              <a:rPr lang="en-IN" b="1" smtClean="0"/>
+              <a:rPr lang="en-IN" b="1"/>
               <a:t>"""</a:t>
-            </a:r>
-            <a:r>
-              <a:rPr lang="en-IN" b="1" dirty="0"/>
-              <a:t/>
             </a:r>
             <a:br>
               <a:rPr lang="en-IN" b="1" dirty="0"/>
             </a:br>
             <a:r>
               <a:rPr lang="en-IN" b="1"/>
-              <a:t>print(a</a:t>
-            </a:r>
-            <a:r>
-              <a:rPr lang="en-IN" b="1" smtClean="0"/>
-              <a:t>)</a:t>
+              <a:t>print(a)</a:t>
             </a:r>
             <a:endParaRPr lang="en-IN" b="1" dirty="0"/>
           </a:p>
@@ -6641,15 +9354,17 @@
         </p:nvSpPr>
         <p:spPr/>
         <p:txBody>
-          <a:bodyPr/>
-          <a:lstStyle/>
-          <a:p>
-            <a:r>
-              <a:rPr lang="en-IN" b="1" dirty="0" smtClean="0"/>
+          <a:bodyPr>
+            <a:normAutofit fontScale="90000"/>
+          </a:bodyPr>
+          <a:lstStyle/>
+          <a:p>
+            <a:r>
+              <a:rPr lang="en-IN" b="1" dirty="0"/>
               <a:t>Strings are Arrays</a:t>
             </a:r>
             <a:br>
-              <a:rPr lang="en-IN" b="1" dirty="0" smtClean="0"/>
+              <a:rPr lang="en-IN" b="1" dirty="0"/>
             </a:br>
             <a:endParaRPr lang="en-IN" b="1" dirty="0"/>
           </a:p>
@@ -6667,40 +9382,30 @@
         </p:nvSpPr>
         <p:spPr>
           <a:xfrm>
-            <a:off x="188007" y="1401510"/>
-            <a:ext cx="11165793" cy="5247118"/>
+            <a:off x="1295402" y="2517913"/>
+            <a:ext cx="9491868" cy="3564836"/>
           </a:xfrm>
         </p:spPr>
         <p:txBody>
-          <a:bodyPr/>
-          <a:lstStyle/>
-          <a:p>
-            <a:r>
-              <a:rPr lang="en-US" dirty="0" smtClean="0"/>
-              <a:t>Strings in Python are arrays of bytes </a:t>
-            </a:r>
-            <a:r>
-              <a:rPr lang="en-US" smtClean="0"/>
-              <a:t>representing Unicode </a:t>
-            </a:r>
-            <a:r>
-              <a:rPr lang="en-US" dirty="0" smtClean="0"/>
-              <a:t>characters.</a:t>
-            </a:r>
-          </a:p>
-          <a:p>
-            <a:r>
-              <a:rPr lang="en-US" smtClean="0"/>
-              <a:t>Python </a:t>
-            </a:r>
-            <a:r>
-              <a:rPr lang="en-US" dirty="0" smtClean="0"/>
-              <a:t>does not have a character data type, a single character is simply a string with a length of 1.</a:t>
-            </a:r>
-          </a:p>
-          <a:p>
-            <a:r>
-              <a:rPr lang="en-US" dirty="0" smtClean="0"/>
+          <a:bodyPr>
+            <a:normAutofit fontScale="92500" lnSpcReduction="10000"/>
+          </a:bodyPr>
+          <a:lstStyle/>
+          <a:p>
+            <a:r>
+              <a:rPr lang="en-US" dirty="0"/>
+              <a:t>Strings in Python are arrays of bytes representing Unicode characters.</a:t>
+            </a:r>
+          </a:p>
+          <a:p>
+            <a:r>
+              <a:rPr lang="en-US" dirty="0"/>
+              <a:t>Python does not have a character data type, a single character is simply a string with a length of 1.</a:t>
+            </a:r>
+          </a:p>
+          <a:p>
+            <a:r>
+              <a:rPr lang="en-US" dirty="0"/>
               <a:t>Square brackets can be used to access elements of the string.</a:t>
             </a:r>
           </a:p>
@@ -6728,7 +9433,7 @@
           </a:p>
           <a:p>
             <a:r>
-              <a:rPr lang="en-US" smtClean="0"/>
+              <a:rPr lang="en-US" dirty="0"/>
               <a:t>OUTPUT: e</a:t>
             </a:r>
             <a:endParaRPr lang="en-IN" dirty="0"/>
@@ -6781,10 +9486,9 @@
           <a:lstStyle/>
           <a:p>
             <a:r>
-              <a:rPr lang="en-IN" b="1" dirty="0" smtClean="0"/>
+              <a:rPr lang="en-IN" b="1" dirty="0"/>
               <a:t>Looping Through a String</a:t>
             </a:r>
-            <a:endParaRPr lang="en-IN" b="1" dirty="0"/>
           </a:p>
         </p:txBody>
       </p:sp>
@@ -6804,7 +9508,7 @@
           <a:lstStyle/>
           <a:p>
             <a:r>
-              <a:rPr lang="en-US" dirty="0" smtClean="0"/>
+              <a:rPr lang="en-US" dirty="0"/>
               <a:t>Since strings are arrays, we can loop through the characters in a string, with a for loop.</a:t>
             </a:r>
           </a:p>
@@ -6881,7 +9585,7 @@
           <a:lstStyle/>
           <a:p>
             <a:r>
-              <a:rPr lang="en-US" b="1" dirty="0" smtClean="0"/>
+              <a:rPr lang="en-US" b="1" dirty="0"/>
               <a:t>Features of Python Strings</a:t>
             </a:r>
             <a:endParaRPr lang="en-IN" b="1" dirty="0"/>
@@ -6907,34 +9611,24 @@
               <a:rPr lang="en-US" dirty="0"/>
               <a:t>Python strings are "immutable" which means they cannot be changed after they are created (Java strings also use this immutable style). </a:t>
             </a:r>
-            <a:endParaRPr lang="en-US" dirty="0" smtClean="0"/>
-          </a:p>
-          <a:p>
-            <a:r>
-              <a:rPr lang="en-US" dirty="0" smtClean="0"/>
-              <a:t>Since </a:t>
-            </a:r>
+          </a:p>
+          <a:p>
             <a:r>
               <a:rPr lang="en-US" dirty="0"/>
-              <a:t>strings can't be changed, we construct *new* strings as we go to represent computed values. </a:t>
-            </a:r>
-            <a:endParaRPr lang="en-US" dirty="0" smtClean="0"/>
-          </a:p>
-          <a:p>
-            <a:r>
-              <a:rPr lang="en-US" dirty="0" smtClean="0"/>
-              <a:t>So </a:t>
-            </a:r>
+              <a:t>Since strings can't be changed, we construct *new* strings as we go to represent computed values. </a:t>
+            </a:r>
+          </a:p>
+          <a:p>
             <a:r>
               <a:rPr lang="en-US" dirty="0"/>
-              <a:t>for example the expression ('hello' + 'there') takes in the 2 strings 'hello' and 'there' and builds a new string '</a:t>
+              <a:t>So for example the expression ('hello' + 'there') takes in the 2 strings 'hello' and 'there' and builds a new string '</a:t>
             </a:r>
             <a:r>
               <a:rPr lang="en-US" dirty="0" err="1"/>
               <a:t>hellothere</a:t>
             </a:r>
             <a:r>
-              <a:rPr lang="en-US" dirty="0" smtClean="0"/>
+              <a:rPr lang="en-US" dirty="0"/>
               <a:t>'.</a:t>
             </a:r>
           </a:p>
@@ -6957,9 +9651,9 @@
 </file>
 
 <file path=ppt/theme/theme1.xml><?xml version="1.0" encoding="utf-8"?>
-<a:theme xmlns:a="http://schemas.openxmlformats.org/drawingml/2006/main" name="Office Theme">
+<a:theme xmlns:a="http://schemas.openxmlformats.org/drawingml/2006/main" name="Organic">
   <a:themeElements>
-    <a:clrScheme name="Office">
+    <a:clrScheme name="Organic">
       <a:dk1>
         <a:sysClr val="windowText" lastClr="000000"/>
       </a:dk1>
@@ -6967,44 +9661,79 @@
         <a:sysClr val="window" lastClr="FFFFFF"/>
       </a:lt1>
       <a:dk2>
-        <a:srgbClr val="44546A"/>
+        <a:srgbClr val="212121"/>
       </a:dk2>
       <a:lt2>
-        <a:srgbClr val="E7E6E6"/>
+        <a:srgbClr val="DADADA"/>
       </a:lt2>
       <a:accent1>
-        <a:srgbClr val="5B9BD5"/>
+        <a:srgbClr val="B15E28"/>
       </a:accent1>
       <a:accent2>
-        <a:srgbClr val="ED7D31"/>
+        <a:srgbClr val="B13228"/>
       </a:accent2>
       <a:accent3>
-        <a:srgbClr val="A5A5A5"/>
+        <a:srgbClr val="8B7B56"/>
       </a:accent3>
       <a:accent4>
-        <a:srgbClr val="FFC000"/>
+        <a:srgbClr val="E09C41"/>
       </a:accent4>
       <a:accent5>
-        <a:srgbClr val="4472C4"/>
+        <a:srgbClr val="9EAE51"/>
       </a:accent5>
       <a:accent6>
-        <a:srgbClr val="70AD47"/>
+        <a:srgbClr val="6E7355"/>
       </a:accent6>
       <a:hlink>
-        <a:srgbClr val="0563C1"/>
+        <a:srgbClr val="D37A21"/>
       </a:hlink>
       <a:folHlink>
-        <a:srgbClr val="954F72"/>
+        <a:srgbClr val="CA8F55"/>
       </a:folHlink>
     </a:clrScheme>
-    <a:fontScheme name="Office">
+    <a:fontScheme name="Organic">
       <a:majorFont>
-        <a:latin typeface="Calibri Light" panose="020F0302020204030204"/>
+        <a:latin typeface="Garamond" panose="02020404030301010803"/>
         <a:ea typeface=""/>
         <a:cs typeface=""/>
         <a:font script="Jpan" typeface="ＭＳ Ｐゴシック"/>
-        <a:font script="Hang" typeface="맑은 고딕"/>
-        <a:font script="Hans" typeface="宋体"/>
+        <a:font script="Hang" typeface="돋움"/>
+        <a:font script="Hans" typeface="方正舒体"/>
+        <a:font script="Hant" typeface="微軟正黑體"/>
+        <a:font script="Arab" typeface="Arial"/>
+        <a:font script="Hebr" typeface="Arial"/>
+        <a:font script="Thai" typeface="Cordia New"/>
+        <a:font script="Ethi" typeface="Nyala"/>
+        <a:font script="Beng" typeface="Vrinda"/>
+        <a:font script="Gujr" typeface="Shruti"/>
+        <a:font script="Khmr" typeface="DaunPenh"/>
+        <a:font script="Knda" typeface="Tunga"/>
+        <a:font script="Guru" typeface="Raavi"/>
+        <a:font script="Cans" typeface="Euphemia"/>
+        <a:font script="Cher" typeface="Plantagenet Cherokee"/>
+        <a:font script="Yiii" typeface="Microsoft Yi Baiti"/>
+        <a:font script="Tibt" typeface="Microsoft Himalaya"/>
+        <a:font script="Thaa" typeface="MV Boli"/>
+        <a:font script="Deva" typeface="Mangal"/>
+        <a:font script="Telu" typeface="Gautami"/>
+        <a:font script="Taml" typeface="Latha"/>
+        <a:font script="Syrc" typeface="Estrangelo Edessa"/>
+        <a:font script="Orya" typeface="Kalinga"/>
+        <a:font script="Mlym" typeface="Kartika"/>
+        <a:font script="Laoo" typeface="DokChampa"/>
+        <a:font script="Sinh" typeface="Iskoola Pota"/>
+        <a:font script="Mong" typeface="Mongolian Baiti"/>
+        <a:font script="Viet" typeface="Arial"/>
+        <a:font script="Uigh" typeface="Microsoft Uighur"/>
+        <a:font script="Geor" typeface="Sylfaen"/>
+      </a:majorFont>
+      <a:minorFont>
+        <a:latin typeface="Garamond" panose="02020404030301010803"/>
+        <a:ea typeface=""/>
+        <a:cs typeface=""/>
+        <a:font script="Jpan" typeface="ＭＳ Ｐ明朝"/>
+        <a:font script="Hang" typeface="바탕"/>
+        <a:font script="Hans" typeface="方正舒体"/>
         <a:font script="Hant" typeface="新細明體"/>
         <a:font script="Arab" typeface="Times New Roman"/>
         <a:font script="Hebr" typeface="Times New Roman"/>
@@ -7032,44 +9761,9 @@
         <a:font script="Viet" typeface="Times New Roman"/>
         <a:font script="Uigh" typeface="Microsoft Uighur"/>
         <a:font script="Geor" typeface="Sylfaen"/>
-      </a:majorFont>
-      <a:minorFont>
-        <a:latin typeface="Calibri" panose="020F0502020204030204"/>
-        <a:ea typeface=""/>
-        <a:cs typeface=""/>
-        <a:font script="Jpan" typeface="ＭＳ Ｐゴシック"/>
-        <a:font script="Hang" typeface="맑은 고딕"/>
-        <a:font script="Hans" typeface="宋体"/>
-        <a:font script="Hant" typeface="新細明體"/>
-        <a:font script="Arab" typeface="Arial"/>
-        <a:font script="Hebr" typeface="Arial"/>
-        <a:font script="Thai" typeface="Cordia New"/>
-        <a:font script="Ethi" typeface="Nyala"/>
-        <a:font script="Beng" typeface="Vrinda"/>
-        <a:font script="Gujr" typeface="Shruti"/>
-        <a:font script="Khmr" typeface="DaunPenh"/>
-        <a:font script="Knda" typeface="Tunga"/>
-        <a:font script="Guru" typeface="Raavi"/>
-        <a:font script="Cans" typeface="Euphemia"/>
-        <a:font script="Cher" typeface="Plantagenet Cherokee"/>
-        <a:font script="Yiii" typeface="Microsoft Yi Baiti"/>
-        <a:font script="Tibt" typeface="Microsoft Himalaya"/>
-        <a:font script="Thaa" typeface="MV Boli"/>
-        <a:font script="Deva" typeface="Mangal"/>
-        <a:font script="Telu" typeface="Gautami"/>
-        <a:font script="Taml" typeface="Latha"/>
-        <a:font script="Syrc" typeface="Estrangelo Edessa"/>
-        <a:font script="Orya" typeface="Kalinga"/>
-        <a:font script="Mlym" typeface="Kartika"/>
-        <a:font script="Laoo" typeface="DokChampa"/>
-        <a:font script="Sinh" typeface="Iskoola Pota"/>
-        <a:font script="Mong" typeface="Mongolian Baiti"/>
-        <a:font script="Viet" typeface="Arial"/>
-        <a:font script="Uigh" typeface="Microsoft Uighur"/>
-        <a:font script="Geor" typeface="Sylfaen"/>
       </a:minorFont>
     </a:fontScheme>
-    <a:fmtScheme name="Office">
+    <a:fmtScheme name="Organic">
       <a:fillStyleLst>
         <a:solidFill>
           <a:schemeClr val="phClr"/>
@@ -7078,76 +9772,54 @@
           <a:gsLst>
             <a:gs pos="0">
               <a:schemeClr val="phClr">
+                <a:tint val="60000"/>
                 <a:lumMod val="110000"/>
-                <a:satMod val="105000"/>
-                <a:tint val="67000"/>
-              </a:schemeClr>
-            </a:gs>
-            <a:gs pos="50000">
-              <a:schemeClr val="phClr">
-                <a:lumMod val="105000"/>
-                <a:satMod val="103000"/>
-                <a:tint val="73000"/>
               </a:schemeClr>
             </a:gs>
             <a:gs pos="100000">
               <a:schemeClr val="phClr">
-                <a:lumMod val="105000"/>
-                <a:satMod val="109000"/>
-                <a:tint val="81000"/>
+                <a:tint val="82000"/>
               </a:schemeClr>
             </a:gs>
           </a:gsLst>
           <a:lin ang="5400000" scaled="0"/>
         </a:gradFill>
-        <a:gradFill rotWithShape="1">
-          <a:gsLst>
-            <a:gs pos="0">
+        <a:blipFill>
+          <a:blip xmlns:r="http://schemas.openxmlformats.org/officeDocument/2006/relationships" r:embed="rId1">
+            <a:duotone>
               <a:schemeClr val="phClr">
-                <a:satMod val="103000"/>
-                <a:lumMod val="102000"/>
+                <a:shade val="74000"/>
+                <a:satMod val="130000"/>
+                <a:lumMod val="90000"/>
+              </a:schemeClr>
+              <a:schemeClr val="phClr">
                 <a:tint val="94000"/>
+                <a:satMod val="120000"/>
+                <a:lumMod val="104000"/>
               </a:schemeClr>
-            </a:gs>
-            <a:gs pos="50000">
-              <a:schemeClr val="phClr">
-                <a:satMod val="110000"/>
-                <a:lumMod val="100000"/>
-                <a:shade val="100000"/>
-              </a:schemeClr>
-            </a:gs>
-            <a:gs pos="100000">
-              <a:schemeClr val="phClr">
-                <a:lumMod val="99000"/>
-                <a:satMod val="120000"/>
-                <a:shade val="78000"/>
-              </a:schemeClr>
-            </a:gs>
-          </a:gsLst>
-          <a:lin ang="5400000" scaled="0"/>
-        </a:gradFill>
+            </a:duotone>
+          </a:blip>
+          <a:tile tx="0" ty="0" sx="100000" sy="100000" flip="none" algn="tl"/>
+        </a:blipFill>
       </a:fillStyleLst>
       <a:lnStyleLst>
-        <a:ln w="6350" cap="flat" cmpd="sng" algn="ctr">
+        <a:ln w="9525" cap="flat" cmpd="sng" algn="ctr">
           <a:solidFill>
             <a:schemeClr val="phClr"/>
           </a:solidFill>
           <a:prstDash val="solid"/>
-          <a:miter lim="800000"/>
         </a:ln>
-        <a:ln w="12700" cap="flat" cmpd="sng" algn="ctr">
+        <a:ln w="15875" cap="flat" cmpd="sng" algn="ctr">
           <a:solidFill>
             <a:schemeClr val="phClr"/>
           </a:solidFill>
           <a:prstDash val="solid"/>
-          <a:miter lim="800000"/>
         </a:ln>
-        <a:ln w="19050" cap="flat" cmpd="sng" algn="ctr">
+        <a:ln w="25400" cap="flat" cmpd="sng" algn="ctr">
           <a:solidFill>
             <a:schemeClr val="phClr"/>
           </a:solidFill>
           <a:prstDash val="solid"/>
-          <a:miter lim="800000"/>
         </a:ln>
       </a:lnStyleLst>
       <a:effectStyleLst>
@@ -7155,13 +9827,19 @@
           <a:effectLst/>
         </a:effectStyle>
         <a:effectStyle>
-          <a:effectLst/>
+          <a:effectLst>
+            <a:innerShdw blurRad="25400" dist="12700" dir="13500000">
+              <a:srgbClr val="000000">
+                <a:alpha val="45000"/>
+              </a:srgbClr>
+            </a:innerShdw>
+          </a:effectLst>
         </a:effectStyle>
         <a:effectStyle>
           <a:effectLst>
-            <a:outerShdw blurRad="57150" dist="19050" dir="5400000" algn="ctr" rotWithShape="0">
+            <a:outerShdw blurRad="38100" dist="25400" dir="5400000" rotWithShape="0">
               <a:srgbClr val="000000">
-                <a:alpha val="63000"/>
+                <a:alpha val="60000"/>
               </a:srgbClr>
             </a:outerShdw>
           </a:effectLst>
@@ -7171,39 +9849,27 @@
         <a:solidFill>
           <a:schemeClr val="phClr"/>
         </a:solidFill>
-        <a:solidFill>
-          <a:schemeClr val="phClr">
-            <a:tint val="95000"/>
-            <a:satMod val="170000"/>
-          </a:schemeClr>
-        </a:solidFill>
         <a:gradFill rotWithShape="1">
           <a:gsLst>
             <a:gs pos="0">
               <a:schemeClr val="phClr">
-                <a:tint val="93000"/>
-                <a:satMod val="150000"/>
-                <a:shade val="98000"/>
-                <a:lumMod val="102000"/>
-              </a:schemeClr>
-            </a:gs>
-            <a:gs pos="50000">
-              <a:schemeClr val="phClr">
-                <a:tint val="98000"/>
-                <a:satMod val="130000"/>
-                <a:shade val="90000"/>
-                <a:lumMod val="103000"/>
+                <a:tint val="90000"/>
+                <a:lumMod val="110000"/>
               </a:schemeClr>
             </a:gs>
             <a:gs pos="100000">
               <a:schemeClr val="phClr">
-                <a:shade val="63000"/>
-                <a:satMod val="120000"/>
+                <a:shade val="88000"/>
+                <a:lumMod val="98000"/>
               </a:schemeClr>
             </a:gs>
           </a:gsLst>
           <a:lin ang="5400000" scaled="0"/>
         </a:gradFill>
+        <a:blipFill>
+          <a:blip xmlns:r="http://schemas.openxmlformats.org/officeDocument/2006/relationships" r:embed="rId2"/>
+          <a:stretch/>
+        </a:blipFill>
       </a:bgFillStyleLst>
     </a:fmtScheme>
   </a:themeElements>
@@ -7211,7 +9877,7 @@
   <a:extraClrSchemeLst/>
   <a:extLst>
     <a:ext uri="{05A4C25C-085E-4340-85A3-A5531E510DB2}">
-      <thm15:themeFamily xmlns:thm15="http://schemas.microsoft.com/office/thememl/2012/main" name="Office Theme" id="{62F939B6-93AF-4DB8-9C6B-D6C7DFDC589F}" vid="{4A3C46E8-61CC-4603-A589-7422A47A8E4A}"/>
+      <thm15:themeFamily xmlns:thm15="http://schemas.microsoft.com/office/thememl/2012/main" name="Organic" id="{28CDC826-8792-45C0-861B-85EB3ADEDA33}" vid="{7039A4B3-0617-4CFC-B614-27363ECC28AC}"/>
     </a:ext>
   </a:extLst>
 </a:theme>
